--- a/presentation/Project.pptx
+++ b/presentation/Project.pptx
@@ -19,6 +19,7 @@
     <p:sldId id="265" r:id="rId13"/>
     <p:sldId id="269" r:id="rId14"/>
     <p:sldId id="270" r:id="rId15"/>
+    <p:sldId id="271" r:id="rId16"/>
   </p:sldIdLst>
   <p:sldSz cx="12192000" cy="6858000"/>
   <p:notesSz cx="6858000" cy="9144000"/>
@@ -164,8 +165,13 @@
             </a:r>
             <a:r>
               <a:rPr lang="en-US" dirty="0" smtClean="0"/>
-              <a:t>case Errors out of 5000 articles</a:t>
+              <a:t>case Errors out of </a:t>
             </a:r>
+            <a:r>
+              <a:rPr lang="en-US" dirty="0" smtClean="0"/>
+              <a:t>9000+ articles</a:t>
+            </a:r>
+            <a:endParaRPr lang="en-US" dirty="0" smtClean="0"/>
           </a:p>
         </c:rich>
       </c:tx>
@@ -318,19 +324,19 @@
                 <c:formatCode>General</c:formatCode>
                 <c:ptCount val="5"/>
                 <c:pt idx="0">
-                  <c:v>13</c:v>
+                  <c:v>11</c:v>
                 </c:pt>
                 <c:pt idx="1">
-                  <c:v>56</c:v>
+                  <c:v>173</c:v>
                 </c:pt>
                 <c:pt idx="2">
-                  <c:v>6</c:v>
+                  <c:v>22</c:v>
                 </c:pt>
                 <c:pt idx="3">
-                  <c:v>16</c:v>
+                  <c:v>45</c:v>
                 </c:pt>
                 <c:pt idx="4">
-                  <c:v>11</c:v>
+                  <c:v>14</c:v>
                 </c:pt>
               </c:numCache>
             </c:numRef>
@@ -346,11 +352,11 @@
         </c:dLbls>
         <c:gapWidth val="219"/>
         <c:overlap val="-27"/>
-        <c:axId val="274787176"/>
-        <c:axId val="274792272"/>
+        <c:axId val="270376672"/>
+        <c:axId val="270377064"/>
       </c:barChart>
       <c:catAx>
-        <c:axId val="274787176"/>
+        <c:axId val="270376672"/>
         <c:scaling>
           <c:orientation val="minMax"/>
         </c:scaling>
@@ -393,7 +399,7 @@
             <a:endParaRPr lang="en-US"/>
           </a:p>
         </c:txPr>
-        <c:crossAx val="274792272"/>
+        <c:crossAx val="270377064"/>
         <c:crosses val="autoZero"/>
         <c:auto val="1"/>
         <c:lblAlgn val="ctr"/>
@@ -401,10 +407,10 @@
         <c:noMultiLvlLbl val="0"/>
       </c:catAx>
       <c:valAx>
-        <c:axId val="274792272"/>
+        <c:axId val="270377064"/>
         <c:scaling>
           <c:orientation val="minMax"/>
-          <c:max val="100"/>
+          <c:max val="9500"/>
         </c:scaling>
         <c:delete val="0"/>
         <c:axPos val="l"/>
@@ -452,7 +458,7 @@
             <a:endParaRPr lang="en-US"/>
           </a:p>
         </c:txPr>
-        <c:crossAx val="274787176"/>
+        <c:crossAx val="270376672"/>
         <c:crosses val="autoZero"/>
         <c:crossBetween val="between"/>
       </c:valAx>
@@ -1067,11 +1073,11 @@
 </file>
 
 <file path=ppt/diagrams/colors1.xml><?xml version="1.0" encoding="utf-8"?>
-<dgm:colorsDef xmlns:dgm="http://schemas.openxmlformats.org/drawingml/2006/diagram" xmlns:a="http://schemas.openxmlformats.org/drawingml/2006/main" uniqueId="urn:microsoft.com/office/officeart/2005/8/colors/accent1_2">
+<dgm:colorsDef xmlns:dgm="http://schemas.openxmlformats.org/drawingml/2006/diagram" xmlns:a="http://schemas.openxmlformats.org/drawingml/2006/main" uniqueId="urn:microsoft.com/office/officeart/2005/8/colors/colorful1">
   <dgm:title val=""/>
   <dgm:desc val=""/>
   <dgm:catLst>
-    <dgm:cat type="accent1" pri="11200"/>
+    <dgm:cat type="colorful" pri="10100"/>
   </dgm:catLst>
   <dgm:styleLbl name="node0">
     <dgm:fillClrLst meth="repeat">
@@ -1085,21 +1091,13 @@
     <dgm:txFillClrLst/>
     <dgm:txEffectClrLst/>
   </dgm:styleLbl>
-  <dgm:styleLbl name="alignNode1">
-    <dgm:fillClrLst meth="repeat">
-      <a:schemeClr val="accent1"/>
-    </dgm:fillClrLst>
-    <dgm:linClrLst meth="repeat">
-      <a:schemeClr val="accent1"/>
-    </dgm:linClrLst>
-    <dgm:effectClrLst/>
-    <dgm:txLinClrLst/>
-    <dgm:txFillClrLst/>
-    <dgm:txEffectClrLst/>
-  </dgm:styleLbl>
   <dgm:styleLbl name="node1">
     <dgm:fillClrLst meth="repeat">
-      <a:schemeClr val="accent1"/>
+      <a:schemeClr val="accent2"/>
+      <a:schemeClr val="accent3"/>
+      <a:schemeClr val="accent4"/>
+      <a:schemeClr val="accent5"/>
+      <a:schemeClr val="accent6"/>
     </dgm:fillClrLst>
     <dgm:linClrLst meth="repeat">
       <a:schemeClr val="lt1"/>
@@ -1109,9 +1107,33 @@
     <dgm:txFillClrLst/>
     <dgm:txEffectClrLst/>
   </dgm:styleLbl>
+  <dgm:styleLbl name="alignNode1">
+    <dgm:fillClrLst meth="repeat">
+      <a:schemeClr val="accent2"/>
+      <a:schemeClr val="accent3"/>
+      <a:schemeClr val="accent4"/>
+      <a:schemeClr val="accent5"/>
+      <a:schemeClr val="accent6"/>
+    </dgm:fillClrLst>
+    <dgm:linClrLst meth="repeat">
+      <a:schemeClr val="accent2"/>
+      <a:schemeClr val="accent3"/>
+      <a:schemeClr val="accent4"/>
+      <a:schemeClr val="accent5"/>
+      <a:schemeClr val="accent6"/>
+    </dgm:linClrLst>
+    <dgm:effectClrLst/>
+    <dgm:txLinClrLst/>
+    <dgm:txFillClrLst/>
+    <dgm:txEffectClrLst/>
+  </dgm:styleLbl>
   <dgm:styleLbl name="lnNode1">
     <dgm:fillClrLst meth="repeat">
-      <a:schemeClr val="accent1"/>
+      <a:schemeClr val="accent2"/>
+      <a:schemeClr val="accent3"/>
+      <a:schemeClr val="accent4"/>
+      <a:schemeClr val="accent5"/>
+      <a:schemeClr val="accent6"/>
     </dgm:fillClrLst>
     <dgm:linClrLst meth="repeat">
       <a:schemeClr val="lt1"/>
@@ -1123,7 +1145,19 @@
   </dgm:styleLbl>
   <dgm:styleLbl name="vennNode1">
     <dgm:fillClrLst meth="repeat">
-      <a:schemeClr val="accent1">
+      <a:schemeClr val="accent2">
+        <a:alpha val="50000"/>
+      </a:schemeClr>
+      <a:schemeClr val="accent3">
+        <a:alpha val="50000"/>
+      </a:schemeClr>
+      <a:schemeClr val="accent4">
+        <a:alpha val="50000"/>
+      </a:schemeClr>
+      <a:schemeClr val="accent5">
+        <a:alpha val="50000"/>
+      </a:schemeClr>
+      <a:schemeClr val="accent6">
         <a:alpha val="50000"/>
       </a:schemeClr>
     </dgm:fillClrLst>
@@ -1136,8 +1170,8 @@
     <dgm:txEffectClrLst/>
   </dgm:styleLbl>
   <dgm:styleLbl name="node2">
-    <dgm:fillClrLst meth="repeat">
-      <a:schemeClr val="accent1"/>
+    <dgm:fillClrLst>
+      <a:schemeClr val="accent2"/>
     </dgm:fillClrLst>
     <dgm:linClrLst meth="repeat">
       <a:schemeClr val="lt1"/>
@@ -1148,8 +1182,8 @@
     <dgm:txEffectClrLst/>
   </dgm:styleLbl>
   <dgm:styleLbl name="node3">
-    <dgm:fillClrLst meth="repeat">
-      <a:schemeClr val="accent1"/>
+    <dgm:fillClrLst>
+      <a:schemeClr val="accent3"/>
     </dgm:fillClrLst>
     <dgm:linClrLst meth="repeat">
       <a:schemeClr val="lt1"/>
@@ -1160,8 +1194,8 @@
     <dgm:txEffectClrLst/>
   </dgm:styleLbl>
   <dgm:styleLbl name="node4">
-    <dgm:fillClrLst meth="repeat">
-      <a:schemeClr val="accent1"/>
+    <dgm:fillClrLst>
+      <a:schemeClr val="accent4"/>
     </dgm:fillClrLst>
     <dgm:linClrLst meth="repeat">
       <a:schemeClr val="lt1"/>
@@ -1173,7 +1207,19 @@
   </dgm:styleLbl>
   <dgm:styleLbl name="fgImgPlace1">
     <dgm:fillClrLst meth="repeat">
-      <a:schemeClr val="accent1">
+      <a:schemeClr val="accent2">
+        <a:tint val="50000"/>
+      </a:schemeClr>
+      <a:schemeClr val="accent3">
+        <a:tint val="50000"/>
+      </a:schemeClr>
+      <a:schemeClr val="accent4">
+        <a:tint val="50000"/>
+      </a:schemeClr>
+      <a:schemeClr val="accent5">
+        <a:tint val="50000"/>
+      </a:schemeClr>
+      <a:schemeClr val="accent6">
         <a:tint val="50000"/>
       </a:schemeClr>
     </dgm:fillClrLst>
@@ -1188,9 +1234,12 @@
     <dgm:txEffectClrLst/>
   </dgm:styleLbl>
   <dgm:styleLbl name="alignImgPlace1">
-    <dgm:fillClrLst meth="repeat">
+    <dgm:fillClrLst>
       <a:schemeClr val="accent1">
         <a:tint val="50000"/>
+      </a:schemeClr>
+      <a:schemeClr val="accent2">
+        <a:tint val="20000"/>
       </a:schemeClr>
     </dgm:fillClrLst>
     <dgm:linClrLst meth="repeat">
@@ -1204,9 +1253,12 @@
     <dgm:txEffectClrLst/>
   </dgm:styleLbl>
   <dgm:styleLbl name="bgImgPlace1">
-    <dgm:fillClrLst meth="repeat">
+    <dgm:fillClrLst>
       <a:schemeClr val="accent1">
         <a:tint val="50000"/>
+      </a:schemeClr>
+      <a:schemeClr val="accent2">
+        <a:tint val="20000"/>
       </a:schemeClr>
     </dgm:fillClrLst>
     <dgm:linClrLst meth="repeat">
@@ -1221,14 +1273,14 @@
   </dgm:styleLbl>
   <dgm:styleLbl name="sibTrans2D1">
     <dgm:fillClrLst meth="repeat">
-      <a:schemeClr val="accent1">
-        <a:tint val="60000"/>
-      </a:schemeClr>
+      <a:schemeClr val="accent2"/>
+      <a:schemeClr val="accent3"/>
+      <a:schemeClr val="accent4"/>
+      <a:schemeClr val="accent5"/>
+      <a:schemeClr val="accent6"/>
     </dgm:fillClrLst>
-    <dgm:linClrLst meth="repeat">
-      <a:schemeClr val="accent1">
-        <a:tint val="60000"/>
-      </a:schemeClr>
+    <dgm:linClrLst meth="cycle">
+      <a:schemeClr val="lt1"/>
     </dgm:linClrLst>
     <dgm:effectClrLst/>
     <dgm:txLinClrLst/>
@@ -1237,42 +1289,54 @@
   </dgm:styleLbl>
   <dgm:styleLbl name="fgSibTrans2D1">
     <dgm:fillClrLst meth="repeat">
-      <a:schemeClr val="accent1">
-        <a:tint val="60000"/>
-      </a:schemeClr>
+      <a:schemeClr val="accent2"/>
+      <a:schemeClr val="accent3"/>
+      <a:schemeClr val="accent4"/>
+      <a:schemeClr val="accent5"/>
+      <a:schemeClr val="accent6"/>
     </dgm:fillClrLst>
-    <dgm:linClrLst meth="repeat">
-      <a:schemeClr val="accent1">
-        <a:tint val="60000"/>
-      </a:schemeClr>
+    <dgm:linClrLst meth="cycle">
+      <a:schemeClr val="lt1"/>
     </dgm:linClrLst>
     <dgm:effectClrLst/>
     <dgm:txLinClrLst/>
-    <dgm:txFillClrLst/>
+    <dgm:txFillClrLst meth="repeat">
+      <a:schemeClr val="lt1"/>
+    </dgm:txFillClrLst>
     <dgm:txEffectClrLst/>
   </dgm:styleLbl>
   <dgm:styleLbl name="bgSibTrans2D1">
     <dgm:fillClrLst meth="repeat">
-      <a:schemeClr val="accent1">
-        <a:tint val="60000"/>
-      </a:schemeClr>
+      <a:schemeClr val="accent2"/>
+      <a:schemeClr val="accent3"/>
+      <a:schemeClr val="accent4"/>
+      <a:schemeClr val="accent5"/>
+      <a:schemeClr val="accent6"/>
     </dgm:fillClrLst>
-    <dgm:linClrLst meth="repeat">
-      <a:schemeClr val="accent1">
-        <a:tint val="60000"/>
-      </a:schemeClr>
+    <dgm:linClrLst meth="cycle">
+      <a:schemeClr val="lt1"/>
     </dgm:linClrLst>
     <dgm:effectClrLst/>
     <dgm:txLinClrLst/>
-    <dgm:txFillClrLst/>
+    <dgm:txFillClrLst meth="repeat">
+      <a:schemeClr val="lt1"/>
+    </dgm:txFillClrLst>
     <dgm:txEffectClrLst/>
   </dgm:styleLbl>
   <dgm:styleLbl name="sibTrans1D1">
     <dgm:fillClrLst meth="repeat">
-      <a:schemeClr val="accent1"/>
+      <a:schemeClr val="accent2"/>
+      <a:schemeClr val="accent3"/>
+      <a:schemeClr val="accent4"/>
+      <a:schemeClr val="accent5"/>
+      <a:schemeClr val="accent6"/>
     </dgm:fillClrLst>
     <dgm:linClrLst meth="repeat">
-      <a:schemeClr val="accent1"/>
+      <a:schemeClr val="accent2"/>
+      <a:schemeClr val="accent3"/>
+      <a:schemeClr val="accent4"/>
+      <a:schemeClr val="accent5"/>
+      <a:schemeClr val="accent6"/>
     </dgm:linClrLst>
     <dgm:effectClrLst/>
     <dgm:txLinClrLst/>
@@ -1283,10 +1347,10 @@
   </dgm:styleLbl>
   <dgm:styleLbl name="callout">
     <dgm:fillClrLst meth="repeat">
-      <a:schemeClr val="accent1"/>
+      <a:schemeClr val="accent2"/>
     </dgm:fillClrLst>
     <dgm:linClrLst meth="repeat">
-      <a:schemeClr val="accent1">
+      <a:schemeClr val="accent2">
         <a:tint val="50000"/>
       </a:schemeClr>
     </dgm:linClrLst>
@@ -1311,7 +1375,7 @@
   </dgm:styleLbl>
   <dgm:styleLbl name="asst1">
     <dgm:fillClrLst meth="repeat">
-      <a:schemeClr val="accent1"/>
+      <a:schemeClr val="accent2"/>
     </dgm:fillClrLst>
     <dgm:linClrLst meth="repeat">
       <a:schemeClr val="lt1"/>
@@ -1322,8 +1386,8 @@
     <dgm:txEffectClrLst/>
   </dgm:styleLbl>
   <dgm:styleLbl name="asst2">
-    <dgm:fillClrLst meth="repeat">
-      <a:schemeClr val="accent1"/>
+    <dgm:fillClrLst>
+      <a:schemeClr val="accent3"/>
     </dgm:fillClrLst>
     <dgm:linClrLst meth="repeat">
       <a:schemeClr val="lt1"/>
@@ -1334,8 +1398,8 @@
     <dgm:txEffectClrLst/>
   </dgm:styleLbl>
   <dgm:styleLbl name="asst3">
-    <dgm:fillClrLst meth="repeat">
-      <a:schemeClr val="accent1"/>
+    <dgm:fillClrLst>
+      <a:schemeClr val="accent4"/>
     </dgm:fillClrLst>
     <dgm:linClrLst meth="repeat">
       <a:schemeClr val="lt1"/>
@@ -1346,8 +1410,8 @@
     <dgm:txEffectClrLst/>
   </dgm:styleLbl>
   <dgm:styleLbl name="asst4">
-    <dgm:fillClrLst meth="repeat">
-      <a:schemeClr val="accent1"/>
+    <dgm:fillClrLst>
+      <a:schemeClr val="accent5"/>
     </dgm:fillClrLst>
     <dgm:linClrLst meth="repeat">
       <a:schemeClr val="lt1"/>
@@ -1359,14 +1423,10 @@
   </dgm:styleLbl>
   <dgm:styleLbl name="parChTrans2D1">
     <dgm:fillClrLst meth="repeat">
-      <a:schemeClr val="accent1">
-        <a:tint val="60000"/>
-      </a:schemeClr>
+      <a:schemeClr val="accent2"/>
     </dgm:fillClrLst>
     <dgm:linClrLst meth="repeat">
-      <a:schemeClr val="accent1">
-        <a:tint val="60000"/>
-      </a:schemeClr>
+      <a:schemeClr val="lt1"/>
     </dgm:linClrLst>
     <dgm:effectClrLst/>
     <dgm:txLinClrLst/>
@@ -1377,7 +1437,45 @@
   </dgm:styleLbl>
   <dgm:styleLbl name="parChTrans2D2">
     <dgm:fillClrLst meth="repeat">
-      <a:schemeClr val="accent1"/>
+      <a:schemeClr val="accent3"/>
+    </dgm:fillClrLst>
+    <dgm:linClrLst meth="repeat">
+      <a:schemeClr val="lt1"/>
+    </dgm:linClrLst>
+    <dgm:effectClrLst/>
+    <dgm:txLinClrLst/>
+    <dgm:txFillClrLst/>
+    <dgm:txEffectClrLst/>
+  </dgm:styleLbl>
+  <dgm:styleLbl name="parChTrans2D3">
+    <dgm:fillClrLst meth="repeat">
+      <a:schemeClr val="accent4"/>
+    </dgm:fillClrLst>
+    <dgm:linClrLst meth="repeat">
+      <a:schemeClr val="lt1"/>
+    </dgm:linClrLst>
+    <dgm:effectClrLst/>
+    <dgm:txLinClrLst/>
+    <dgm:txFillClrLst/>
+    <dgm:txEffectClrLst/>
+  </dgm:styleLbl>
+  <dgm:styleLbl name="parChTrans2D4">
+    <dgm:fillClrLst meth="repeat">
+      <a:schemeClr val="accent5"/>
+    </dgm:fillClrLst>
+    <dgm:linClrLst meth="repeat">
+      <a:schemeClr val="lt1"/>
+    </dgm:linClrLst>
+    <dgm:effectClrLst/>
+    <dgm:txLinClrLst/>
+    <dgm:txFillClrLst meth="repeat">
+      <a:schemeClr val="lt1"/>
+    </dgm:txFillClrLst>
+    <dgm:txEffectClrLst/>
+  </dgm:styleLbl>
+  <dgm:styleLbl name="parChTrans1D1">
+    <dgm:fillClrLst meth="repeat">
+      <a:schemeClr val="accent2"/>
     </dgm:fillClrLst>
     <dgm:linClrLst meth="repeat">
       <a:schemeClr val="accent1"/>
@@ -1385,46 +1483,18 @@
     <dgm:effectClrLst/>
     <dgm:txLinClrLst/>
     <dgm:txFillClrLst meth="repeat">
-      <a:schemeClr val="lt1"/>
+      <a:schemeClr val="tx1"/>
     </dgm:txFillClrLst>
     <dgm:txEffectClrLst/>
   </dgm:styleLbl>
-  <dgm:styleLbl name="parChTrans2D3">
+  <dgm:styleLbl name="parChTrans1D2">
     <dgm:fillClrLst meth="repeat">
-      <a:schemeClr val="accent1"/>
+      <a:schemeClr val="accent3">
+        <a:tint val="90000"/>
+      </a:schemeClr>
     </dgm:fillClrLst>
     <dgm:linClrLst meth="repeat">
-      <a:schemeClr val="accent1"/>
-    </dgm:linClrLst>
-    <dgm:effectClrLst/>
-    <dgm:txLinClrLst/>
-    <dgm:txFillClrLst meth="repeat">
-      <a:schemeClr val="lt1"/>
-    </dgm:txFillClrLst>
-    <dgm:txEffectClrLst/>
-  </dgm:styleLbl>
-  <dgm:styleLbl name="parChTrans2D4">
-    <dgm:fillClrLst meth="repeat">
-      <a:schemeClr val="accent1"/>
-    </dgm:fillClrLst>
-    <dgm:linClrLst meth="repeat">
-      <a:schemeClr val="accent1"/>
-    </dgm:linClrLst>
-    <dgm:effectClrLst/>
-    <dgm:txLinClrLst/>
-    <dgm:txFillClrLst meth="repeat">
-      <a:schemeClr val="lt1"/>
-    </dgm:txFillClrLst>
-    <dgm:txEffectClrLst/>
-  </dgm:styleLbl>
-  <dgm:styleLbl name="parChTrans1D1">
-    <dgm:fillClrLst meth="repeat">
-      <a:schemeClr val="accent1"/>
-    </dgm:fillClrLst>
-    <dgm:linClrLst meth="repeat">
-      <a:schemeClr val="accent1">
-        <a:shade val="60000"/>
-      </a:schemeClr>
+      <a:schemeClr val="accent2"/>
     </dgm:linClrLst>
     <dgm:effectClrLst/>
     <dgm:txLinClrLst/>
@@ -1433,14 +1503,14 @@
     </dgm:txFillClrLst>
     <dgm:txEffectClrLst/>
   </dgm:styleLbl>
-  <dgm:styleLbl name="parChTrans1D2">
+  <dgm:styleLbl name="parChTrans1D3">
     <dgm:fillClrLst meth="repeat">
-      <a:schemeClr val="accent1"/>
+      <a:schemeClr val="accent4">
+        <a:tint val="70000"/>
+      </a:schemeClr>
     </dgm:fillClrLst>
     <dgm:linClrLst meth="repeat">
-      <a:schemeClr val="accent1">
-        <a:shade val="60000"/>
-      </a:schemeClr>
+      <a:schemeClr val="accent3"/>
     </dgm:linClrLst>
     <dgm:effectClrLst/>
     <dgm:txLinClrLst/>
@@ -1449,14 +1519,14 @@
     </dgm:txFillClrLst>
     <dgm:txEffectClrLst/>
   </dgm:styleLbl>
-  <dgm:styleLbl name="parChTrans1D3">
+  <dgm:styleLbl name="parChTrans1D4">
     <dgm:fillClrLst meth="repeat">
-      <a:schemeClr val="accent1"/>
+      <a:schemeClr val="accent5">
+        <a:tint val="50000"/>
+      </a:schemeClr>
     </dgm:fillClrLst>
     <dgm:linClrLst meth="repeat">
-      <a:schemeClr val="accent1">
-        <a:shade val="80000"/>
-      </a:schemeClr>
+      <a:schemeClr val="accent4"/>
     </dgm:linClrLst>
     <dgm:effectClrLst/>
     <dgm:txLinClrLst/>
@@ -1465,22 +1535,6 @@
     </dgm:txFillClrLst>
     <dgm:txEffectClrLst/>
   </dgm:styleLbl>
-  <dgm:styleLbl name="parChTrans1D4">
-    <dgm:fillClrLst meth="repeat">
-      <a:schemeClr val="accent1"/>
-    </dgm:fillClrLst>
-    <dgm:linClrLst meth="repeat">
-      <a:schemeClr val="accent1">
-        <a:shade val="80000"/>
-      </a:schemeClr>
-    </dgm:linClrLst>
-    <dgm:effectClrLst/>
-    <dgm:txLinClrLst/>
-    <dgm:txFillClrLst meth="repeat">
-      <a:schemeClr val="tx1"/>
-    </dgm:txFillClrLst>
-    <dgm:txEffectClrLst/>
-  </dgm:styleLbl>
   <dgm:styleLbl name="fgAcc1">
     <dgm:fillClrLst meth="repeat">
       <a:schemeClr val="lt1">
@@ -1488,7 +1542,11 @@
       </a:schemeClr>
     </dgm:fillClrLst>
     <dgm:linClrLst meth="repeat">
-      <a:schemeClr val="accent1"/>
+      <a:schemeClr val="accent2"/>
+      <a:schemeClr val="accent3"/>
+      <a:schemeClr val="accent4"/>
+      <a:schemeClr val="accent5"/>
+      <a:schemeClr val="accent6"/>
     </dgm:linClrLst>
     <dgm:effectClrLst/>
     <dgm:txLinClrLst/>
@@ -1504,7 +1562,11 @@
       </a:schemeClr>
     </dgm:fillClrLst>
     <dgm:linClrLst meth="repeat">
-      <a:schemeClr val="accent1"/>
+      <a:schemeClr val="accent2"/>
+      <a:schemeClr val="accent3"/>
+      <a:schemeClr val="accent4"/>
+      <a:schemeClr val="accent5"/>
+      <a:schemeClr val="accent6"/>
     </dgm:linClrLst>
     <dgm:effectClrLst/>
     <dgm:txLinClrLst/>
@@ -1520,7 +1582,11 @@
       </a:schemeClr>
     </dgm:fillClrLst>
     <dgm:linClrLst meth="repeat">
-      <a:schemeClr val="accent1"/>
+      <a:schemeClr val="accent2"/>
+      <a:schemeClr val="accent3"/>
+      <a:schemeClr val="accent4"/>
+      <a:schemeClr val="accent5"/>
+      <a:schemeClr val="accent6"/>
     </dgm:linClrLst>
     <dgm:effectClrLst/>
     <dgm:txLinClrLst/>
@@ -1552,6 +1618,236 @@
       </a:schemeClr>
     </dgm:fillClrLst>
     <dgm:linClrLst meth="repeat">
+      <a:schemeClr val="accent2"/>
+      <a:schemeClr val="accent3"/>
+      <a:schemeClr val="accent4"/>
+      <a:schemeClr val="accent5"/>
+      <a:schemeClr val="accent6"/>
+    </dgm:linClrLst>
+    <dgm:effectClrLst/>
+    <dgm:txLinClrLst/>
+    <dgm:txFillClrLst meth="repeat">
+      <a:schemeClr val="dk1"/>
+    </dgm:txFillClrLst>
+    <dgm:txEffectClrLst/>
+  </dgm:styleLbl>
+  <dgm:styleLbl name="solidFgAcc1">
+    <dgm:fillClrLst meth="repeat">
+      <a:schemeClr val="lt1"/>
+    </dgm:fillClrLst>
+    <dgm:linClrLst meth="repeat">
+      <a:schemeClr val="accent2"/>
+      <a:schemeClr val="accent3"/>
+      <a:schemeClr val="accent4"/>
+      <a:schemeClr val="accent5"/>
+      <a:schemeClr val="accent6"/>
+    </dgm:linClrLst>
+    <dgm:effectClrLst/>
+    <dgm:txLinClrLst/>
+    <dgm:txFillClrLst meth="repeat">
+      <a:schemeClr val="dk1"/>
+    </dgm:txFillClrLst>
+    <dgm:txEffectClrLst/>
+  </dgm:styleLbl>
+  <dgm:styleLbl name="solidAlignAcc1">
+    <dgm:fillClrLst meth="repeat">
+      <a:schemeClr val="lt1"/>
+    </dgm:fillClrLst>
+    <dgm:linClrLst meth="repeat">
+      <a:schemeClr val="accent2"/>
+      <a:schemeClr val="accent3"/>
+      <a:schemeClr val="accent4"/>
+      <a:schemeClr val="accent5"/>
+      <a:schemeClr val="accent6"/>
+    </dgm:linClrLst>
+    <dgm:effectClrLst/>
+    <dgm:txLinClrLst/>
+    <dgm:txFillClrLst meth="repeat">
+      <a:schemeClr val="dk1"/>
+    </dgm:txFillClrLst>
+    <dgm:txEffectClrLst/>
+  </dgm:styleLbl>
+  <dgm:styleLbl name="solidBgAcc1">
+    <dgm:fillClrLst meth="repeat">
+      <a:schemeClr val="lt1"/>
+    </dgm:fillClrLst>
+    <dgm:linClrLst meth="repeat">
+      <a:schemeClr val="accent2"/>
+      <a:schemeClr val="accent3"/>
+      <a:schemeClr val="accent4"/>
+      <a:schemeClr val="accent5"/>
+      <a:schemeClr val="accent6"/>
+    </dgm:linClrLst>
+    <dgm:effectClrLst/>
+    <dgm:txLinClrLst/>
+    <dgm:txFillClrLst meth="repeat">
+      <a:schemeClr val="dk1"/>
+    </dgm:txFillClrLst>
+    <dgm:txEffectClrLst/>
+  </dgm:styleLbl>
+  <dgm:styleLbl name="fgAccFollowNode1">
+    <dgm:fillClrLst meth="repeat">
+      <a:schemeClr val="accent2">
+        <a:tint val="40000"/>
+        <a:alpha val="90000"/>
+      </a:schemeClr>
+      <a:schemeClr val="accent3">
+        <a:tint val="40000"/>
+        <a:alpha val="90000"/>
+      </a:schemeClr>
+      <a:schemeClr val="accent4">
+        <a:tint val="40000"/>
+        <a:alpha val="90000"/>
+      </a:schemeClr>
+      <a:schemeClr val="accent5">
+        <a:tint val="40000"/>
+        <a:alpha val="90000"/>
+      </a:schemeClr>
+      <a:schemeClr val="accent6">
+        <a:tint val="40000"/>
+        <a:alpha val="90000"/>
+      </a:schemeClr>
+    </dgm:fillClrLst>
+    <dgm:linClrLst meth="repeat">
+      <a:schemeClr val="accent2">
+        <a:tint val="40000"/>
+        <a:alpha val="90000"/>
+      </a:schemeClr>
+      <a:schemeClr val="accent3">
+        <a:tint val="40000"/>
+        <a:alpha val="90000"/>
+      </a:schemeClr>
+      <a:schemeClr val="accent4">
+        <a:tint val="40000"/>
+        <a:alpha val="90000"/>
+      </a:schemeClr>
+      <a:schemeClr val="accent5">
+        <a:tint val="40000"/>
+        <a:alpha val="90000"/>
+      </a:schemeClr>
+      <a:schemeClr val="accent6">
+        <a:tint val="40000"/>
+        <a:alpha val="90000"/>
+      </a:schemeClr>
+    </dgm:linClrLst>
+    <dgm:effectClrLst/>
+    <dgm:txLinClrLst/>
+    <dgm:txFillClrLst meth="repeat">
+      <a:schemeClr val="dk1"/>
+    </dgm:txFillClrLst>
+    <dgm:txEffectClrLst/>
+  </dgm:styleLbl>
+  <dgm:styleLbl name="alignAccFollowNode1">
+    <dgm:fillClrLst meth="repeat">
+      <a:schemeClr val="accent2">
+        <a:tint val="40000"/>
+        <a:alpha val="90000"/>
+      </a:schemeClr>
+      <a:schemeClr val="accent3">
+        <a:tint val="40000"/>
+        <a:alpha val="90000"/>
+      </a:schemeClr>
+      <a:schemeClr val="accent4">
+        <a:tint val="40000"/>
+        <a:alpha val="90000"/>
+      </a:schemeClr>
+      <a:schemeClr val="accent5">
+        <a:tint val="40000"/>
+        <a:alpha val="90000"/>
+      </a:schemeClr>
+      <a:schemeClr val="accent6">
+        <a:tint val="40000"/>
+        <a:alpha val="90000"/>
+      </a:schemeClr>
+    </dgm:fillClrLst>
+    <dgm:linClrLst meth="repeat">
+      <a:schemeClr val="accent2">
+        <a:tint val="40000"/>
+        <a:alpha val="90000"/>
+      </a:schemeClr>
+      <a:schemeClr val="accent3">
+        <a:tint val="40000"/>
+        <a:alpha val="90000"/>
+      </a:schemeClr>
+      <a:schemeClr val="accent4">
+        <a:tint val="40000"/>
+        <a:alpha val="90000"/>
+      </a:schemeClr>
+      <a:schemeClr val="accent5">
+        <a:tint val="40000"/>
+        <a:alpha val="90000"/>
+      </a:schemeClr>
+      <a:schemeClr val="accent6">
+        <a:tint val="40000"/>
+        <a:alpha val="90000"/>
+      </a:schemeClr>
+    </dgm:linClrLst>
+    <dgm:effectClrLst/>
+    <dgm:txLinClrLst/>
+    <dgm:txFillClrLst meth="repeat">
+      <a:schemeClr val="dk1"/>
+    </dgm:txFillClrLst>
+    <dgm:txEffectClrLst/>
+  </dgm:styleLbl>
+  <dgm:styleLbl name="bgAccFollowNode1">
+    <dgm:fillClrLst meth="repeat">
+      <a:schemeClr val="accent2">
+        <a:tint val="40000"/>
+        <a:alpha val="90000"/>
+      </a:schemeClr>
+      <a:schemeClr val="accent3">
+        <a:tint val="40000"/>
+        <a:alpha val="90000"/>
+      </a:schemeClr>
+      <a:schemeClr val="accent4">
+        <a:tint val="40000"/>
+        <a:alpha val="90000"/>
+      </a:schemeClr>
+      <a:schemeClr val="accent5">
+        <a:tint val="40000"/>
+        <a:alpha val="90000"/>
+      </a:schemeClr>
+      <a:schemeClr val="accent6">
+        <a:tint val="40000"/>
+        <a:alpha val="90000"/>
+      </a:schemeClr>
+    </dgm:fillClrLst>
+    <dgm:linClrLst meth="repeat">
+      <a:schemeClr val="accent2">
+        <a:tint val="40000"/>
+        <a:alpha val="90000"/>
+      </a:schemeClr>
+      <a:schemeClr val="accent3">
+        <a:tint val="40000"/>
+        <a:alpha val="90000"/>
+      </a:schemeClr>
+      <a:schemeClr val="accent4">
+        <a:tint val="40000"/>
+        <a:alpha val="90000"/>
+      </a:schemeClr>
+      <a:schemeClr val="accent5">
+        <a:tint val="40000"/>
+        <a:alpha val="90000"/>
+      </a:schemeClr>
+      <a:schemeClr val="accent6">
+        <a:tint val="40000"/>
+        <a:alpha val="90000"/>
+      </a:schemeClr>
+    </dgm:linClrLst>
+    <dgm:effectClrLst/>
+    <dgm:txLinClrLst/>
+    <dgm:txFillClrLst meth="repeat">
+      <a:schemeClr val="dk1"/>
+    </dgm:txFillClrLst>
+    <dgm:txEffectClrLst/>
+  </dgm:styleLbl>
+  <dgm:styleLbl name="fgAcc0">
+    <dgm:fillClrLst meth="repeat">
+      <a:schemeClr val="lt1">
+        <a:alpha val="90000"/>
+      </a:schemeClr>
+    </dgm:fillClrLst>
+    <dgm:linClrLst>
       <a:schemeClr val="accent1"/>
     </dgm:linClrLst>
     <dgm:effectClrLst/>
@@ -1561,12 +1857,14 @@
     </dgm:txFillClrLst>
     <dgm:txEffectClrLst/>
   </dgm:styleLbl>
-  <dgm:styleLbl name="solidFgAcc1">
+  <dgm:styleLbl name="fgAcc2">
     <dgm:fillClrLst meth="repeat">
-      <a:schemeClr val="lt1"/>
+      <a:schemeClr val="lt1">
+        <a:alpha val="90000"/>
+      </a:schemeClr>
     </dgm:fillClrLst>
-    <dgm:linClrLst meth="repeat">
-      <a:schemeClr val="accent1"/>
+    <dgm:linClrLst>
+      <a:schemeClr val="accent2"/>
     </dgm:linClrLst>
     <dgm:effectClrLst/>
     <dgm:txLinClrLst/>
@@ -1575,12 +1873,14 @@
     </dgm:txFillClrLst>
     <dgm:txEffectClrLst/>
   </dgm:styleLbl>
-  <dgm:styleLbl name="solidAlignAcc1">
+  <dgm:styleLbl name="fgAcc3">
     <dgm:fillClrLst meth="repeat">
-      <a:schemeClr val="lt1"/>
+      <a:schemeClr val="lt1">
+        <a:alpha val="90000"/>
+      </a:schemeClr>
     </dgm:fillClrLst>
-    <dgm:linClrLst meth="repeat">
-      <a:schemeClr val="accent1"/>
+    <dgm:linClrLst>
+      <a:schemeClr val="accent3"/>
     </dgm:linClrLst>
     <dgm:effectClrLst/>
     <dgm:txLinClrLst/>
@@ -1589,12 +1889,14 @@
     </dgm:txFillClrLst>
     <dgm:txEffectClrLst/>
   </dgm:styleLbl>
-  <dgm:styleLbl name="solidBgAcc1">
+  <dgm:styleLbl name="fgAcc4">
     <dgm:fillClrLst meth="repeat">
-      <a:schemeClr val="lt1"/>
+      <a:schemeClr val="lt1">
+        <a:alpha val="90000"/>
+      </a:schemeClr>
     </dgm:fillClrLst>
-    <dgm:linClrLst meth="repeat">
-      <a:schemeClr val="accent1"/>
+    <dgm:linClrLst>
+      <a:schemeClr val="accent4"/>
     </dgm:linClrLst>
     <dgm:effectClrLst/>
     <dgm:txLinClrLst/>
@@ -1603,18 +1905,14 @@
     </dgm:txFillClrLst>
     <dgm:txEffectClrLst/>
   </dgm:styleLbl>
-  <dgm:styleLbl name="fgAccFollowNode1">
+  <dgm:styleLbl name="bgShp">
     <dgm:fillClrLst meth="repeat">
-      <a:schemeClr val="accent1">
-        <a:alpha val="90000"/>
+      <a:schemeClr val="accent2">
         <a:tint val="40000"/>
       </a:schemeClr>
     </dgm:fillClrLst>
     <dgm:linClrLst meth="repeat">
-      <a:schemeClr val="accent1">
-        <a:alpha val="90000"/>
-        <a:tint val="40000"/>
-      </a:schemeClr>
+      <a:schemeClr val="dk1"/>
     </dgm:linClrLst>
     <dgm:effectClrLst/>
     <dgm:txLinClrLst/>
@@ -1623,134 +1921,14 @@
     </dgm:txFillClrLst>
     <dgm:txEffectClrLst/>
   </dgm:styleLbl>
-  <dgm:styleLbl name="alignAccFollowNode1">
+  <dgm:styleLbl name="dkBgShp">
     <dgm:fillClrLst meth="repeat">
-      <a:schemeClr val="accent1">
-        <a:alpha val="90000"/>
-        <a:tint val="40000"/>
+      <a:schemeClr val="accent2">
+        <a:shade val="90000"/>
       </a:schemeClr>
     </dgm:fillClrLst>
     <dgm:linClrLst meth="repeat">
-      <a:schemeClr val="accent1">
-        <a:alpha val="90000"/>
-        <a:tint val="40000"/>
-      </a:schemeClr>
-    </dgm:linClrLst>
-    <dgm:effectClrLst/>
-    <dgm:txLinClrLst/>
-    <dgm:txFillClrLst meth="repeat">
       <a:schemeClr val="dk1"/>
-    </dgm:txFillClrLst>
-    <dgm:txEffectClrLst/>
-  </dgm:styleLbl>
-  <dgm:styleLbl name="bgAccFollowNode1">
-    <dgm:fillClrLst meth="repeat">
-      <a:schemeClr val="accent1">
-        <a:alpha val="90000"/>
-        <a:tint val="40000"/>
-      </a:schemeClr>
-    </dgm:fillClrLst>
-    <dgm:linClrLst meth="repeat">
-      <a:schemeClr val="accent1">
-        <a:alpha val="90000"/>
-        <a:tint val="40000"/>
-      </a:schemeClr>
-    </dgm:linClrLst>
-    <dgm:effectClrLst/>
-    <dgm:txLinClrLst/>
-    <dgm:txFillClrLst meth="repeat">
-      <a:schemeClr val="dk1"/>
-    </dgm:txFillClrLst>
-    <dgm:txEffectClrLst/>
-  </dgm:styleLbl>
-  <dgm:styleLbl name="fgAcc0">
-    <dgm:fillClrLst meth="repeat">
-      <a:schemeClr val="lt1">
-        <a:alpha val="90000"/>
-      </a:schemeClr>
-    </dgm:fillClrLst>
-    <dgm:linClrLst meth="repeat">
-      <a:schemeClr val="accent1"/>
-    </dgm:linClrLst>
-    <dgm:effectClrLst/>
-    <dgm:txLinClrLst/>
-    <dgm:txFillClrLst meth="repeat">
-      <a:schemeClr val="dk1"/>
-    </dgm:txFillClrLst>
-    <dgm:txEffectClrLst/>
-  </dgm:styleLbl>
-  <dgm:styleLbl name="fgAcc2">
-    <dgm:fillClrLst meth="repeat">
-      <a:schemeClr val="lt1">
-        <a:alpha val="90000"/>
-      </a:schemeClr>
-    </dgm:fillClrLst>
-    <dgm:linClrLst meth="repeat">
-      <a:schemeClr val="accent1"/>
-    </dgm:linClrLst>
-    <dgm:effectClrLst/>
-    <dgm:txLinClrLst/>
-    <dgm:txFillClrLst meth="repeat">
-      <a:schemeClr val="dk1"/>
-    </dgm:txFillClrLst>
-    <dgm:txEffectClrLst/>
-  </dgm:styleLbl>
-  <dgm:styleLbl name="fgAcc3">
-    <dgm:fillClrLst meth="repeat">
-      <a:schemeClr val="lt1">
-        <a:alpha val="90000"/>
-      </a:schemeClr>
-    </dgm:fillClrLst>
-    <dgm:linClrLst meth="repeat">
-      <a:schemeClr val="accent1"/>
-    </dgm:linClrLst>
-    <dgm:effectClrLst/>
-    <dgm:txLinClrLst/>
-    <dgm:txFillClrLst meth="repeat">
-      <a:schemeClr val="dk1"/>
-    </dgm:txFillClrLst>
-    <dgm:txEffectClrLst/>
-  </dgm:styleLbl>
-  <dgm:styleLbl name="fgAcc4">
-    <dgm:fillClrLst meth="repeat">
-      <a:schemeClr val="lt1">
-        <a:alpha val="90000"/>
-      </a:schemeClr>
-    </dgm:fillClrLst>
-    <dgm:linClrLst meth="repeat">
-      <a:schemeClr val="accent1"/>
-    </dgm:linClrLst>
-    <dgm:effectClrLst/>
-    <dgm:txLinClrLst/>
-    <dgm:txFillClrLst meth="repeat">
-      <a:schemeClr val="dk1"/>
-    </dgm:txFillClrLst>
-    <dgm:txEffectClrLst/>
-  </dgm:styleLbl>
-  <dgm:styleLbl name="bgShp">
-    <dgm:fillClrLst meth="repeat">
-      <a:schemeClr val="accent1">
-        <a:tint val="40000"/>
-      </a:schemeClr>
-    </dgm:fillClrLst>
-    <dgm:linClrLst meth="repeat">
-      <a:schemeClr val="accent1"/>
-    </dgm:linClrLst>
-    <dgm:effectClrLst/>
-    <dgm:txLinClrLst/>
-    <dgm:txFillClrLst meth="repeat">
-      <a:schemeClr val="dk1"/>
-    </dgm:txFillClrLst>
-    <dgm:txEffectClrLst/>
-  </dgm:styleLbl>
-  <dgm:styleLbl name="dkBgShp">
-    <dgm:fillClrLst meth="repeat">
-      <a:schemeClr val="accent1">
-        <a:shade val="80000"/>
-      </a:schemeClr>
-    </dgm:fillClrLst>
-    <dgm:linClrLst meth="repeat">
-      <a:schemeClr val="accent1"/>
     </dgm:linClrLst>
     <dgm:effectClrLst/>
     <dgm:txLinClrLst/>
@@ -1767,7 +1945,7 @@
       </a:schemeClr>
     </dgm:fillClrLst>
     <dgm:linClrLst meth="repeat">
-      <a:schemeClr val="accent1"/>
+      <a:schemeClr val="accent2"/>
     </dgm:linClrLst>
     <dgm:effectClrLst/>
     <dgm:txLinClrLst/>
@@ -1778,8 +1956,8 @@
   </dgm:styleLbl>
   <dgm:styleLbl name="fgShp">
     <dgm:fillClrLst meth="repeat">
-      <a:schemeClr val="accent1">
-        <a:tint val="60000"/>
+      <a:schemeClr val="accent2">
+        <a:tint val="40000"/>
       </a:schemeClr>
     </dgm:fillClrLst>
     <dgm:linClrLst meth="repeat">
@@ -1814,11 +1992,11 @@
 </file>
 
 <file path=ppt/diagrams/colors2.xml><?xml version="1.0" encoding="utf-8"?>
-<dgm:colorsDef xmlns:dgm="http://schemas.openxmlformats.org/drawingml/2006/diagram" xmlns:a="http://schemas.openxmlformats.org/drawingml/2006/main" uniqueId="urn:microsoft.com/office/officeart/2005/8/colors/accent1_2">
+<dgm:colorsDef xmlns:dgm="http://schemas.openxmlformats.org/drawingml/2006/diagram" xmlns:a="http://schemas.openxmlformats.org/drawingml/2006/main" uniqueId="urn:microsoft.com/office/officeart/2005/8/colors/colorful1">
   <dgm:title val=""/>
   <dgm:desc val=""/>
   <dgm:catLst>
-    <dgm:cat type="accent1" pri="11200"/>
+    <dgm:cat type="colorful" pri="10100"/>
   </dgm:catLst>
   <dgm:styleLbl name="node0">
     <dgm:fillClrLst meth="repeat">
@@ -1832,21 +2010,13 @@
     <dgm:txFillClrLst/>
     <dgm:txEffectClrLst/>
   </dgm:styleLbl>
-  <dgm:styleLbl name="alignNode1">
-    <dgm:fillClrLst meth="repeat">
-      <a:schemeClr val="accent1"/>
-    </dgm:fillClrLst>
-    <dgm:linClrLst meth="repeat">
-      <a:schemeClr val="accent1"/>
-    </dgm:linClrLst>
-    <dgm:effectClrLst/>
-    <dgm:txLinClrLst/>
-    <dgm:txFillClrLst/>
-    <dgm:txEffectClrLst/>
-  </dgm:styleLbl>
   <dgm:styleLbl name="node1">
     <dgm:fillClrLst meth="repeat">
-      <a:schemeClr val="accent1"/>
+      <a:schemeClr val="accent2"/>
+      <a:schemeClr val="accent3"/>
+      <a:schemeClr val="accent4"/>
+      <a:schemeClr val="accent5"/>
+      <a:schemeClr val="accent6"/>
     </dgm:fillClrLst>
     <dgm:linClrLst meth="repeat">
       <a:schemeClr val="lt1"/>
@@ -1856,9 +2026,33 @@
     <dgm:txFillClrLst/>
     <dgm:txEffectClrLst/>
   </dgm:styleLbl>
+  <dgm:styleLbl name="alignNode1">
+    <dgm:fillClrLst meth="repeat">
+      <a:schemeClr val="accent2"/>
+      <a:schemeClr val="accent3"/>
+      <a:schemeClr val="accent4"/>
+      <a:schemeClr val="accent5"/>
+      <a:schemeClr val="accent6"/>
+    </dgm:fillClrLst>
+    <dgm:linClrLst meth="repeat">
+      <a:schemeClr val="accent2"/>
+      <a:schemeClr val="accent3"/>
+      <a:schemeClr val="accent4"/>
+      <a:schemeClr val="accent5"/>
+      <a:schemeClr val="accent6"/>
+    </dgm:linClrLst>
+    <dgm:effectClrLst/>
+    <dgm:txLinClrLst/>
+    <dgm:txFillClrLst/>
+    <dgm:txEffectClrLst/>
+  </dgm:styleLbl>
   <dgm:styleLbl name="lnNode1">
     <dgm:fillClrLst meth="repeat">
-      <a:schemeClr val="accent1"/>
+      <a:schemeClr val="accent2"/>
+      <a:schemeClr val="accent3"/>
+      <a:schemeClr val="accent4"/>
+      <a:schemeClr val="accent5"/>
+      <a:schemeClr val="accent6"/>
     </dgm:fillClrLst>
     <dgm:linClrLst meth="repeat">
       <a:schemeClr val="lt1"/>
@@ -1870,7 +2064,19 @@
   </dgm:styleLbl>
   <dgm:styleLbl name="vennNode1">
     <dgm:fillClrLst meth="repeat">
-      <a:schemeClr val="accent1">
+      <a:schemeClr val="accent2">
+        <a:alpha val="50000"/>
+      </a:schemeClr>
+      <a:schemeClr val="accent3">
+        <a:alpha val="50000"/>
+      </a:schemeClr>
+      <a:schemeClr val="accent4">
+        <a:alpha val="50000"/>
+      </a:schemeClr>
+      <a:schemeClr val="accent5">
+        <a:alpha val="50000"/>
+      </a:schemeClr>
+      <a:schemeClr val="accent6">
         <a:alpha val="50000"/>
       </a:schemeClr>
     </dgm:fillClrLst>
@@ -1883,8 +2089,8 @@
     <dgm:txEffectClrLst/>
   </dgm:styleLbl>
   <dgm:styleLbl name="node2">
-    <dgm:fillClrLst meth="repeat">
-      <a:schemeClr val="accent1"/>
+    <dgm:fillClrLst>
+      <a:schemeClr val="accent2"/>
     </dgm:fillClrLst>
     <dgm:linClrLst meth="repeat">
       <a:schemeClr val="lt1"/>
@@ -1895,8 +2101,8 @@
     <dgm:txEffectClrLst/>
   </dgm:styleLbl>
   <dgm:styleLbl name="node3">
-    <dgm:fillClrLst meth="repeat">
-      <a:schemeClr val="accent1"/>
+    <dgm:fillClrLst>
+      <a:schemeClr val="accent3"/>
     </dgm:fillClrLst>
     <dgm:linClrLst meth="repeat">
       <a:schemeClr val="lt1"/>
@@ -1907,8 +2113,8 @@
     <dgm:txEffectClrLst/>
   </dgm:styleLbl>
   <dgm:styleLbl name="node4">
-    <dgm:fillClrLst meth="repeat">
-      <a:schemeClr val="accent1"/>
+    <dgm:fillClrLst>
+      <a:schemeClr val="accent4"/>
     </dgm:fillClrLst>
     <dgm:linClrLst meth="repeat">
       <a:schemeClr val="lt1"/>
@@ -1920,7 +2126,19 @@
   </dgm:styleLbl>
   <dgm:styleLbl name="fgImgPlace1">
     <dgm:fillClrLst meth="repeat">
-      <a:schemeClr val="accent1">
+      <a:schemeClr val="accent2">
+        <a:tint val="50000"/>
+      </a:schemeClr>
+      <a:schemeClr val="accent3">
+        <a:tint val="50000"/>
+      </a:schemeClr>
+      <a:schemeClr val="accent4">
+        <a:tint val="50000"/>
+      </a:schemeClr>
+      <a:schemeClr val="accent5">
+        <a:tint val="50000"/>
+      </a:schemeClr>
+      <a:schemeClr val="accent6">
         <a:tint val="50000"/>
       </a:schemeClr>
     </dgm:fillClrLst>
@@ -1935,9 +2153,12 @@
     <dgm:txEffectClrLst/>
   </dgm:styleLbl>
   <dgm:styleLbl name="alignImgPlace1">
-    <dgm:fillClrLst meth="repeat">
+    <dgm:fillClrLst>
       <a:schemeClr val="accent1">
         <a:tint val="50000"/>
+      </a:schemeClr>
+      <a:schemeClr val="accent2">
+        <a:tint val="20000"/>
       </a:schemeClr>
     </dgm:fillClrLst>
     <dgm:linClrLst meth="repeat">
@@ -1951,9 +2172,12 @@
     <dgm:txEffectClrLst/>
   </dgm:styleLbl>
   <dgm:styleLbl name="bgImgPlace1">
-    <dgm:fillClrLst meth="repeat">
+    <dgm:fillClrLst>
       <a:schemeClr val="accent1">
         <a:tint val="50000"/>
+      </a:schemeClr>
+      <a:schemeClr val="accent2">
+        <a:tint val="20000"/>
       </a:schemeClr>
     </dgm:fillClrLst>
     <dgm:linClrLst meth="repeat">
@@ -1968,14 +2192,14 @@
   </dgm:styleLbl>
   <dgm:styleLbl name="sibTrans2D1">
     <dgm:fillClrLst meth="repeat">
-      <a:schemeClr val="accent1">
-        <a:tint val="60000"/>
-      </a:schemeClr>
+      <a:schemeClr val="accent2"/>
+      <a:schemeClr val="accent3"/>
+      <a:schemeClr val="accent4"/>
+      <a:schemeClr val="accent5"/>
+      <a:schemeClr val="accent6"/>
     </dgm:fillClrLst>
-    <dgm:linClrLst meth="repeat">
-      <a:schemeClr val="accent1">
-        <a:tint val="60000"/>
-      </a:schemeClr>
+    <dgm:linClrLst meth="cycle">
+      <a:schemeClr val="lt1"/>
     </dgm:linClrLst>
     <dgm:effectClrLst/>
     <dgm:txLinClrLst/>
@@ -1984,42 +2208,54 @@
   </dgm:styleLbl>
   <dgm:styleLbl name="fgSibTrans2D1">
     <dgm:fillClrLst meth="repeat">
-      <a:schemeClr val="accent1">
-        <a:tint val="60000"/>
-      </a:schemeClr>
+      <a:schemeClr val="accent2"/>
+      <a:schemeClr val="accent3"/>
+      <a:schemeClr val="accent4"/>
+      <a:schemeClr val="accent5"/>
+      <a:schemeClr val="accent6"/>
     </dgm:fillClrLst>
-    <dgm:linClrLst meth="repeat">
-      <a:schemeClr val="accent1">
-        <a:tint val="60000"/>
-      </a:schemeClr>
+    <dgm:linClrLst meth="cycle">
+      <a:schemeClr val="lt1"/>
     </dgm:linClrLst>
     <dgm:effectClrLst/>
     <dgm:txLinClrLst/>
-    <dgm:txFillClrLst/>
+    <dgm:txFillClrLst meth="repeat">
+      <a:schemeClr val="lt1"/>
+    </dgm:txFillClrLst>
     <dgm:txEffectClrLst/>
   </dgm:styleLbl>
   <dgm:styleLbl name="bgSibTrans2D1">
     <dgm:fillClrLst meth="repeat">
-      <a:schemeClr val="accent1">
-        <a:tint val="60000"/>
-      </a:schemeClr>
+      <a:schemeClr val="accent2"/>
+      <a:schemeClr val="accent3"/>
+      <a:schemeClr val="accent4"/>
+      <a:schemeClr val="accent5"/>
+      <a:schemeClr val="accent6"/>
     </dgm:fillClrLst>
-    <dgm:linClrLst meth="repeat">
-      <a:schemeClr val="accent1">
-        <a:tint val="60000"/>
-      </a:schemeClr>
+    <dgm:linClrLst meth="cycle">
+      <a:schemeClr val="lt1"/>
     </dgm:linClrLst>
     <dgm:effectClrLst/>
     <dgm:txLinClrLst/>
-    <dgm:txFillClrLst/>
+    <dgm:txFillClrLst meth="repeat">
+      <a:schemeClr val="lt1"/>
+    </dgm:txFillClrLst>
     <dgm:txEffectClrLst/>
   </dgm:styleLbl>
   <dgm:styleLbl name="sibTrans1D1">
     <dgm:fillClrLst meth="repeat">
-      <a:schemeClr val="accent1"/>
+      <a:schemeClr val="accent2"/>
+      <a:schemeClr val="accent3"/>
+      <a:schemeClr val="accent4"/>
+      <a:schemeClr val="accent5"/>
+      <a:schemeClr val="accent6"/>
     </dgm:fillClrLst>
     <dgm:linClrLst meth="repeat">
-      <a:schemeClr val="accent1"/>
+      <a:schemeClr val="accent2"/>
+      <a:schemeClr val="accent3"/>
+      <a:schemeClr val="accent4"/>
+      <a:schemeClr val="accent5"/>
+      <a:schemeClr val="accent6"/>
     </dgm:linClrLst>
     <dgm:effectClrLst/>
     <dgm:txLinClrLst/>
@@ -2030,10 +2266,10 @@
   </dgm:styleLbl>
   <dgm:styleLbl name="callout">
     <dgm:fillClrLst meth="repeat">
-      <a:schemeClr val="accent1"/>
+      <a:schemeClr val="accent2"/>
     </dgm:fillClrLst>
     <dgm:linClrLst meth="repeat">
-      <a:schemeClr val="accent1">
+      <a:schemeClr val="accent2">
         <a:tint val="50000"/>
       </a:schemeClr>
     </dgm:linClrLst>
@@ -2058,7 +2294,7 @@
   </dgm:styleLbl>
   <dgm:styleLbl name="asst1">
     <dgm:fillClrLst meth="repeat">
-      <a:schemeClr val="accent1"/>
+      <a:schemeClr val="accent2"/>
     </dgm:fillClrLst>
     <dgm:linClrLst meth="repeat">
       <a:schemeClr val="lt1"/>
@@ -2069,8 +2305,8 @@
     <dgm:txEffectClrLst/>
   </dgm:styleLbl>
   <dgm:styleLbl name="asst2">
-    <dgm:fillClrLst meth="repeat">
-      <a:schemeClr val="accent1"/>
+    <dgm:fillClrLst>
+      <a:schemeClr val="accent3"/>
     </dgm:fillClrLst>
     <dgm:linClrLst meth="repeat">
       <a:schemeClr val="lt1"/>
@@ -2081,8 +2317,8 @@
     <dgm:txEffectClrLst/>
   </dgm:styleLbl>
   <dgm:styleLbl name="asst3">
-    <dgm:fillClrLst meth="repeat">
-      <a:schemeClr val="accent1"/>
+    <dgm:fillClrLst>
+      <a:schemeClr val="accent4"/>
     </dgm:fillClrLst>
     <dgm:linClrLst meth="repeat">
       <a:schemeClr val="lt1"/>
@@ -2093,8 +2329,8 @@
     <dgm:txEffectClrLst/>
   </dgm:styleLbl>
   <dgm:styleLbl name="asst4">
-    <dgm:fillClrLst meth="repeat">
-      <a:schemeClr val="accent1"/>
+    <dgm:fillClrLst>
+      <a:schemeClr val="accent5"/>
     </dgm:fillClrLst>
     <dgm:linClrLst meth="repeat">
       <a:schemeClr val="lt1"/>
@@ -2106,14 +2342,10 @@
   </dgm:styleLbl>
   <dgm:styleLbl name="parChTrans2D1">
     <dgm:fillClrLst meth="repeat">
-      <a:schemeClr val="accent1">
-        <a:tint val="60000"/>
-      </a:schemeClr>
+      <a:schemeClr val="accent2"/>
     </dgm:fillClrLst>
     <dgm:linClrLst meth="repeat">
-      <a:schemeClr val="accent1">
-        <a:tint val="60000"/>
-      </a:schemeClr>
+      <a:schemeClr val="lt1"/>
     </dgm:linClrLst>
     <dgm:effectClrLst/>
     <dgm:txLinClrLst/>
@@ -2124,7 +2356,45 @@
   </dgm:styleLbl>
   <dgm:styleLbl name="parChTrans2D2">
     <dgm:fillClrLst meth="repeat">
-      <a:schemeClr val="accent1"/>
+      <a:schemeClr val="accent3"/>
+    </dgm:fillClrLst>
+    <dgm:linClrLst meth="repeat">
+      <a:schemeClr val="lt1"/>
+    </dgm:linClrLst>
+    <dgm:effectClrLst/>
+    <dgm:txLinClrLst/>
+    <dgm:txFillClrLst/>
+    <dgm:txEffectClrLst/>
+  </dgm:styleLbl>
+  <dgm:styleLbl name="parChTrans2D3">
+    <dgm:fillClrLst meth="repeat">
+      <a:schemeClr val="accent4"/>
+    </dgm:fillClrLst>
+    <dgm:linClrLst meth="repeat">
+      <a:schemeClr val="lt1"/>
+    </dgm:linClrLst>
+    <dgm:effectClrLst/>
+    <dgm:txLinClrLst/>
+    <dgm:txFillClrLst/>
+    <dgm:txEffectClrLst/>
+  </dgm:styleLbl>
+  <dgm:styleLbl name="parChTrans2D4">
+    <dgm:fillClrLst meth="repeat">
+      <a:schemeClr val="accent5"/>
+    </dgm:fillClrLst>
+    <dgm:linClrLst meth="repeat">
+      <a:schemeClr val="lt1"/>
+    </dgm:linClrLst>
+    <dgm:effectClrLst/>
+    <dgm:txLinClrLst/>
+    <dgm:txFillClrLst meth="repeat">
+      <a:schemeClr val="lt1"/>
+    </dgm:txFillClrLst>
+    <dgm:txEffectClrLst/>
+  </dgm:styleLbl>
+  <dgm:styleLbl name="parChTrans1D1">
+    <dgm:fillClrLst meth="repeat">
+      <a:schemeClr val="accent2"/>
     </dgm:fillClrLst>
     <dgm:linClrLst meth="repeat">
       <a:schemeClr val="accent1"/>
@@ -2132,46 +2402,18 @@
     <dgm:effectClrLst/>
     <dgm:txLinClrLst/>
     <dgm:txFillClrLst meth="repeat">
-      <a:schemeClr val="lt1"/>
+      <a:schemeClr val="tx1"/>
     </dgm:txFillClrLst>
     <dgm:txEffectClrLst/>
   </dgm:styleLbl>
-  <dgm:styleLbl name="parChTrans2D3">
+  <dgm:styleLbl name="parChTrans1D2">
     <dgm:fillClrLst meth="repeat">
-      <a:schemeClr val="accent1"/>
+      <a:schemeClr val="accent3">
+        <a:tint val="90000"/>
+      </a:schemeClr>
     </dgm:fillClrLst>
     <dgm:linClrLst meth="repeat">
-      <a:schemeClr val="accent1"/>
-    </dgm:linClrLst>
-    <dgm:effectClrLst/>
-    <dgm:txLinClrLst/>
-    <dgm:txFillClrLst meth="repeat">
-      <a:schemeClr val="lt1"/>
-    </dgm:txFillClrLst>
-    <dgm:txEffectClrLst/>
-  </dgm:styleLbl>
-  <dgm:styleLbl name="parChTrans2D4">
-    <dgm:fillClrLst meth="repeat">
-      <a:schemeClr val="accent1"/>
-    </dgm:fillClrLst>
-    <dgm:linClrLst meth="repeat">
-      <a:schemeClr val="accent1"/>
-    </dgm:linClrLst>
-    <dgm:effectClrLst/>
-    <dgm:txLinClrLst/>
-    <dgm:txFillClrLst meth="repeat">
-      <a:schemeClr val="lt1"/>
-    </dgm:txFillClrLst>
-    <dgm:txEffectClrLst/>
-  </dgm:styleLbl>
-  <dgm:styleLbl name="parChTrans1D1">
-    <dgm:fillClrLst meth="repeat">
-      <a:schemeClr val="accent1"/>
-    </dgm:fillClrLst>
-    <dgm:linClrLst meth="repeat">
-      <a:schemeClr val="accent1">
-        <a:shade val="60000"/>
-      </a:schemeClr>
+      <a:schemeClr val="accent2"/>
     </dgm:linClrLst>
     <dgm:effectClrLst/>
     <dgm:txLinClrLst/>
@@ -2180,14 +2422,14 @@
     </dgm:txFillClrLst>
     <dgm:txEffectClrLst/>
   </dgm:styleLbl>
-  <dgm:styleLbl name="parChTrans1D2">
+  <dgm:styleLbl name="parChTrans1D3">
     <dgm:fillClrLst meth="repeat">
-      <a:schemeClr val="accent1"/>
+      <a:schemeClr val="accent4">
+        <a:tint val="70000"/>
+      </a:schemeClr>
     </dgm:fillClrLst>
     <dgm:linClrLst meth="repeat">
-      <a:schemeClr val="accent1">
-        <a:shade val="60000"/>
-      </a:schemeClr>
+      <a:schemeClr val="accent3"/>
     </dgm:linClrLst>
     <dgm:effectClrLst/>
     <dgm:txLinClrLst/>
@@ -2196,14 +2438,14 @@
     </dgm:txFillClrLst>
     <dgm:txEffectClrLst/>
   </dgm:styleLbl>
-  <dgm:styleLbl name="parChTrans1D3">
+  <dgm:styleLbl name="parChTrans1D4">
     <dgm:fillClrLst meth="repeat">
-      <a:schemeClr val="accent1"/>
+      <a:schemeClr val="accent5">
+        <a:tint val="50000"/>
+      </a:schemeClr>
     </dgm:fillClrLst>
     <dgm:linClrLst meth="repeat">
-      <a:schemeClr val="accent1">
-        <a:shade val="80000"/>
-      </a:schemeClr>
+      <a:schemeClr val="accent4"/>
     </dgm:linClrLst>
     <dgm:effectClrLst/>
     <dgm:txLinClrLst/>
@@ -2212,22 +2454,6 @@
     </dgm:txFillClrLst>
     <dgm:txEffectClrLst/>
   </dgm:styleLbl>
-  <dgm:styleLbl name="parChTrans1D4">
-    <dgm:fillClrLst meth="repeat">
-      <a:schemeClr val="accent1"/>
-    </dgm:fillClrLst>
-    <dgm:linClrLst meth="repeat">
-      <a:schemeClr val="accent1">
-        <a:shade val="80000"/>
-      </a:schemeClr>
-    </dgm:linClrLst>
-    <dgm:effectClrLst/>
-    <dgm:txLinClrLst/>
-    <dgm:txFillClrLst meth="repeat">
-      <a:schemeClr val="tx1"/>
-    </dgm:txFillClrLst>
-    <dgm:txEffectClrLst/>
-  </dgm:styleLbl>
   <dgm:styleLbl name="fgAcc1">
     <dgm:fillClrLst meth="repeat">
       <a:schemeClr val="lt1">
@@ -2235,7 +2461,11 @@
       </a:schemeClr>
     </dgm:fillClrLst>
     <dgm:linClrLst meth="repeat">
-      <a:schemeClr val="accent1"/>
+      <a:schemeClr val="accent2"/>
+      <a:schemeClr val="accent3"/>
+      <a:schemeClr val="accent4"/>
+      <a:schemeClr val="accent5"/>
+      <a:schemeClr val="accent6"/>
     </dgm:linClrLst>
     <dgm:effectClrLst/>
     <dgm:txLinClrLst/>
@@ -2251,7 +2481,11 @@
       </a:schemeClr>
     </dgm:fillClrLst>
     <dgm:linClrLst meth="repeat">
-      <a:schemeClr val="accent1"/>
+      <a:schemeClr val="accent2"/>
+      <a:schemeClr val="accent3"/>
+      <a:schemeClr val="accent4"/>
+      <a:schemeClr val="accent5"/>
+      <a:schemeClr val="accent6"/>
     </dgm:linClrLst>
     <dgm:effectClrLst/>
     <dgm:txLinClrLst/>
@@ -2267,7 +2501,11 @@
       </a:schemeClr>
     </dgm:fillClrLst>
     <dgm:linClrLst meth="repeat">
-      <a:schemeClr val="accent1"/>
+      <a:schemeClr val="accent2"/>
+      <a:schemeClr val="accent3"/>
+      <a:schemeClr val="accent4"/>
+      <a:schemeClr val="accent5"/>
+      <a:schemeClr val="accent6"/>
     </dgm:linClrLst>
     <dgm:effectClrLst/>
     <dgm:txLinClrLst/>
@@ -2299,6 +2537,236 @@
       </a:schemeClr>
     </dgm:fillClrLst>
     <dgm:linClrLst meth="repeat">
+      <a:schemeClr val="accent2"/>
+      <a:schemeClr val="accent3"/>
+      <a:schemeClr val="accent4"/>
+      <a:schemeClr val="accent5"/>
+      <a:schemeClr val="accent6"/>
+    </dgm:linClrLst>
+    <dgm:effectClrLst/>
+    <dgm:txLinClrLst/>
+    <dgm:txFillClrLst meth="repeat">
+      <a:schemeClr val="dk1"/>
+    </dgm:txFillClrLst>
+    <dgm:txEffectClrLst/>
+  </dgm:styleLbl>
+  <dgm:styleLbl name="solidFgAcc1">
+    <dgm:fillClrLst meth="repeat">
+      <a:schemeClr val="lt1"/>
+    </dgm:fillClrLst>
+    <dgm:linClrLst meth="repeat">
+      <a:schemeClr val="accent2"/>
+      <a:schemeClr val="accent3"/>
+      <a:schemeClr val="accent4"/>
+      <a:schemeClr val="accent5"/>
+      <a:schemeClr val="accent6"/>
+    </dgm:linClrLst>
+    <dgm:effectClrLst/>
+    <dgm:txLinClrLst/>
+    <dgm:txFillClrLst meth="repeat">
+      <a:schemeClr val="dk1"/>
+    </dgm:txFillClrLst>
+    <dgm:txEffectClrLst/>
+  </dgm:styleLbl>
+  <dgm:styleLbl name="solidAlignAcc1">
+    <dgm:fillClrLst meth="repeat">
+      <a:schemeClr val="lt1"/>
+    </dgm:fillClrLst>
+    <dgm:linClrLst meth="repeat">
+      <a:schemeClr val="accent2"/>
+      <a:schemeClr val="accent3"/>
+      <a:schemeClr val="accent4"/>
+      <a:schemeClr val="accent5"/>
+      <a:schemeClr val="accent6"/>
+    </dgm:linClrLst>
+    <dgm:effectClrLst/>
+    <dgm:txLinClrLst/>
+    <dgm:txFillClrLst meth="repeat">
+      <a:schemeClr val="dk1"/>
+    </dgm:txFillClrLst>
+    <dgm:txEffectClrLst/>
+  </dgm:styleLbl>
+  <dgm:styleLbl name="solidBgAcc1">
+    <dgm:fillClrLst meth="repeat">
+      <a:schemeClr val="lt1"/>
+    </dgm:fillClrLst>
+    <dgm:linClrLst meth="repeat">
+      <a:schemeClr val="accent2"/>
+      <a:schemeClr val="accent3"/>
+      <a:schemeClr val="accent4"/>
+      <a:schemeClr val="accent5"/>
+      <a:schemeClr val="accent6"/>
+    </dgm:linClrLst>
+    <dgm:effectClrLst/>
+    <dgm:txLinClrLst/>
+    <dgm:txFillClrLst meth="repeat">
+      <a:schemeClr val="dk1"/>
+    </dgm:txFillClrLst>
+    <dgm:txEffectClrLst/>
+  </dgm:styleLbl>
+  <dgm:styleLbl name="fgAccFollowNode1">
+    <dgm:fillClrLst meth="repeat">
+      <a:schemeClr val="accent2">
+        <a:tint val="40000"/>
+        <a:alpha val="90000"/>
+      </a:schemeClr>
+      <a:schemeClr val="accent3">
+        <a:tint val="40000"/>
+        <a:alpha val="90000"/>
+      </a:schemeClr>
+      <a:schemeClr val="accent4">
+        <a:tint val="40000"/>
+        <a:alpha val="90000"/>
+      </a:schemeClr>
+      <a:schemeClr val="accent5">
+        <a:tint val="40000"/>
+        <a:alpha val="90000"/>
+      </a:schemeClr>
+      <a:schemeClr val="accent6">
+        <a:tint val="40000"/>
+        <a:alpha val="90000"/>
+      </a:schemeClr>
+    </dgm:fillClrLst>
+    <dgm:linClrLst meth="repeat">
+      <a:schemeClr val="accent2">
+        <a:tint val="40000"/>
+        <a:alpha val="90000"/>
+      </a:schemeClr>
+      <a:schemeClr val="accent3">
+        <a:tint val="40000"/>
+        <a:alpha val="90000"/>
+      </a:schemeClr>
+      <a:schemeClr val="accent4">
+        <a:tint val="40000"/>
+        <a:alpha val="90000"/>
+      </a:schemeClr>
+      <a:schemeClr val="accent5">
+        <a:tint val="40000"/>
+        <a:alpha val="90000"/>
+      </a:schemeClr>
+      <a:schemeClr val="accent6">
+        <a:tint val="40000"/>
+        <a:alpha val="90000"/>
+      </a:schemeClr>
+    </dgm:linClrLst>
+    <dgm:effectClrLst/>
+    <dgm:txLinClrLst/>
+    <dgm:txFillClrLst meth="repeat">
+      <a:schemeClr val="dk1"/>
+    </dgm:txFillClrLst>
+    <dgm:txEffectClrLst/>
+  </dgm:styleLbl>
+  <dgm:styleLbl name="alignAccFollowNode1">
+    <dgm:fillClrLst meth="repeat">
+      <a:schemeClr val="accent2">
+        <a:tint val="40000"/>
+        <a:alpha val="90000"/>
+      </a:schemeClr>
+      <a:schemeClr val="accent3">
+        <a:tint val="40000"/>
+        <a:alpha val="90000"/>
+      </a:schemeClr>
+      <a:schemeClr val="accent4">
+        <a:tint val="40000"/>
+        <a:alpha val="90000"/>
+      </a:schemeClr>
+      <a:schemeClr val="accent5">
+        <a:tint val="40000"/>
+        <a:alpha val="90000"/>
+      </a:schemeClr>
+      <a:schemeClr val="accent6">
+        <a:tint val="40000"/>
+        <a:alpha val="90000"/>
+      </a:schemeClr>
+    </dgm:fillClrLst>
+    <dgm:linClrLst meth="repeat">
+      <a:schemeClr val="accent2">
+        <a:tint val="40000"/>
+        <a:alpha val="90000"/>
+      </a:schemeClr>
+      <a:schemeClr val="accent3">
+        <a:tint val="40000"/>
+        <a:alpha val="90000"/>
+      </a:schemeClr>
+      <a:schemeClr val="accent4">
+        <a:tint val="40000"/>
+        <a:alpha val="90000"/>
+      </a:schemeClr>
+      <a:schemeClr val="accent5">
+        <a:tint val="40000"/>
+        <a:alpha val="90000"/>
+      </a:schemeClr>
+      <a:schemeClr val="accent6">
+        <a:tint val="40000"/>
+        <a:alpha val="90000"/>
+      </a:schemeClr>
+    </dgm:linClrLst>
+    <dgm:effectClrLst/>
+    <dgm:txLinClrLst/>
+    <dgm:txFillClrLst meth="repeat">
+      <a:schemeClr val="dk1"/>
+    </dgm:txFillClrLst>
+    <dgm:txEffectClrLst/>
+  </dgm:styleLbl>
+  <dgm:styleLbl name="bgAccFollowNode1">
+    <dgm:fillClrLst meth="repeat">
+      <a:schemeClr val="accent2">
+        <a:tint val="40000"/>
+        <a:alpha val="90000"/>
+      </a:schemeClr>
+      <a:schemeClr val="accent3">
+        <a:tint val="40000"/>
+        <a:alpha val="90000"/>
+      </a:schemeClr>
+      <a:schemeClr val="accent4">
+        <a:tint val="40000"/>
+        <a:alpha val="90000"/>
+      </a:schemeClr>
+      <a:schemeClr val="accent5">
+        <a:tint val="40000"/>
+        <a:alpha val="90000"/>
+      </a:schemeClr>
+      <a:schemeClr val="accent6">
+        <a:tint val="40000"/>
+        <a:alpha val="90000"/>
+      </a:schemeClr>
+    </dgm:fillClrLst>
+    <dgm:linClrLst meth="repeat">
+      <a:schemeClr val="accent2">
+        <a:tint val="40000"/>
+        <a:alpha val="90000"/>
+      </a:schemeClr>
+      <a:schemeClr val="accent3">
+        <a:tint val="40000"/>
+        <a:alpha val="90000"/>
+      </a:schemeClr>
+      <a:schemeClr val="accent4">
+        <a:tint val="40000"/>
+        <a:alpha val="90000"/>
+      </a:schemeClr>
+      <a:schemeClr val="accent5">
+        <a:tint val="40000"/>
+        <a:alpha val="90000"/>
+      </a:schemeClr>
+      <a:schemeClr val="accent6">
+        <a:tint val="40000"/>
+        <a:alpha val="90000"/>
+      </a:schemeClr>
+    </dgm:linClrLst>
+    <dgm:effectClrLst/>
+    <dgm:txLinClrLst/>
+    <dgm:txFillClrLst meth="repeat">
+      <a:schemeClr val="dk1"/>
+    </dgm:txFillClrLst>
+    <dgm:txEffectClrLst/>
+  </dgm:styleLbl>
+  <dgm:styleLbl name="fgAcc0">
+    <dgm:fillClrLst meth="repeat">
+      <a:schemeClr val="lt1">
+        <a:alpha val="90000"/>
+      </a:schemeClr>
+    </dgm:fillClrLst>
+    <dgm:linClrLst>
       <a:schemeClr val="accent1"/>
     </dgm:linClrLst>
     <dgm:effectClrLst/>
@@ -2308,12 +2776,14 @@
     </dgm:txFillClrLst>
     <dgm:txEffectClrLst/>
   </dgm:styleLbl>
-  <dgm:styleLbl name="solidFgAcc1">
+  <dgm:styleLbl name="fgAcc2">
     <dgm:fillClrLst meth="repeat">
-      <a:schemeClr val="lt1"/>
+      <a:schemeClr val="lt1">
+        <a:alpha val="90000"/>
+      </a:schemeClr>
     </dgm:fillClrLst>
-    <dgm:linClrLst meth="repeat">
-      <a:schemeClr val="accent1"/>
+    <dgm:linClrLst>
+      <a:schemeClr val="accent2"/>
     </dgm:linClrLst>
     <dgm:effectClrLst/>
     <dgm:txLinClrLst/>
@@ -2322,12 +2792,14 @@
     </dgm:txFillClrLst>
     <dgm:txEffectClrLst/>
   </dgm:styleLbl>
-  <dgm:styleLbl name="solidAlignAcc1">
+  <dgm:styleLbl name="fgAcc3">
     <dgm:fillClrLst meth="repeat">
-      <a:schemeClr val="lt1"/>
+      <a:schemeClr val="lt1">
+        <a:alpha val="90000"/>
+      </a:schemeClr>
     </dgm:fillClrLst>
-    <dgm:linClrLst meth="repeat">
-      <a:schemeClr val="accent1"/>
+    <dgm:linClrLst>
+      <a:schemeClr val="accent3"/>
     </dgm:linClrLst>
     <dgm:effectClrLst/>
     <dgm:txLinClrLst/>
@@ -2336,12 +2808,14 @@
     </dgm:txFillClrLst>
     <dgm:txEffectClrLst/>
   </dgm:styleLbl>
-  <dgm:styleLbl name="solidBgAcc1">
+  <dgm:styleLbl name="fgAcc4">
     <dgm:fillClrLst meth="repeat">
-      <a:schemeClr val="lt1"/>
+      <a:schemeClr val="lt1">
+        <a:alpha val="90000"/>
+      </a:schemeClr>
     </dgm:fillClrLst>
-    <dgm:linClrLst meth="repeat">
-      <a:schemeClr val="accent1"/>
+    <dgm:linClrLst>
+      <a:schemeClr val="accent4"/>
     </dgm:linClrLst>
     <dgm:effectClrLst/>
     <dgm:txLinClrLst/>
@@ -2350,18 +2824,14 @@
     </dgm:txFillClrLst>
     <dgm:txEffectClrLst/>
   </dgm:styleLbl>
-  <dgm:styleLbl name="fgAccFollowNode1">
+  <dgm:styleLbl name="bgShp">
     <dgm:fillClrLst meth="repeat">
-      <a:schemeClr val="accent1">
-        <a:alpha val="90000"/>
+      <a:schemeClr val="accent2">
         <a:tint val="40000"/>
       </a:schemeClr>
     </dgm:fillClrLst>
     <dgm:linClrLst meth="repeat">
-      <a:schemeClr val="accent1">
-        <a:alpha val="90000"/>
-        <a:tint val="40000"/>
-      </a:schemeClr>
+      <a:schemeClr val="dk1"/>
     </dgm:linClrLst>
     <dgm:effectClrLst/>
     <dgm:txLinClrLst/>
@@ -2370,134 +2840,14 @@
     </dgm:txFillClrLst>
     <dgm:txEffectClrLst/>
   </dgm:styleLbl>
-  <dgm:styleLbl name="alignAccFollowNode1">
+  <dgm:styleLbl name="dkBgShp">
     <dgm:fillClrLst meth="repeat">
-      <a:schemeClr val="accent1">
-        <a:alpha val="90000"/>
-        <a:tint val="40000"/>
+      <a:schemeClr val="accent2">
+        <a:shade val="90000"/>
       </a:schemeClr>
     </dgm:fillClrLst>
     <dgm:linClrLst meth="repeat">
-      <a:schemeClr val="accent1">
-        <a:alpha val="90000"/>
-        <a:tint val="40000"/>
-      </a:schemeClr>
-    </dgm:linClrLst>
-    <dgm:effectClrLst/>
-    <dgm:txLinClrLst/>
-    <dgm:txFillClrLst meth="repeat">
       <a:schemeClr val="dk1"/>
-    </dgm:txFillClrLst>
-    <dgm:txEffectClrLst/>
-  </dgm:styleLbl>
-  <dgm:styleLbl name="bgAccFollowNode1">
-    <dgm:fillClrLst meth="repeat">
-      <a:schemeClr val="accent1">
-        <a:alpha val="90000"/>
-        <a:tint val="40000"/>
-      </a:schemeClr>
-    </dgm:fillClrLst>
-    <dgm:linClrLst meth="repeat">
-      <a:schemeClr val="accent1">
-        <a:alpha val="90000"/>
-        <a:tint val="40000"/>
-      </a:schemeClr>
-    </dgm:linClrLst>
-    <dgm:effectClrLst/>
-    <dgm:txLinClrLst/>
-    <dgm:txFillClrLst meth="repeat">
-      <a:schemeClr val="dk1"/>
-    </dgm:txFillClrLst>
-    <dgm:txEffectClrLst/>
-  </dgm:styleLbl>
-  <dgm:styleLbl name="fgAcc0">
-    <dgm:fillClrLst meth="repeat">
-      <a:schemeClr val="lt1">
-        <a:alpha val="90000"/>
-      </a:schemeClr>
-    </dgm:fillClrLst>
-    <dgm:linClrLst meth="repeat">
-      <a:schemeClr val="accent1"/>
-    </dgm:linClrLst>
-    <dgm:effectClrLst/>
-    <dgm:txLinClrLst/>
-    <dgm:txFillClrLst meth="repeat">
-      <a:schemeClr val="dk1"/>
-    </dgm:txFillClrLst>
-    <dgm:txEffectClrLst/>
-  </dgm:styleLbl>
-  <dgm:styleLbl name="fgAcc2">
-    <dgm:fillClrLst meth="repeat">
-      <a:schemeClr val="lt1">
-        <a:alpha val="90000"/>
-      </a:schemeClr>
-    </dgm:fillClrLst>
-    <dgm:linClrLst meth="repeat">
-      <a:schemeClr val="accent1"/>
-    </dgm:linClrLst>
-    <dgm:effectClrLst/>
-    <dgm:txLinClrLst/>
-    <dgm:txFillClrLst meth="repeat">
-      <a:schemeClr val="dk1"/>
-    </dgm:txFillClrLst>
-    <dgm:txEffectClrLst/>
-  </dgm:styleLbl>
-  <dgm:styleLbl name="fgAcc3">
-    <dgm:fillClrLst meth="repeat">
-      <a:schemeClr val="lt1">
-        <a:alpha val="90000"/>
-      </a:schemeClr>
-    </dgm:fillClrLst>
-    <dgm:linClrLst meth="repeat">
-      <a:schemeClr val="accent1"/>
-    </dgm:linClrLst>
-    <dgm:effectClrLst/>
-    <dgm:txLinClrLst/>
-    <dgm:txFillClrLst meth="repeat">
-      <a:schemeClr val="dk1"/>
-    </dgm:txFillClrLst>
-    <dgm:txEffectClrLst/>
-  </dgm:styleLbl>
-  <dgm:styleLbl name="fgAcc4">
-    <dgm:fillClrLst meth="repeat">
-      <a:schemeClr val="lt1">
-        <a:alpha val="90000"/>
-      </a:schemeClr>
-    </dgm:fillClrLst>
-    <dgm:linClrLst meth="repeat">
-      <a:schemeClr val="accent1"/>
-    </dgm:linClrLst>
-    <dgm:effectClrLst/>
-    <dgm:txLinClrLst/>
-    <dgm:txFillClrLst meth="repeat">
-      <a:schemeClr val="dk1"/>
-    </dgm:txFillClrLst>
-    <dgm:txEffectClrLst/>
-  </dgm:styleLbl>
-  <dgm:styleLbl name="bgShp">
-    <dgm:fillClrLst meth="repeat">
-      <a:schemeClr val="accent1">
-        <a:tint val="40000"/>
-      </a:schemeClr>
-    </dgm:fillClrLst>
-    <dgm:linClrLst meth="repeat">
-      <a:schemeClr val="accent1"/>
-    </dgm:linClrLst>
-    <dgm:effectClrLst/>
-    <dgm:txLinClrLst/>
-    <dgm:txFillClrLst meth="repeat">
-      <a:schemeClr val="dk1"/>
-    </dgm:txFillClrLst>
-    <dgm:txEffectClrLst/>
-  </dgm:styleLbl>
-  <dgm:styleLbl name="dkBgShp">
-    <dgm:fillClrLst meth="repeat">
-      <a:schemeClr val="accent1">
-        <a:shade val="80000"/>
-      </a:schemeClr>
-    </dgm:fillClrLst>
-    <dgm:linClrLst meth="repeat">
-      <a:schemeClr val="accent1"/>
     </dgm:linClrLst>
     <dgm:effectClrLst/>
     <dgm:txLinClrLst/>
@@ -2514,7 +2864,7 @@
       </a:schemeClr>
     </dgm:fillClrLst>
     <dgm:linClrLst meth="repeat">
-      <a:schemeClr val="accent1"/>
+      <a:schemeClr val="accent2"/>
     </dgm:linClrLst>
     <dgm:effectClrLst/>
     <dgm:txLinClrLst/>
@@ -2525,8 +2875,8 @@
   </dgm:styleLbl>
   <dgm:styleLbl name="fgShp">
     <dgm:fillClrLst meth="repeat">
-      <a:schemeClr val="accent1">
-        <a:tint val="60000"/>
+      <a:schemeClr val="accent2">
+        <a:tint val="40000"/>
       </a:schemeClr>
     </dgm:fillClrLst>
     <dgm:linClrLst meth="repeat">
@@ -2561,11 +2911,11 @@
 </file>
 
 <file path=ppt/diagrams/colors3.xml><?xml version="1.0" encoding="utf-8"?>
-<dgm:colorsDef xmlns:dgm="http://schemas.openxmlformats.org/drawingml/2006/diagram" xmlns:a="http://schemas.openxmlformats.org/drawingml/2006/main" uniqueId="urn:microsoft.com/office/officeart/2005/8/colors/accent1_2">
+<dgm:colorsDef xmlns:dgm="http://schemas.openxmlformats.org/drawingml/2006/diagram" xmlns:a="http://schemas.openxmlformats.org/drawingml/2006/main" uniqueId="urn:microsoft.com/office/officeart/2005/8/colors/colorful1">
   <dgm:title val=""/>
   <dgm:desc val=""/>
   <dgm:catLst>
-    <dgm:cat type="accent1" pri="11200"/>
+    <dgm:cat type="colorful" pri="10100"/>
   </dgm:catLst>
   <dgm:styleLbl name="node0">
     <dgm:fillClrLst meth="repeat">
@@ -2579,21 +2929,13 @@
     <dgm:txFillClrLst/>
     <dgm:txEffectClrLst/>
   </dgm:styleLbl>
-  <dgm:styleLbl name="alignNode1">
-    <dgm:fillClrLst meth="repeat">
-      <a:schemeClr val="accent1"/>
-    </dgm:fillClrLst>
-    <dgm:linClrLst meth="repeat">
-      <a:schemeClr val="accent1"/>
-    </dgm:linClrLst>
-    <dgm:effectClrLst/>
-    <dgm:txLinClrLst/>
-    <dgm:txFillClrLst/>
-    <dgm:txEffectClrLst/>
-  </dgm:styleLbl>
   <dgm:styleLbl name="node1">
     <dgm:fillClrLst meth="repeat">
-      <a:schemeClr val="accent1"/>
+      <a:schemeClr val="accent2"/>
+      <a:schemeClr val="accent3"/>
+      <a:schemeClr val="accent4"/>
+      <a:schemeClr val="accent5"/>
+      <a:schemeClr val="accent6"/>
     </dgm:fillClrLst>
     <dgm:linClrLst meth="repeat">
       <a:schemeClr val="lt1"/>
@@ -2603,9 +2945,33 @@
     <dgm:txFillClrLst/>
     <dgm:txEffectClrLst/>
   </dgm:styleLbl>
+  <dgm:styleLbl name="alignNode1">
+    <dgm:fillClrLst meth="repeat">
+      <a:schemeClr val="accent2"/>
+      <a:schemeClr val="accent3"/>
+      <a:schemeClr val="accent4"/>
+      <a:schemeClr val="accent5"/>
+      <a:schemeClr val="accent6"/>
+    </dgm:fillClrLst>
+    <dgm:linClrLst meth="repeat">
+      <a:schemeClr val="accent2"/>
+      <a:schemeClr val="accent3"/>
+      <a:schemeClr val="accent4"/>
+      <a:schemeClr val="accent5"/>
+      <a:schemeClr val="accent6"/>
+    </dgm:linClrLst>
+    <dgm:effectClrLst/>
+    <dgm:txLinClrLst/>
+    <dgm:txFillClrLst/>
+    <dgm:txEffectClrLst/>
+  </dgm:styleLbl>
   <dgm:styleLbl name="lnNode1">
     <dgm:fillClrLst meth="repeat">
-      <a:schemeClr val="accent1"/>
+      <a:schemeClr val="accent2"/>
+      <a:schemeClr val="accent3"/>
+      <a:schemeClr val="accent4"/>
+      <a:schemeClr val="accent5"/>
+      <a:schemeClr val="accent6"/>
     </dgm:fillClrLst>
     <dgm:linClrLst meth="repeat">
       <a:schemeClr val="lt1"/>
@@ -2617,7 +2983,19 @@
   </dgm:styleLbl>
   <dgm:styleLbl name="vennNode1">
     <dgm:fillClrLst meth="repeat">
-      <a:schemeClr val="accent1">
+      <a:schemeClr val="accent2">
+        <a:alpha val="50000"/>
+      </a:schemeClr>
+      <a:schemeClr val="accent3">
+        <a:alpha val="50000"/>
+      </a:schemeClr>
+      <a:schemeClr val="accent4">
+        <a:alpha val="50000"/>
+      </a:schemeClr>
+      <a:schemeClr val="accent5">
+        <a:alpha val="50000"/>
+      </a:schemeClr>
+      <a:schemeClr val="accent6">
         <a:alpha val="50000"/>
       </a:schemeClr>
     </dgm:fillClrLst>
@@ -2630,8 +3008,8 @@
     <dgm:txEffectClrLst/>
   </dgm:styleLbl>
   <dgm:styleLbl name="node2">
-    <dgm:fillClrLst meth="repeat">
-      <a:schemeClr val="accent1"/>
+    <dgm:fillClrLst>
+      <a:schemeClr val="accent2"/>
     </dgm:fillClrLst>
     <dgm:linClrLst meth="repeat">
       <a:schemeClr val="lt1"/>
@@ -2642,8 +3020,8 @@
     <dgm:txEffectClrLst/>
   </dgm:styleLbl>
   <dgm:styleLbl name="node3">
-    <dgm:fillClrLst meth="repeat">
-      <a:schemeClr val="accent1"/>
+    <dgm:fillClrLst>
+      <a:schemeClr val="accent3"/>
     </dgm:fillClrLst>
     <dgm:linClrLst meth="repeat">
       <a:schemeClr val="lt1"/>
@@ -2654,8 +3032,8 @@
     <dgm:txEffectClrLst/>
   </dgm:styleLbl>
   <dgm:styleLbl name="node4">
-    <dgm:fillClrLst meth="repeat">
-      <a:schemeClr val="accent1"/>
+    <dgm:fillClrLst>
+      <a:schemeClr val="accent4"/>
     </dgm:fillClrLst>
     <dgm:linClrLst meth="repeat">
       <a:schemeClr val="lt1"/>
@@ -2667,7 +3045,19 @@
   </dgm:styleLbl>
   <dgm:styleLbl name="fgImgPlace1">
     <dgm:fillClrLst meth="repeat">
-      <a:schemeClr val="accent1">
+      <a:schemeClr val="accent2">
+        <a:tint val="50000"/>
+      </a:schemeClr>
+      <a:schemeClr val="accent3">
+        <a:tint val="50000"/>
+      </a:schemeClr>
+      <a:schemeClr val="accent4">
+        <a:tint val="50000"/>
+      </a:schemeClr>
+      <a:schemeClr val="accent5">
+        <a:tint val="50000"/>
+      </a:schemeClr>
+      <a:schemeClr val="accent6">
         <a:tint val="50000"/>
       </a:schemeClr>
     </dgm:fillClrLst>
@@ -2682,9 +3072,12 @@
     <dgm:txEffectClrLst/>
   </dgm:styleLbl>
   <dgm:styleLbl name="alignImgPlace1">
-    <dgm:fillClrLst meth="repeat">
+    <dgm:fillClrLst>
       <a:schemeClr val="accent1">
         <a:tint val="50000"/>
+      </a:schemeClr>
+      <a:schemeClr val="accent2">
+        <a:tint val="20000"/>
       </a:schemeClr>
     </dgm:fillClrLst>
     <dgm:linClrLst meth="repeat">
@@ -2698,9 +3091,12 @@
     <dgm:txEffectClrLst/>
   </dgm:styleLbl>
   <dgm:styleLbl name="bgImgPlace1">
-    <dgm:fillClrLst meth="repeat">
+    <dgm:fillClrLst>
       <a:schemeClr val="accent1">
         <a:tint val="50000"/>
+      </a:schemeClr>
+      <a:schemeClr val="accent2">
+        <a:tint val="20000"/>
       </a:schemeClr>
     </dgm:fillClrLst>
     <dgm:linClrLst meth="repeat">
@@ -2715,14 +3111,14 @@
   </dgm:styleLbl>
   <dgm:styleLbl name="sibTrans2D1">
     <dgm:fillClrLst meth="repeat">
-      <a:schemeClr val="accent1">
-        <a:tint val="60000"/>
-      </a:schemeClr>
+      <a:schemeClr val="accent2"/>
+      <a:schemeClr val="accent3"/>
+      <a:schemeClr val="accent4"/>
+      <a:schemeClr val="accent5"/>
+      <a:schemeClr val="accent6"/>
     </dgm:fillClrLst>
-    <dgm:linClrLst meth="repeat">
-      <a:schemeClr val="accent1">
-        <a:tint val="60000"/>
-      </a:schemeClr>
+    <dgm:linClrLst meth="cycle">
+      <a:schemeClr val="lt1"/>
     </dgm:linClrLst>
     <dgm:effectClrLst/>
     <dgm:txLinClrLst/>
@@ -2731,42 +3127,54 @@
   </dgm:styleLbl>
   <dgm:styleLbl name="fgSibTrans2D1">
     <dgm:fillClrLst meth="repeat">
-      <a:schemeClr val="accent1">
-        <a:tint val="60000"/>
-      </a:schemeClr>
+      <a:schemeClr val="accent2"/>
+      <a:schemeClr val="accent3"/>
+      <a:schemeClr val="accent4"/>
+      <a:schemeClr val="accent5"/>
+      <a:schemeClr val="accent6"/>
     </dgm:fillClrLst>
-    <dgm:linClrLst meth="repeat">
-      <a:schemeClr val="accent1">
-        <a:tint val="60000"/>
-      </a:schemeClr>
+    <dgm:linClrLst meth="cycle">
+      <a:schemeClr val="lt1"/>
     </dgm:linClrLst>
     <dgm:effectClrLst/>
     <dgm:txLinClrLst/>
-    <dgm:txFillClrLst/>
+    <dgm:txFillClrLst meth="repeat">
+      <a:schemeClr val="lt1"/>
+    </dgm:txFillClrLst>
     <dgm:txEffectClrLst/>
   </dgm:styleLbl>
   <dgm:styleLbl name="bgSibTrans2D1">
     <dgm:fillClrLst meth="repeat">
-      <a:schemeClr val="accent1">
-        <a:tint val="60000"/>
-      </a:schemeClr>
+      <a:schemeClr val="accent2"/>
+      <a:schemeClr val="accent3"/>
+      <a:schemeClr val="accent4"/>
+      <a:schemeClr val="accent5"/>
+      <a:schemeClr val="accent6"/>
     </dgm:fillClrLst>
-    <dgm:linClrLst meth="repeat">
-      <a:schemeClr val="accent1">
-        <a:tint val="60000"/>
-      </a:schemeClr>
+    <dgm:linClrLst meth="cycle">
+      <a:schemeClr val="lt1"/>
     </dgm:linClrLst>
     <dgm:effectClrLst/>
     <dgm:txLinClrLst/>
-    <dgm:txFillClrLst/>
+    <dgm:txFillClrLst meth="repeat">
+      <a:schemeClr val="lt1"/>
+    </dgm:txFillClrLst>
     <dgm:txEffectClrLst/>
   </dgm:styleLbl>
   <dgm:styleLbl name="sibTrans1D1">
     <dgm:fillClrLst meth="repeat">
-      <a:schemeClr val="accent1"/>
+      <a:schemeClr val="accent2"/>
+      <a:schemeClr val="accent3"/>
+      <a:schemeClr val="accent4"/>
+      <a:schemeClr val="accent5"/>
+      <a:schemeClr val="accent6"/>
     </dgm:fillClrLst>
     <dgm:linClrLst meth="repeat">
-      <a:schemeClr val="accent1"/>
+      <a:schemeClr val="accent2"/>
+      <a:schemeClr val="accent3"/>
+      <a:schemeClr val="accent4"/>
+      <a:schemeClr val="accent5"/>
+      <a:schemeClr val="accent6"/>
     </dgm:linClrLst>
     <dgm:effectClrLst/>
     <dgm:txLinClrLst/>
@@ -2777,10 +3185,10 @@
   </dgm:styleLbl>
   <dgm:styleLbl name="callout">
     <dgm:fillClrLst meth="repeat">
-      <a:schemeClr val="accent1"/>
+      <a:schemeClr val="accent2"/>
     </dgm:fillClrLst>
     <dgm:linClrLst meth="repeat">
-      <a:schemeClr val="accent1">
+      <a:schemeClr val="accent2">
         <a:tint val="50000"/>
       </a:schemeClr>
     </dgm:linClrLst>
@@ -2805,7 +3213,7 @@
   </dgm:styleLbl>
   <dgm:styleLbl name="asst1">
     <dgm:fillClrLst meth="repeat">
-      <a:schemeClr val="accent1"/>
+      <a:schemeClr val="accent2"/>
     </dgm:fillClrLst>
     <dgm:linClrLst meth="repeat">
       <a:schemeClr val="lt1"/>
@@ -2816,8 +3224,8 @@
     <dgm:txEffectClrLst/>
   </dgm:styleLbl>
   <dgm:styleLbl name="asst2">
-    <dgm:fillClrLst meth="repeat">
-      <a:schemeClr val="accent1"/>
+    <dgm:fillClrLst>
+      <a:schemeClr val="accent3"/>
     </dgm:fillClrLst>
     <dgm:linClrLst meth="repeat">
       <a:schemeClr val="lt1"/>
@@ -2828,8 +3236,8 @@
     <dgm:txEffectClrLst/>
   </dgm:styleLbl>
   <dgm:styleLbl name="asst3">
-    <dgm:fillClrLst meth="repeat">
-      <a:schemeClr val="accent1"/>
+    <dgm:fillClrLst>
+      <a:schemeClr val="accent4"/>
     </dgm:fillClrLst>
     <dgm:linClrLst meth="repeat">
       <a:schemeClr val="lt1"/>
@@ -2840,8 +3248,8 @@
     <dgm:txEffectClrLst/>
   </dgm:styleLbl>
   <dgm:styleLbl name="asst4">
-    <dgm:fillClrLst meth="repeat">
-      <a:schemeClr val="accent1"/>
+    <dgm:fillClrLst>
+      <a:schemeClr val="accent5"/>
     </dgm:fillClrLst>
     <dgm:linClrLst meth="repeat">
       <a:schemeClr val="lt1"/>
@@ -2853,14 +3261,10 @@
   </dgm:styleLbl>
   <dgm:styleLbl name="parChTrans2D1">
     <dgm:fillClrLst meth="repeat">
-      <a:schemeClr val="accent1">
-        <a:tint val="60000"/>
-      </a:schemeClr>
+      <a:schemeClr val="accent2"/>
     </dgm:fillClrLst>
     <dgm:linClrLst meth="repeat">
-      <a:schemeClr val="accent1">
-        <a:tint val="60000"/>
-      </a:schemeClr>
+      <a:schemeClr val="lt1"/>
     </dgm:linClrLst>
     <dgm:effectClrLst/>
     <dgm:txLinClrLst/>
@@ -2871,7 +3275,45 @@
   </dgm:styleLbl>
   <dgm:styleLbl name="parChTrans2D2">
     <dgm:fillClrLst meth="repeat">
-      <a:schemeClr val="accent1"/>
+      <a:schemeClr val="accent3"/>
+    </dgm:fillClrLst>
+    <dgm:linClrLst meth="repeat">
+      <a:schemeClr val="lt1"/>
+    </dgm:linClrLst>
+    <dgm:effectClrLst/>
+    <dgm:txLinClrLst/>
+    <dgm:txFillClrLst/>
+    <dgm:txEffectClrLst/>
+  </dgm:styleLbl>
+  <dgm:styleLbl name="parChTrans2D3">
+    <dgm:fillClrLst meth="repeat">
+      <a:schemeClr val="accent4"/>
+    </dgm:fillClrLst>
+    <dgm:linClrLst meth="repeat">
+      <a:schemeClr val="lt1"/>
+    </dgm:linClrLst>
+    <dgm:effectClrLst/>
+    <dgm:txLinClrLst/>
+    <dgm:txFillClrLst/>
+    <dgm:txEffectClrLst/>
+  </dgm:styleLbl>
+  <dgm:styleLbl name="parChTrans2D4">
+    <dgm:fillClrLst meth="repeat">
+      <a:schemeClr val="accent5"/>
+    </dgm:fillClrLst>
+    <dgm:linClrLst meth="repeat">
+      <a:schemeClr val="lt1"/>
+    </dgm:linClrLst>
+    <dgm:effectClrLst/>
+    <dgm:txLinClrLst/>
+    <dgm:txFillClrLst meth="repeat">
+      <a:schemeClr val="lt1"/>
+    </dgm:txFillClrLst>
+    <dgm:txEffectClrLst/>
+  </dgm:styleLbl>
+  <dgm:styleLbl name="parChTrans1D1">
+    <dgm:fillClrLst meth="repeat">
+      <a:schemeClr val="accent2"/>
     </dgm:fillClrLst>
     <dgm:linClrLst meth="repeat">
       <a:schemeClr val="accent1"/>
@@ -2879,46 +3321,18 @@
     <dgm:effectClrLst/>
     <dgm:txLinClrLst/>
     <dgm:txFillClrLst meth="repeat">
-      <a:schemeClr val="lt1"/>
+      <a:schemeClr val="tx1"/>
     </dgm:txFillClrLst>
     <dgm:txEffectClrLst/>
   </dgm:styleLbl>
-  <dgm:styleLbl name="parChTrans2D3">
+  <dgm:styleLbl name="parChTrans1D2">
     <dgm:fillClrLst meth="repeat">
-      <a:schemeClr val="accent1"/>
+      <a:schemeClr val="accent3">
+        <a:tint val="90000"/>
+      </a:schemeClr>
     </dgm:fillClrLst>
     <dgm:linClrLst meth="repeat">
-      <a:schemeClr val="accent1"/>
-    </dgm:linClrLst>
-    <dgm:effectClrLst/>
-    <dgm:txLinClrLst/>
-    <dgm:txFillClrLst meth="repeat">
-      <a:schemeClr val="lt1"/>
-    </dgm:txFillClrLst>
-    <dgm:txEffectClrLst/>
-  </dgm:styleLbl>
-  <dgm:styleLbl name="parChTrans2D4">
-    <dgm:fillClrLst meth="repeat">
-      <a:schemeClr val="accent1"/>
-    </dgm:fillClrLst>
-    <dgm:linClrLst meth="repeat">
-      <a:schemeClr val="accent1"/>
-    </dgm:linClrLst>
-    <dgm:effectClrLst/>
-    <dgm:txLinClrLst/>
-    <dgm:txFillClrLst meth="repeat">
-      <a:schemeClr val="lt1"/>
-    </dgm:txFillClrLst>
-    <dgm:txEffectClrLst/>
-  </dgm:styleLbl>
-  <dgm:styleLbl name="parChTrans1D1">
-    <dgm:fillClrLst meth="repeat">
-      <a:schemeClr val="accent1"/>
-    </dgm:fillClrLst>
-    <dgm:linClrLst meth="repeat">
-      <a:schemeClr val="accent1">
-        <a:shade val="60000"/>
-      </a:schemeClr>
+      <a:schemeClr val="accent2"/>
     </dgm:linClrLst>
     <dgm:effectClrLst/>
     <dgm:txLinClrLst/>
@@ -2927,14 +3341,14 @@
     </dgm:txFillClrLst>
     <dgm:txEffectClrLst/>
   </dgm:styleLbl>
-  <dgm:styleLbl name="parChTrans1D2">
+  <dgm:styleLbl name="parChTrans1D3">
     <dgm:fillClrLst meth="repeat">
-      <a:schemeClr val="accent1"/>
+      <a:schemeClr val="accent4">
+        <a:tint val="70000"/>
+      </a:schemeClr>
     </dgm:fillClrLst>
     <dgm:linClrLst meth="repeat">
-      <a:schemeClr val="accent1">
-        <a:shade val="60000"/>
-      </a:schemeClr>
+      <a:schemeClr val="accent3"/>
     </dgm:linClrLst>
     <dgm:effectClrLst/>
     <dgm:txLinClrLst/>
@@ -2943,14 +3357,14 @@
     </dgm:txFillClrLst>
     <dgm:txEffectClrLst/>
   </dgm:styleLbl>
-  <dgm:styleLbl name="parChTrans1D3">
+  <dgm:styleLbl name="parChTrans1D4">
     <dgm:fillClrLst meth="repeat">
-      <a:schemeClr val="accent1"/>
+      <a:schemeClr val="accent5">
+        <a:tint val="50000"/>
+      </a:schemeClr>
     </dgm:fillClrLst>
     <dgm:linClrLst meth="repeat">
-      <a:schemeClr val="accent1">
-        <a:shade val="80000"/>
-      </a:schemeClr>
+      <a:schemeClr val="accent4"/>
     </dgm:linClrLst>
     <dgm:effectClrLst/>
     <dgm:txLinClrLst/>
@@ -2959,22 +3373,6 @@
     </dgm:txFillClrLst>
     <dgm:txEffectClrLst/>
   </dgm:styleLbl>
-  <dgm:styleLbl name="parChTrans1D4">
-    <dgm:fillClrLst meth="repeat">
-      <a:schemeClr val="accent1"/>
-    </dgm:fillClrLst>
-    <dgm:linClrLst meth="repeat">
-      <a:schemeClr val="accent1">
-        <a:shade val="80000"/>
-      </a:schemeClr>
-    </dgm:linClrLst>
-    <dgm:effectClrLst/>
-    <dgm:txLinClrLst/>
-    <dgm:txFillClrLst meth="repeat">
-      <a:schemeClr val="tx1"/>
-    </dgm:txFillClrLst>
-    <dgm:txEffectClrLst/>
-  </dgm:styleLbl>
   <dgm:styleLbl name="fgAcc1">
     <dgm:fillClrLst meth="repeat">
       <a:schemeClr val="lt1">
@@ -2982,7 +3380,11 @@
       </a:schemeClr>
     </dgm:fillClrLst>
     <dgm:linClrLst meth="repeat">
-      <a:schemeClr val="accent1"/>
+      <a:schemeClr val="accent2"/>
+      <a:schemeClr val="accent3"/>
+      <a:schemeClr val="accent4"/>
+      <a:schemeClr val="accent5"/>
+      <a:schemeClr val="accent6"/>
     </dgm:linClrLst>
     <dgm:effectClrLst/>
     <dgm:txLinClrLst/>
@@ -2998,7 +3400,11 @@
       </a:schemeClr>
     </dgm:fillClrLst>
     <dgm:linClrLst meth="repeat">
-      <a:schemeClr val="accent1"/>
+      <a:schemeClr val="accent2"/>
+      <a:schemeClr val="accent3"/>
+      <a:schemeClr val="accent4"/>
+      <a:schemeClr val="accent5"/>
+      <a:schemeClr val="accent6"/>
     </dgm:linClrLst>
     <dgm:effectClrLst/>
     <dgm:txLinClrLst/>
@@ -3014,7 +3420,11 @@
       </a:schemeClr>
     </dgm:fillClrLst>
     <dgm:linClrLst meth="repeat">
-      <a:schemeClr val="accent1"/>
+      <a:schemeClr val="accent2"/>
+      <a:schemeClr val="accent3"/>
+      <a:schemeClr val="accent4"/>
+      <a:schemeClr val="accent5"/>
+      <a:schemeClr val="accent6"/>
     </dgm:linClrLst>
     <dgm:effectClrLst/>
     <dgm:txLinClrLst/>
@@ -3046,6 +3456,236 @@
       </a:schemeClr>
     </dgm:fillClrLst>
     <dgm:linClrLst meth="repeat">
+      <a:schemeClr val="accent2"/>
+      <a:schemeClr val="accent3"/>
+      <a:schemeClr val="accent4"/>
+      <a:schemeClr val="accent5"/>
+      <a:schemeClr val="accent6"/>
+    </dgm:linClrLst>
+    <dgm:effectClrLst/>
+    <dgm:txLinClrLst/>
+    <dgm:txFillClrLst meth="repeat">
+      <a:schemeClr val="dk1"/>
+    </dgm:txFillClrLst>
+    <dgm:txEffectClrLst/>
+  </dgm:styleLbl>
+  <dgm:styleLbl name="solidFgAcc1">
+    <dgm:fillClrLst meth="repeat">
+      <a:schemeClr val="lt1"/>
+    </dgm:fillClrLst>
+    <dgm:linClrLst meth="repeat">
+      <a:schemeClr val="accent2"/>
+      <a:schemeClr val="accent3"/>
+      <a:schemeClr val="accent4"/>
+      <a:schemeClr val="accent5"/>
+      <a:schemeClr val="accent6"/>
+    </dgm:linClrLst>
+    <dgm:effectClrLst/>
+    <dgm:txLinClrLst/>
+    <dgm:txFillClrLst meth="repeat">
+      <a:schemeClr val="dk1"/>
+    </dgm:txFillClrLst>
+    <dgm:txEffectClrLst/>
+  </dgm:styleLbl>
+  <dgm:styleLbl name="solidAlignAcc1">
+    <dgm:fillClrLst meth="repeat">
+      <a:schemeClr val="lt1"/>
+    </dgm:fillClrLst>
+    <dgm:linClrLst meth="repeat">
+      <a:schemeClr val="accent2"/>
+      <a:schemeClr val="accent3"/>
+      <a:schemeClr val="accent4"/>
+      <a:schemeClr val="accent5"/>
+      <a:schemeClr val="accent6"/>
+    </dgm:linClrLst>
+    <dgm:effectClrLst/>
+    <dgm:txLinClrLst/>
+    <dgm:txFillClrLst meth="repeat">
+      <a:schemeClr val="dk1"/>
+    </dgm:txFillClrLst>
+    <dgm:txEffectClrLst/>
+  </dgm:styleLbl>
+  <dgm:styleLbl name="solidBgAcc1">
+    <dgm:fillClrLst meth="repeat">
+      <a:schemeClr val="lt1"/>
+    </dgm:fillClrLst>
+    <dgm:linClrLst meth="repeat">
+      <a:schemeClr val="accent2"/>
+      <a:schemeClr val="accent3"/>
+      <a:schemeClr val="accent4"/>
+      <a:schemeClr val="accent5"/>
+      <a:schemeClr val="accent6"/>
+    </dgm:linClrLst>
+    <dgm:effectClrLst/>
+    <dgm:txLinClrLst/>
+    <dgm:txFillClrLst meth="repeat">
+      <a:schemeClr val="dk1"/>
+    </dgm:txFillClrLst>
+    <dgm:txEffectClrLst/>
+  </dgm:styleLbl>
+  <dgm:styleLbl name="fgAccFollowNode1">
+    <dgm:fillClrLst meth="repeat">
+      <a:schemeClr val="accent2">
+        <a:tint val="40000"/>
+        <a:alpha val="90000"/>
+      </a:schemeClr>
+      <a:schemeClr val="accent3">
+        <a:tint val="40000"/>
+        <a:alpha val="90000"/>
+      </a:schemeClr>
+      <a:schemeClr val="accent4">
+        <a:tint val="40000"/>
+        <a:alpha val="90000"/>
+      </a:schemeClr>
+      <a:schemeClr val="accent5">
+        <a:tint val="40000"/>
+        <a:alpha val="90000"/>
+      </a:schemeClr>
+      <a:schemeClr val="accent6">
+        <a:tint val="40000"/>
+        <a:alpha val="90000"/>
+      </a:schemeClr>
+    </dgm:fillClrLst>
+    <dgm:linClrLst meth="repeat">
+      <a:schemeClr val="accent2">
+        <a:tint val="40000"/>
+        <a:alpha val="90000"/>
+      </a:schemeClr>
+      <a:schemeClr val="accent3">
+        <a:tint val="40000"/>
+        <a:alpha val="90000"/>
+      </a:schemeClr>
+      <a:schemeClr val="accent4">
+        <a:tint val="40000"/>
+        <a:alpha val="90000"/>
+      </a:schemeClr>
+      <a:schemeClr val="accent5">
+        <a:tint val="40000"/>
+        <a:alpha val="90000"/>
+      </a:schemeClr>
+      <a:schemeClr val="accent6">
+        <a:tint val="40000"/>
+        <a:alpha val="90000"/>
+      </a:schemeClr>
+    </dgm:linClrLst>
+    <dgm:effectClrLst/>
+    <dgm:txLinClrLst/>
+    <dgm:txFillClrLst meth="repeat">
+      <a:schemeClr val="dk1"/>
+    </dgm:txFillClrLst>
+    <dgm:txEffectClrLst/>
+  </dgm:styleLbl>
+  <dgm:styleLbl name="alignAccFollowNode1">
+    <dgm:fillClrLst meth="repeat">
+      <a:schemeClr val="accent2">
+        <a:tint val="40000"/>
+        <a:alpha val="90000"/>
+      </a:schemeClr>
+      <a:schemeClr val="accent3">
+        <a:tint val="40000"/>
+        <a:alpha val="90000"/>
+      </a:schemeClr>
+      <a:schemeClr val="accent4">
+        <a:tint val="40000"/>
+        <a:alpha val="90000"/>
+      </a:schemeClr>
+      <a:schemeClr val="accent5">
+        <a:tint val="40000"/>
+        <a:alpha val="90000"/>
+      </a:schemeClr>
+      <a:schemeClr val="accent6">
+        <a:tint val="40000"/>
+        <a:alpha val="90000"/>
+      </a:schemeClr>
+    </dgm:fillClrLst>
+    <dgm:linClrLst meth="repeat">
+      <a:schemeClr val="accent2">
+        <a:tint val="40000"/>
+        <a:alpha val="90000"/>
+      </a:schemeClr>
+      <a:schemeClr val="accent3">
+        <a:tint val="40000"/>
+        <a:alpha val="90000"/>
+      </a:schemeClr>
+      <a:schemeClr val="accent4">
+        <a:tint val="40000"/>
+        <a:alpha val="90000"/>
+      </a:schemeClr>
+      <a:schemeClr val="accent5">
+        <a:tint val="40000"/>
+        <a:alpha val="90000"/>
+      </a:schemeClr>
+      <a:schemeClr val="accent6">
+        <a:tint val="40000"/>
+        <a:alpha val="90000"/>
+      </a:schemeClr>
+    </dgm:linClrLst>
+    <dgm:effectClrLst/>
+    <dgm:txLinClrLst/>
+    <dgm:txFillClrLst meth="repeat">
+      <a:schemeClr val="dk1"/>
+    </dgm:txFillClrLst>
+    <dgm:txEffectClrLst/>
+  </dgm:styleLbl>
+  <dgm:styleLbl name="bgAccFollowNode1">
+    <dgm:fillClrLst meth="repeat">
+      <a:schemeClr val="accent2">
+        <a:tint val="40000"/>
+        <a:alpha val="90000"/>
+      </a:schemeClr>
+      <a:schemeClr val="accent3">
+        <a:tint val="40000"/>
+        <a:alpha val="90000"/>
+      </a:schemeClr>
+      <a:schemeClr val="accent4">
+        <a:tint val="40000"/>
+        <a:alpha val="90000"/>
+      </a:schemeClr>
+      <a:schemeClr val="accent5">
+        <a:tint val="40000"/>
+        <a:alpha val="90000"/>
+      </a:schemeClr>
+      <a:schemeClr val="accent6">
+        <a:tint val="40000"/>
+        <a:alpha val="90000"/>
+      </a:schemeClr>
+    </dgm:fillClrLst>
+    <dgm:linClrLst meth="repeat">
+      <a:schemeClr val="accent2">
+        <a:tint val="40000"/>
+        <a:alpha val="90000"/>
+      </a:schemeClr>
+      <a:schemeClr val="accent3">
+        <a:tint val="40000"/>
+        <a:alpha val="90000"/>
+      </a:schemeClr>
+      <a:schemeClr val="accent4">
+        <a:tint val="40000"/>
+        <a:alpha val="90000"/>
+      </a:schemeClr>
+      <a:schemeClr val="accent5">
+        <a:tint val="40000"/>
+        <a:alpha val="90000"/>
+      </a:schemeClr>
+      <a:schemeClr val="accent6">
+        <a:tint val="40000"/>
+        <a:alpha val="90000"/>
+      </a:schemeClr>
+    </dgm:linClrLst>
+    <dgm:effectClrLst/>
+    <dgm:txLinClrLst/>
+    <dgm:txFillClrLst meth="repeat">
+      <a:schemeClr val="dk1"/>
+    </dgm:txFillClrLst>
+    <dgm:txEffectClrLst/>
+  </dgm:styleLbl>
+  <dgm:styleLbl name="fgAcc0">
+    <dgm:fillClrLst meth="repeat">
+      <a:schemeClr val="lt1">
+        <a:alpha val="90000"/>
+      </a:schemeClr>
+    </dgm:fillClrLst>
+    <dgm:linClrLst>
       <a:schemeClr val="accent1"/>
     </dgm:linClrLst>
     <dgm:effectClrLst/>
@@ -3055,12 +3695,14 @@
     </dgm:txFillClrLst>
     <dgm:txEffectClrLst/>
   </dgm:styleLbl>
-  <dgm:styleLbl name="solidFgAcc1">
+  <dgm:styleLbl name="fgAcc2">
     <dgm:fillClrLst meth="repeat">
-      <a:schemeClr val="lt1"/>
+      <a:schemeClr val="lt1">
+        <a:alpha val="90000"/>
+      </a:schemeClr>
     </dgm:fillClrLst>
-    <dgm:linClrLst meth="repeat">
-      <a:schemeClr val="accent1"/>
+    <dgm:linClrLst>
+      <a:schemeClr val="accent2"/>
     </dgm:linClrLst>
     <dgm:effectClrLst/>
     <dgm:txLinClrLst/>
@@ -3069,12 +3711,14 @@
     </dgm:txFillClrLst>
     <dgm:txEffectClrLst/>
   </dgm:styleLbl>
-  <dgm:styleLbl name="solidAlignAcc1">
+  <dgm:styleLbl name="fgAcc3">
     <dgm:fillClrLst meth="repeat">
-      <a:schemeClr val="lt1"/>
+      <a:schemeClr val="lt1">
+        <a:alpha val="90000"/>
+      </a:schemeClr>
     </dgm:fillClrLst>
-    <dgm:linClrLst meth="repeat">
-      <a:schemeClr val="accent1"/>
+    <dgm:linClrLst>
+      <a:schemeClr val="accent3"/>
     </dgm:linClrLst>
     <dgm:effectClrLst/>
     <dgm:txLinClrLst/>
@@ -3083,12 +3727,14 @@
     </dgm:txFillClrLst>
     <dgm:txEffectClrLst/>
   </dgm:styleLbl>
-  <dgm:styleLbl name="solidBgAcc1">
+  <dgm:styleLbl name="fgAcc4">
     <dgm:fillClrLst meth="repeat">
-      <a:schemeClr val="lt1"/>
+      <a:schemeClr val="lt1">
+        <a:alpha val="90000"/>
+      </a:schemeClr>
     </dgm:fillClrLst>
-    <dgm:linClrLst meth="repeat">
-      <a:schemeClr val="accent1"/>
+    <dgm:linClrLst>
+      <a:schemeClr val="accent4"/>
     </dgm:linClrLst>
     <dgm:effectClrLst/>
     <dgm:txLinClrLst/>
@@ -3097,18 +3743,14 @@
     </dgm:txFillClrLst>
     <dgm:txEffectClrLst/>
   </dgm:styleLbl>
-  <dgm:styleLbl name="fgAccFollowNode1">
+  <dgm:styleLbl name="bgShp">
     <dgm:fillClrLst meth="repeat">
-      <a:schemeClr val="accent1">
-        <a:alpha val="90000"/>
+      <a:schemeClr val="accent2">
         <a:tint val="40000"/>
       </a:schemeClr>
     </dgm:fillClrLst>
     <dgm:linClrLst meth="repeat">
-      <a:schemeClr val="accent1">
-        <a:alpha val="90000"/>
-        <a:tint val="40000"/>
-      </a:schemeClr>
+      <a:schemeClr val="dk1"/>
     </dgm:linClrLst>
     <dgm:effectClrLst/>
     <dgm:txLinClrLst/>
@@ -3117,134 +3759,14 @@
     </dgm:txFillClrLst>
     <dgm:txEffectClrLst/>
   </dgm:styleLbl>
-  <dgm:styleLbl name="alignAccFollowNode1">
+  <dgm:styleLbl name="dkBgShp">
     <dgm:fillClrLst meth="repeat">
-      <a:schemeClr val="accent1">
-        <a:alpha val="90000"/>
-        <a:tint val="40000"/>
+      <a:schemeClr val="accent2">
+        <a:shade val="90000"/>
       </a:schemeClr>
     </dgm:fillClrLst>
     <dgm:linClrLst meth="repeat">
-      <a:schemeClr val="accent1">
-        <a:alpha val="90000"/>
-        <a:tint val="40000"/>
-      </a:schemeClr>
-    </dgm:linClrLst>
-    <dgm:effectClrLst/>
-    <dgm:txLinClrLst/>
-    <dgm:txFillClrLst meth="repeat">
       <a:schemeClr val="dk1"/>
-    </dgm:txFillClrLst>
-    <dgm:txEffectClrLst/>
-  </dgm:styleLbl>
-  <dgm:styleLbl name="bgAccFollowNode1">
-    <dgm:fillClrLst meth="repeat">
-      <a:schemeClr val="accent1">
-        <a:alpha val="90000"/>
-        <a:tint val="40000"/>
-      </a:schemeClr>
-    </dgm:fillClrLst>
-    <dgm:linClrLst meth="repeat">
-      <a:schemeClr val="accent1">
-        <a:alpha val="90000"/>
-        <a:tint val="40000"/>
-      </a:schemeClr>
-    </dgm:linClrLst>
-    <dgm:effectClrLst/>
-    <dgm:txLinClrLst/>
-    <dgm:txFillClrLst meth="repeat">
-      <a:schemeClr val="dk1"/>
-    </dgm:txFillClrLst>
-    <dgm:txEffectClrLst/>
-  </dgm:styleLbl>
-  <dgm:styleLbl name="fgAcc0">
-    <dgm:fillClrLst meth="repeat">
-      <a:schemeClr val="lt1">
-        <a:alpha val="90000"/>
-      </a:schemeClr>
-    </dgm:fillClrLst>
-    <dgm:linClrLst meth="repeat">
-      <a:schemeClr val="accent1"/>
-    </dgm:linClrLst>
-    <dgm:effectClrLst/>
-    <dgm:txLinClrLst/>
-    <dgm:txFillClrLst meth="repeat">
-      <a:schemeClr val="dk1"/>
-    </dgm:txFillClrLst>
-    <dgm:txEffectClrLst/>
-  </dgm:styleLbl>
-  <dgm:styleLbl name="fgAcc2">
-    <dgm:fillClrLst meth="repeat">
-      <a:schemeClr val="lt1">
-        <a:alpha val="90000"/>
-      </a:schemeClr>
-    </dgm:fillClrLst>
-    <dgm:linClrLst meth="repeat">
-      <a:schemeClr val="accent1"/>
-    </dgm:linClrLst>
-    <dgm:effectClrLst/>
-    <dgm:txLinClrLst/>
-    <dgm:txFillClrLst meth="repeat">
-      <a:schemeClr val="dk1"/>
-    </dgm:txFillClrLst>
-    <dgm:txEffectClrLst/>
-  </dgm:styleLbl>
-  <dgm:styleLbl name="fgAcc3">
-    <dgm:fillClrLst meth="repeat">
-      <a:schemeClr val="lt1">
-        <a:alpha val="90000"/>
-      </a:schemeClr>
-    </dgm:fillClrLst>
-    <dgm:linClrLst meth="repeat">
-      <a:schemeClr val="accent1"/>
-    </dgm:linClrLst>
-    <dgm:effectClrLst/>
-    <dgm:txLinClrLst/>
-    <dgm:txFillClrLst meth="repeat">
-      <a:schemeClr val="dk1"/>
-    </dgm:txFillClrLst>
-    <dgm:txEffectClrLst/>
-  </dgm:styleLbl>
-  <dgm:styleLbl name="fgAcc4">
-    <dgm:fillClrLst meth="repeat">
-      <a:schemeClr val="lt1">
-        <a:alpha val="90000"/>
-      </a:schemeClr>
-    </dgm:fillClrLst>
-    <dgm:linClrLst meth="repeat">
-      <a:schemeClr val="accent1"/>
-    </dgm:linClrLst>
-    <dgm:effectClrLst/>
-    <dgm:txLinClrLst/>
-    <dgm:txFillClrLst meth="repeat">
-      <a:schemeClr val="dk1"/>
-    </dgm:txFillClrLst>
-    <dgm:txEffectClrLst/>
-  </dgm:styleLbl>
-  <dgm:styleLbl name="bgShp">
-    <dgm:fillClrLst meth="repeat">
-      <a:schemeClr val="accent1">
-        <a:tint val="40000"/>
-      </a:schemeClr>
-    </dgm:fillClrLst>
-    <dgm:linClrLst meth="repeat">
-      <a:schemeClr val="accent1"/>
-    </dgm:linClrLst>
-    <dgm:effectClrLst/>
-    <dgm:txLinClrLst/>
-    <dgm:txFillClrLst meth="repeat">
-      <a:schemeClr val="dk1"/>
-    </dgm:txFillClrLst>
-    <dgm:txEffectClrLst/>
-  </dgm:styleLbl>
-  <dgm:styleLbl name="dkBgShp">
-    <dgm:fillClrLst meth="repeat">
-      <a:schemeClr val="accent1">
-        <a:shade val="80000"/>
-      </a:schemeClr>
-    </dgm:fillClrLst>
-    <dgm:linClrLst meth="repeat">
-      <a:schemeClr val="accent1"/>
     </dgm:linClrLst>
     <dgm:effectClrLst/>
     <dgm:txLinClrLst/>
@@ -3261,7 +3783,7 @@
       </a:schemeClr>
     </dgm:fillClrLst>
     <dgm:linClrLst meth="repeat">
-      <a:schemeClr val="accent1"/>
+      <a:schemeClr val="accent2"/>
     </dgm:linClrLst>
     <dgm:effectClrLst/>
     <dgm:txLinClrLst/>
@@ -3272,8 +3794,8 @@
   </dgm:styleLbl>
   <dgm:styleLbl name="fgShp">
     <dgm:fillClrLst meth="repeat">
-      <a:schemeClr val="accent1">
-        <a:tint val="60000"/>
+      <a:schemeClr val="accent2">
+        <a:tint val="40000"/>
       </a:schemeClr>
     </dgm:fillClrLst>
     <dgm:linClrLst meth="repeat">
@@ -3311,7 +3833,7 @@
 <dgm:dataModel xmlns:dgm="http://schemas.openxmlformats.org/drawingml/2006/diagram" xmlns:a="http://schemas.openxmlformats.org/drawingml/2006/main">
   <dgm:ptLst>
     <dgm:pt modelId="{E116E082-5DFE-4779-A255-98F887D8D3A6}" type="doc">
-      <dgm:prSet loTypeId="urn:microsoft.com/office/officeart/2005/8/layout/bProcess4" loCatId="process" qsTypeId="urn:microsoft.com/office/officeart/2005/8/quickstyle/simple1" qsCatId="simple" csTypeId="urn:microsoft.com/office/officeart/2005/8/colors/accent1_2" csCatId="accent1" phldr="1"/>
+      <dgm:prSet loTypeId="urn:microsoft.com/office/officeart/2005/8/layout/bProcess4" loCatId="process" qsTypeId="urn:microsoft.com/office/officeart/2005/8/quickstyle/simple1" qsCatId="simple" csTypeId="urn:microsoft.com/office/officeart/2005/8/colors/colorful1" csCatId="colorful" phldr="1"/>
       <dgm:spPr/>
       <dgm:t>
         <a:bodyPr/>
@@ -3955,10 +4477,24 @@
     <dgm:pt modelId="{5E3777FF-A79F-403B-AFAA-09A4C78C9355}" type="pres">
       <dgm:prSet presAssocID="{44928A36-F1E5-4BBF-9D79-D911189E85F4}" presName="compNode" presStyleCnt="0"/>
       <dgm:spPr/>
+      <dgm:t>
+        <a:bodyPr/>
+        <a:lstStyle/>
+        <a:p>
+          <a:endParaRPr lang="en-US"/>
+        </a:p>
+      </dgm:t>
     </dgm:pt>
     <dgm:pt modelId="{AA58A807-C98D-4A80-A2AD-48377155E4A8}" type="pres">
       <dgm:prSet presAssocID="{44928A36-F1E5-4BBF-9D79-D911189E85F4}" presName="dummyConnPt" presStyleCnt="0"/>
       <dgm:spPr/>
+      <dgm:t>
+        <a:bodyPr/>
+        <a:lstStyle/>
+        <a:p>
+          <a:endParaRPr lang="en-US"/>
+        </a:p>
+      </dgm:t>
     </dgm:pt>
     <dgm:pt modelId="{971D68E7-11E1-40D6-B9CB-D8CDB71EFCA1}" type="pres">
       <dgm:prSet presAssocID="{44928A36-F1E5-4BBF-9D79-D911189E85F4}" presName="node" presStyleLbl="node1" presStyleIdx="0" presStyleCnt="5">
@@ -3989,10 +4525,24 @@
     <dgm:pt modelId="{183155E1-DAF8-4302-A49F-A025AC1E467E}" type="pres">
       <dgm:prSet presAssocID="{060FBA36-AFBC-44F0-94BC-1C830944C723}" presName="compNode" presStyleCnt="0"/>
       <dgm:spPr/>
+      <dgm:t>
+        <a:bodyPr/>
+        <a:lstStyle/>
+        <a:p>
+          <a:endParaRPr lang="en-US"/>
+        </a:p>
+      </dgm:t>
     </dgm:pt>
     <dgm:pt modelId="{55DB02E6-CF59-4B3B-BCDB-199D9F76DBC9}" type="pres">
       <dgm:prSet presAssocID="{060FBA36-AFBC-44F0-94BC-1C830944C723}" presName="dummyConnPt" presStyleCnt="0"/>
       <dgm:spPr/>
+      <dgm:t>
+        <a:bodyPr/>
+        <a:lstStyle/>
+        <a:p>
+          <a:endParaRPr lang="en-US"/>
+        </a:p>
+      </dgm:t>
     </dgm:pt>
     <dgm:pt modelId="{3A27E763-E458-4ED2-99BE-C3EEF137CAE7}" type="pres">
       <dgm:prSet presAssocID="{060FBA36-AFBC-44F0-94BC-1C830944C723}" presName="node" presStyleLbl="node1" presStyleIdx="1" presStyleCnt="5">
@@ -4023,10 +4573,24 @@
     <dgm:pt modelId="{ED4AABAB-7A7B-4903-9B2A-07059ABD2CE9}" type="pres">
       <dgm:prSet presAssocID="{5D64D6E3-59F8-4B27-8874-92145CACED1D}" presName="compNode" presStyleCnt="0"/>
       <dgm:spPr/>
+      <dgm:t>
+        <a:bodyPr/>
+        <a:lstStyle/>
+        <a:p>
+          <a:endParaRPr lang="en-US"/>
+        </a:p>
+      </dgm:t>
     </dgm:pt>
     <dgm:pt modelId="{31EA7214-F861-4B52-9E2A-1D561F436487}" type="pres">
       <dgm:prSet presAssocID="{5D64D6E3-59F8-4B27-8874-92145CACED1D}" presName="dummyConnPt" presStyleCnt="0"/>
       <dgm:spPr/>
+      <dgm:t>
+        <a:bodyPr/>
+        <a:lstStyle/>
+        <a:p>
+          <a:endParaRPr lang="en-US"/>
+        </a:p>
+      </dgm:t>
     </dgm:pt>
     <dgm:pt modelId="{3DB5FF49-A4BC-4A9D-B924-B9DED040F778}" type="pres">
       <dgm:prSet presAssocID="{5D64D6E3-59F8-4B27-8874-92145CACED1D}" presName="node" presStyleLbl="node1" presStyleIdx="2" presStyleCnt="5">
@@ -4057,10 +4621,24 @@
     <dgm:pt modelId="{DDA647A8-2F91-4712-81E3-E6894B39899B}" type="pres">
       <dgm:prSet presAssocID="{D36D2F51-3604-437D-A14C-D44FA8F59BB7}" presName="compNode" presStyleCnt="0"/>
       <dgm:spPr/>
+      <dgm:t>
+        <a:bodyPr/>
+        <a:lstStyle/>
+        <a:p>
+          <a:endParaRPr lang="en-US"/>
+        </a:p>
+      </dgm:t>
     </dgm:pt>
     <dgm:pt modelId="{99EF24CD-CDB4-421C-90B4-4C4A012AE832}" type="pres">
       <dgm:prSet presAssocID="{D36D2F51-3604-437D-A14C-D44FA8F59BB7}" presName="dummyConnPt" presStyleCnt="0"/>
       <dgm:spPr/>
+      <dgm:t>
+        <a:bodyPr/>
+        <a:lstStyle/>
+        <a:p>
+          <a:endParaRPr lang="en-US"/>
+        </a:p>
+      </dgm:t>
     </dgm:pt>
     <dgm:pt modelId="{27502C90-49E2-40E4-AF6B-61CE894775F7}" type="pres">
       <dgm:prSet presAssocID="{D36D2F51-3604-437D-A14C-D44FA8F59BB7}" presName="node" presStyleLbl="node1" presStyleIdx="3" presStyleCnt="5">
@@ -4091,10 +4669,24 @@
     <dgm:pt modelId="{F5430122-E544-4670-AB73-C9BFE4271075}" type="pres">
       <dgm:prSet presAssocID="{3C3BD47A-8D3A-4DFB-BB2E-DFBC42652715}" presName="compNode" presStyleCnt="0"/>
       <dgm:spPr/>
+      <dgm:t>
+        <a:bodyPr/>
+        <a:lstStyle/>
+        <a:p>
+          <a:endParaRPr lang="en-US"/>
+        </a:p>
+      </dgm:t>
     </dgm:pt>
     <dgm:pt modelId="{6D98840E-565D-40BF-A2A3-85DD6D3F6893}" type="pres">
       <dgm:prSet presAssocID="{3C3BD47A-8D3A-4DFB-BB2E-DFBC42652715}" presName="dummyConnPt" presStyleCnt="0"/>
       <dgm:spPr/>
+      <dgm:t>
+        <a:bodyPr/>
+        <a:lstStyle/>
+        <a:p>
+          <a:endParaRPr lang="en-US"/>
+        </a:p>
+      </dgm:t>
     </dgm:pt>
     <dgm:pt modelId="{7DDD965A-BB57-4833-95D1-89EE739D9344}" type="pres">
       <dgm:prSet presAssocID="{3C3BD47A-8D3A-4DFB-BB2E-DFBC42652715}" presName="node" presStyleLbl="node1" presStyleIdx="4" presStyleCnt="5">
@@ -4176,6 +4768,9 @@
     <a:ext uri="http://schemas.microsoft.com/office/drawing/2008/diagram">
       <dsp:dataModelExt xmlns:dsp="http://schemas.microsoft.com/office/drawing/2008/diagram" relId="rId6" minVer="http://schemas.openxmlformats.org/drawingml/2006/diagram"/>
     </a:ext>
+    <a:ext uri="{C62137D5-CB1D-491B-B009-E17868A290BF}">
+      <dgm14:recolorImg xmlns:dgm14="http://schemas.microsoft.com/office/drawing/2010/diagram" val="1"/>
+    </a:ext>
   </dgm:extLst>
 </dgm:dataModel>
 </file>
@@ -4184,7 +4779,7 @@
 <dgm:dataModel xmlns:dgm="http://schemas.openxmlformats.org/drawingml/2006/diagram" xmlns:a="http://schemas.openxmlformats.org/drawingml/2006/main">
   <dgm:ptLst>
     <dgm:pt modelId="{256D063E-CDA5-421B-9498-A9E68A18EB0A}" type="doc">
-      <dgm:prSet loTypeId="urn:microsoft.com/office/officeart/2005/8/layout/hProcess4" loCatId="process" qsTypeId="urn:microsoft.com/office/officeart/2005/8/quickstyle/simple1" qsCatId="simple" csTypeId="urn:microsoft.com/office/officeart/2005/8/colors/accent1_2" csCatId="accent1" phldr="1"/>
+      <dgm:prSet loTypeId="urn:microsoft.com/office/officeart/2005/8/layout/hProcess4" loCatId="process" qsTypeId="urn:microsoft.com/office/officeart/2005/8/quickstyle/simple1" qsCatId="simple" csTypeId="urn:microsoft.com/office/officeart/2005/8/colors/colorful1" csCatId="colorful" phldr="1"/>
       <dgm:spPr/>
       <dgm:t>
         <a:bodyPr/>
@@ -4670,22 +5265,57 @@
     <dgm:pt modelId="{80EBEF79-59F6-46F4-861C-723D220DB42E}" type="pres">
       <dgm:prSet presAssocID="{256D063E-CDA5-421B-9498-A9E68A18EB0A}" presName="tSp" presStyleCnt="0"/>
       <dgm:spPr/>
+      <dgm:t>
+        <a:bodyPr/>
+        <a:lstStyle/>
+        <a:p>
+          <a:endParaRPr lang="en-US"/>
+        </a:p>
+      </dgm:t>
     </dgm:pt>
     <dgm:pt modelId="{ECF00678-393D-4875-BF74-2F552F34D07F}" type="pres">
       <dgm:prSet presAssocID="{256D063E-CDA5-421B-9498-A9E68A18EB0A}" presName="bSp" presStyleCnt="0"/>
       <dgm:spPr/>
+      <dgm:t>
+        <a:bodyPr/>
+        <a:lstStyle/>
+        <a:p>
+          <a:endParaRPr lang="en-US"/>
+        </a:p>
+      </dgm:t>
     </dgm:pt>
     <dgm:pt modelId="{01C98A79-72E4-4E95-80D5-4AB1A0C86824}" type="pres">
       <dgm:prSet presAssocID="{256D063E-CDA5-421B-9498-A9E68A18EB0A}" presName="process" presStyleCnt="0"/>
       <dgm:spPr/>
+      <dgm:t>
+        <a:bodyPr/>
+        <a:lstStyle/>
+        <a:p>
+          <a:endParaRPr lang="en-US"/>
+        </a:p>
+      </dgm:t>
     </dgm:pt>
     <dgm:pt modelId="{409514D6-761B-47A5-B8E4-2E2DBF883C46}" type="pres">
       <dgm:prSet presAssocID="{046CEBDD-8433-4280-A00E-905E5E7ABE2F}" presName="composite1" presStyleCnt="0"/>
       <dgm:spPr/>
+      <dgm:t>
+        <a:bodyPr/>
+        <a:lstStyle/>
+        <a:p>
+          <a:endParaRPr lang="en-US"/>
+        </a:p>
+      </dgm:t>
     </dgm:pt>
     <dgm:pt modelId="{F0A5C63D-3A2B-435D-BC80-4288CF0487F2}" type="pres">
       <dgm:prSet presAssocID="{046CEBDD-8433-4280-A00E-905E5E7ABE2F}" presName="dummyNode1" presStyleLbl="node1" presStyleIdx="0" presStyleCnt="4"/>
       <dgm:spPr/>
+      <dgm:t>
+        <a:bodyPr/>
+        <a:lstStyle/>
+        <a:p>
+          <a:endParaRPr lang="en-US"/>
+        </a:p>
+      </dgm:t>
     </dgm:pt>
     <dgm:pt modelId="{F93A835D-D777-48B1-BE52-D7D4E0E4F7C3}" type="pres">
       <dgm:prSet presAssocID="{046CEBDD-8433-4280-A00E-905E5E7ABE2F}" presName="childNode1" presStyleLbl="bgAcc1" presStyleIdx="0" presStyleCnt="4">
@@ -4736,6 +5366,13 @@
     <dgm:pt modelId="{2B048B9F-B771-43BE-972F-D70E5474BC8A}" type="pres">
       <dgm:prSet presAssocID="{046CEBDD-8433-4280-A00E-905E5E7ABE2F}" presName="connSite1" presStyleCnt="0"/>
       <dgm:spPr/>
+      <dgm:t>
+        <a:bodyPr/>
+        <a:lstStyle/>
+        <a:p>
+          <a:endParaRPr lang="en-US"/>
+        </a:p>
+      </dgm:t>
     </dgm:pt>
     <dgm:pt modelId="{F267B30C-97C3-4D7F-9714-839C57628911}" type="pres">
       <dgm:prSet presAssocID="{504B8F53-CC07-46CA-8B82-EC354FD37A54}" presName="Name9" presStyleLbl="sibTrans2D1" presStyleIdx="0" presStyleCnt="3"/>
@@ -4751,10 +5388,24 @@
     <dgm:pt modelId="{54DD6446-977A-4209-82E4-E3E43F1F7EC7}" type="pres">
       <dgm:prSet presAssocID="{29A5FAA5-283A-40FA-A839-61652B4490B3}" presName="composite2" presStyleCnt="0"/>
       <dgm:spPr/>
+      <dgm:t>
+        <a:bodyPr/>
+        <a:lstStyle/>
+        <a:p>
+          <a:endParaRPr lang="en-US"/>
+        </a:p>
+      </dgm:t>
     </dgm:pt>
     <dgm:pt modelId="{EAE7C352-B42A-415D-BF44-EADD3DB06A8F}" type="pres">
       <dgm:prSet presAssocID="{29A5FAA5-283A-40FA-A839-61652B4490B3}" presName="dummyNode2" presStyleLbl="node1" presStyleIdx="0" presStyleCnt="4"/>
       <dgm:spPr/>
+      <dgm:t>
+        <a:bodyPr/>
+        <a:lstStyle/>
+        <a:p>
+          <a:endParaRPr lang="en-US"/>
+        </a:p>
+      </dgm:t>
     </dgm:pt>
     <dgm:pt modelId="{387A98E9-B78F-453E-97D9-C7D37D977DC2}" type="pres">
       <dgm:prSet presAssocID="{29A5FAA5-283A-40FA-A839-61652B4490B3}" presName="childNode2" presStyleLbl="bgAcc1" presStyleIdx="1" presStyleCnt="4">
@@ -4805,6 +5456,13 @@
     <dgm:pt modelId="{EE0E6214-0797-4CEB-97FA-F0E61E0BE1B7}" type="pres">
       <dgm:prSet presAssocID="{29A5FAA5-283A-40FA-A839-61652B4490B3}" presName="connSite2" presStyleCnt="0"/>
       <dgm:spPr/>
+      <dgm:t>
+        <a:bodyPr/>
+        <a:lstStyle/>
+        <a:p>
+          <a:endParaRPr lang="en-US"/>
+        </a:p>
+      </dgm:t>
     </dgm:pt>
     <dgm:pt modelId="{70285396-6BEB-445E-914F-96B1877253BD}" type="pres">
       <dgm:prSet presAssocID="{09F65D13-5AB4-4352-A429-1BDFEDA69140}" presName="Name18" presStyleLbl="sibTrans2D1" presStyleIdx="1" presStyleCnt="3"/>
@@ -4820,10 +5478,24 @@
     <dgm:pt modelId="{3EC3D784-89C5-4C28-8C8F-B3C5604A0339}" type="pres">
       <dgm:prSet presAssocID="{74553BB0-A411-4841-AB30-810EE8DD560C}" presName="composite1" presStyleCnt="0"/>
       <dgm:spPr/>
+      <dgm:t>
+        <a:bodyPr/>
+        <a:lstStyle/>
+        <a:p>
+          <a:endParaRPr lang="en-US"/>
+        </a:p>
+      </dgm:t>
     </dgm:pt>
     <dgm:pt modelId="{A0473E81-659C-4C3E-9AE3-026345289599}" type="pres">
       <dgm:prSet presAssocID="{74553BB0-A411-4841-AB30-810EE8DD560C}" presName="dummyNode1" presStyleLbl="node1" presStyleIdx="1" presStyleCnt="4"/>
       <dgm:spPr/>
+      <dgm:t>
+        <a:bodyPr/>
+        <a:lstStyle/>
+        <a:p>
+          <a:endParaRPr lang="en-US"/>
+        </a:p>
+      </dgm:t>
     </dgm:pt>
     <dgm:pt modelId="{BE1A984B-808C-4598-B786-0286057C8341}" type="pres">
       <dgm:prSet presAssocID="{74553BB0-A411-4841-AB30-810EE8DD560C}" presName="childNode1" presStyleLbl="bgAcc1" presStyleIdx="2" presStyleCnt="4">
@@ -4874,6 +5546,13 @@
     <dgm:pt modelId="{98D095E0-CAB1-4418-A76F-19CE10C929AB}" type="pres">
       <dgm:prSet presAssocID="{74553BB0-A411-4841-AB30-810EE8DD560C}" presName="connSite1" presStyleCnt="0"/>
       <dgm:spPr/>
+      <dgm:t>
+        <a:bodyPr/>
+        <a:lstStyle/>
+        <a:p>
+          <a:endParaRPr lang="en-US"/>
+        </a:p>
+      </dgm:t>
     </dgm:pt>
     <dgm:pt modelId="{B38F082E-668F-4386-A131-662964A681EC}" type="pres">
       <dgm:prSet presAssocID="{A0F2BCDB-F9DC-441E-AA52-4F28899184E7}" presName="Name9" presStyleLbl="sibTrans2D1" presStyleIdx="2" presStyleCnt="3"/>
@@ -4889,10 +5568,24 @@
     <dgm:pt modelId="{EF89E56B-91D0-4DE2-9675-91744F6646D8}" type="pres">
       <dgm:prSet presAssocID="{4930E6C7-6E87-4E12-87DB-3E233F2EB534}" presName="composite2" presStyleCnt="0"/>
       <dgm:spPr/>
+      <dgm:t>
+        <a:bodyPr/>
+        <a:lstStyle/>
+        <a:p>
+          <a:endParaRPr lang="en-US"/>
+        </a:p>
+      </dgm:t>
     </dgm:pt>
     <dgm:pt modelId="{715A4969-38CA-4C78-BDF1-41AC78149C95}" type="pres">
       <dgm:prSet presAssocID="{4930E6C7-6E87-4E12-87DB-3E233F2EB534}" presName="dummyNode2" presStyleLbl="node1" presStyleIdx="2" presStyleCnt="4"/>
       <dgm:spPr/>
+      <dgm:t>
+        <a:bodyPr/>
+        <a:lstStyle/>
+        <a:p>
+          <a:endParaRPr lang="en-US"/>
+        </a:p>
+      </dgm:t>
     </dgm:pt>
     <dgm:pt modelId="{963BB537-6BC6-4997-8ACE-AAC40D4F72B9}" type="pres">
       <dgm:prSet presAssocID="{4930E6C7-6E87-4E12-87DB-3E233F2EB534}" presName="childNode2" presStyleLbl="bgAcc1" presStyleIdx="3" presStyleCnt="4">
@@ -4943,45 +5636,52 @@
     <dgm:pt modelId="{A7210FA3-9DD4-4342-83B9-702A7BE9BE2D}" type="pres">
       <dgm:prSet presAssocID="{4930E6C7-6E87-4E12-87DB-3E233F2EB534}" presName="connSite2" presStyleCnt="0"/>
       <dgm:spPr/>
+      <dgm:t>
+        <a:bodyPr/>
+        <a:lstStyle/>
+        <a:p>
+          <a:endParaRPr lang="en-US"/>
+        </a:p>
+      </dgm:t>
     </dgm:pt>
   </dgm:ptLst>
   <dgm:cxnLst>
+    <dgm:cxn modelId="{8F30DCA5-8D1B-48C4-80CE-DACA62075085}" type="presOf" srcId="{74553BB0-A411-4841-AB30-810EE8DD560C}" destId="{DFE589BC-FC43-4CB7-829C-38226DDA709F}" srcOrd="0" destOrd="0" presId="urn:microsoft.com/office/officeart/2005/8/layout/hProcess4"/>
+    <dgm:cxn modelId="{86D00908-25B4-46C9-A7F9-54CEA655F381}" srcId="{29A5FAA5-283A-40FA-A839-61652B4490B3}" destId="{6069CE85-02F1-4E19-AE48-CF3A5EC5E8E6}" srcOrd="1" destOrd="0" parTransId="{4FB243DF-31C2-4C71-A631-10B53957E2DE}" sibTransId="{37B9F1F7-DE95-470E-808E-BB03622D0295}"/>
+    <dgm:cxn modelId="{22C07930-881D-4460-AEEB-5A9CB7A041DE}" srcId="{256D063E-CDA5-421B-9498-A9E68A18EB0A}" destId="{74553BB0-A411-4841-AB30-810EE8DD560C}" srcOrd="2" destOrd="0" parTransId="{4B323776-7BC0-4DAC-84BB-1771A4C238F9}" sibTransId="{A0F2BCDB-F9DC-441E-AA52-4F28899184E7}"/>
+    <dgm:cxn modelId="{3A3A5408-704D-4B12-8EFD-2A2E3B908D79}" type="presOf" srcId="{2852B17E-400F-4F0C-A965-6DC058515768}" destId="{54641B96-456F-4BF6-A2F6-F5888D3E90F6}" srcOrd="1" destOrd="1" presId="urn:microsoft.com/office/officeart/2005/8/layout/hProcess4"/>
+    <dgm:cxn modelId="{590E3694-7A09-4155-89F4-F5E00A4C07A5}" srcId="{74553BB0-A411-4841-AB30-810EE8DD560C}" destId="{B6C0D1DC-4B50-474C-BD10-7EBC0605A4D9}" srcOrd="0" destOrd="0" parTransId="{D7F4800F-CAFF-446E-831E-7D644B63544C}" sibTransId="{E21B6B12-5347-4AA1-9B70-9588F9D860CB}"/>
+    <dgm:cxn modelId="{6CBE8A98-52E6-4A6B-BA8F-79D6D3D40963}" type="presOf" srcId="{55CB83B0-E509-442E-8A6B-462E1D3F9329}" destId="{1F14FE10-230C-444F-9DA2-B1E6E78209BC}" srcOrd="1" destOrd="0" presId="urn:microsoft.com/office/officeart/2005/8/layout/hProcess4"/>
+    <dgm:cxn modelId="{086F1391-2180-48E0-AA37-8B97FC6E18C3}" type="presOf" srcId="{046CEBDD-8433-4280-A00E-905E5E7ABE2F}" destId="{3EAC7254-D002-446D-A858-48A972C6F666}" srcOrd="0" destOrd="0" presId="urn:microsoft.com/office/officeart/2005/8/layout/hProcess4"/>
+    <dgm:cxn modelId="{FD661B77-24E0-4EE0-B37E-9ADAA930E94B}" type="presOf" srcId="{80529BC2-F094-4A12-9930-AE27455CC937}" destId="{F93A835D-D777-48B1-BE52-D7D4E0E4F7C3}" srcOrd="0" destOrd="0" presId="urn:microsoft.com/office/officeart/2005/8/layout/hProcess4"/>
+    <dgm:cxn modelId="{B50AC079-19F9-4CEA-BDD6-C1A7B915C2B1}" srcId="{256D063E-CDA5-421B-9498-A9E68A18EB0A}" destId="{046CEBDD-8433-4280-A00E-905E5E7ABE2F}" srcOrd="0" destOrd="0" parTransId="{C5793ABE-787C-4F8A-B8C7-0FC845B020E4}" sibTransId="{504B8F53-CC07-46CA-8B82-EC354FD37A54}"/>
+    <dgm:cxn modelId="{ACE970F9-D25F-4D81-920A-F4C4237DC670}" type="presOf" srcId="{55CB83B0-E509-442E-8A6B-462E1D3F9329}" destId="{963BB537-6BC6-4997-8ACE-AAC40D4F72B9}" srcOrd="0" destOrd="0" presId="urn:microsoft.com/office/officeart/2005/8/layout/hProcess4"/>
+    <dgm:cxn modelId="{30C5E3EF-43AF-43DB-A69E-84099F662E5F}" type="presOf" srcId="{56FD6956-DCE2-4C65-943F-43C5AF1895A4}" destId="{387A98E9-B78F-453E-97D9-C7D37D977DC2}" srcOrd="0" destOrd="0" presId="urn:microsoft.com/office/officeart/2005/8/layout/hProcess4"/>
+    <dgm:cxn modelId="{2ECDE5D4-7165-4E37-8973-8C872B353A21}" type="presOf" srcId="{6069CE85-02F1-4E19-AE48-CF3A5EC5E8E6}" destId="{387A98E9-B78F-453E-97D9-C7D37D977DC2}" srcOrd="0" destOrd="1" presId="urn:microsoft.com/office/officeart/2005/8/layout/hProcess4"/>
+    <dgm:cxn modelId="{4278E359-D789-4D4E-9691-3BB7F59572A5}" srcId="{046CEBDD-8433-4280-A00E-905E5E7ABE2F}" destId="{80529BC2-F094-4A12-9930-AE27455CC937}" srcOrd="0" destOrd="0" parTransId="{4135261D-F44A-43AF-B429-9A40D56E26BC}" sibTransId="{AC3DD7E5-0CF1-4ACA-B534-0923E3DAEEB5}"/>
+    <dgm:cxn modelId="{8642E7EF-DE6F-4F0D-9809-9E4515402E09}" type="presOf" srcId="{29A5FAA5-283A-40FA-A839-61652B4490B3}" destId="{A8CE020E-D2F2-4A40-8F88-BDE892B2AC46}" srcOrd="0" destOrd="0" presId="urn:microsoft.com/office/officeart/2005/8/layout/hProcess4"/>
+    <dgm:cxn modelId="{1DD37075-FF92-4E75-91C7-F35379E28EC2}" type="presOf" srcId="{A0F2BCDB-F9DC-441E-AA52-4F28899184E7}" destId="{B38F082E-668F-4386-A131-662964A681EC}" srcOrd="0" destOrd="0" presId="urn:microsoft.com/office/officeart/2005/8/layout/hProcess4"/>
+    <dgm:cxn modelId="{B972361B-3C70-4464-9705-92EFEB1F1295}" type="presOf" srcId="{02DB401A-77D8-425F-88BB-25612D62C6BC}" destId="{387A98E9-B78F-453E-97D9-C7D37D977DC2}" srcOrd="0" destOrd="2" presId="urn:microsoft.com/office/officeart/2005/8/layout/hProcess4"/>
     <dgm:cxn modelId="{291D66D7-5A59-4FBB-8873-B4B861519030}" srcId="{256D063E-CDA5-421B-9498-A9E68A18EB0A}" destId="{29A5FAA5-283A-40FA-A839-61652B4490B3}" srcOrd="1" destOrd="0" parTransId="{B86E4B9B-9DE8-4014-8C5C-85A53E777C68}" sibTransId="{09F65D13-5AB4-4352-A429-1BDFEDA69140}"/>
-    <dgm:cxn modelId="{149F30B2-7384-4906-8C78-79E6FC40A620}" srcId="{74553BB0-A411-4841-AB30-810EE8DD560C}" destId="{2852B17E-400F-4F0C-A965-6DC058515768}" srcOrd="1" destOrd="0" parTransId="{1A58DE2A-6FDD-482E-8C73-AEA4B72C3B14}" sibTransId="{68DA26CD-F95E-4DB0-BD57-FBBEB591FEEA}"/>
-    <dgm:cxn modelId="{8F30DCA5-8D1B-48C4-80CE-DACA62075085}" type="presOf" srcId="{74553BB0-A411-4841-AB30-810EE8DD560C}" destId="{DFE589BC-FC43-4CB7-829C-38226DDA709F}" srcOrd="0" destOrd="0" presId="urn:microsoft.com/office/officeart/2005/8/layout/hProcess4"/>
-    <dgm:cxn modelId="{086F1391-2180-48E0-AA37-8B97FC6E18C3}" type="presOf" srcId="{046CEBDD-8433-4280-A00E-905E5E7ABE2F}" destId="{3EAC7254-D002-446D-A858-48A972C6F666}" srcOrd="0" destOrd="0" presId="urn:microsoft.com/office/officeart/2005/8/layout/hProcess4"/>
-    <dgm:cxn modelId="{8642E7EF-DE6F-4F0D-9809-9E4515402E09}" type="presOf" srcId="{29A5FAA5-283A-40FA-A839-61652B4490B3}" destId="{A8CE020E-D2F2-4A40-8F88-BDE892B2AC46}" srcOrd="0" destOrd="0" presId="urn:microsoft.com/office/officeart/2005/8/layout/hProcess4"/>
-    <dgm:cxn modelId="{3A3A5408-704D-4B12-8EFD-2A2E3B908D79}" type="presOf" srcId="{2852B17E-400F-4F0C-A965-6DC058515768}" destId="{54641B96-456F-4BF6-A2F6-F5888D3E90F6}" srcOrd="1" destOrd="1" presId="urn:microsoft.com/office/officeart/2005/8/layout/hProcess4"/>
-    <dgm:cxn modelId="{22C07930-881D-4460-AEEB-5A9CB7A041DE}" srcId="{256D063E-CDA5-421B-9498-A9E68A18EB0A}" destId="{74553BB0-A411-4841-AB30-810EE8DD560C}" srcOrd="2" destOrd="0" parTransId="{4B323776-7BC0-4DAC-84BB-1771A4C238F9}" sibTransId="{A0F2BCDB-F9DC-441E-AA52-4F28899184E7}"/>
-    <dgm:cxn modelId="{ACE970F9-D25F-4D81-920A-F4C4237DC670}" type="presOf" srcId="{55CB83B0-E509-442E-8A6B-462E1D3F9329}" destId="{963BB537-6BC6-4997-8ACE-AAC40D4F72B9}" srcOrd="0" destOrd="0" presId="urn:microsoft.com/office/officeart/2005/8/layout/hProcess4"/>
-    <dgm:cxn modelId="{0A8C7A1C-8497-4CEA-BFDE-66CEB8BE8B17}" type="presOf" srcId="{B1D3268A-2CA7-40C2-A6BD-E93A387CC3C9}" destId="{387A98E9-B78F-453E-97D9-C7D37D977DC2}" srcOrd="0" destOrd="3" presId="urn:microsoft.com/office/officeart/2005/8/layout/hProcess4"/>
-    <dgm:cxn modelId="{E4FC5EEA-9611-41A7-993E-A765CA0298EB}" type="presOf" srcId="{B6C0D1DC-4B50-474C-BD10-7EBC0605A4D9}" destId="{BE1A984B-808C-4598-B786-0286057C8341}" srcOrd="0" destOrd="0" presId="urn:microsoft.com/office/officeart/2005/8/layout/hProcess4"/>
-    <dgm:cxn modelId="{FD661B77-24E0-4EE0-B37E-9ADAA930E94B}" type="presOf" srcId="{80529BC2-F094-4A12-9930-AE27455CC937}" destId="{F93A835D-D777-48B1-BE52-D7D4E0E4F7C3}" srcOrd="0" destOrd="0" presId="urn:microsoft.com/office/officeart/2005/8/layout/hProcess4"/>
-    <dgm:cxn modelId="{80973ED4-0EB8-4E31-92A0-C979E07468A7}" type="presOf" srcId="{6069CE85-02F1-4E19-AE48-CF3A5EC5E8E6}" destId="{2F771251-0DDD-462E-83B1-5C78B4D2DCBD}" srcOrd="1" destOrd="1" presId="urn:microsoft.com/office/officeart/2005/8/layout/hProcess4"/>
-    <dgm:cxn modelId="{6CBE8A98-52E6-4A6B-BA8F-79D6D3D40963}" type="presOf" srcId="{55CB83B0-E509-442E-8A6B-462E1D3F9329}" destId="{1F14FE10-230C-444F-9DA2-B1E6E78209BC}" srcOrd="1" destOrd="0" presId="urn:microsoft.com/office/officeart/2005/8/layout/hProcess4"/>
-    <dgm:cxn modelId="{1A17D8B6-915E-4D46-9D42-D2907B1DF09B}" type="presOf" srcId="{B1D3268A-2CA7-40C2-A6BD-E93A387CC3C9}" destId="{2F771251-0DDD-462E-83B1-5C78B4D2DCBD}" srcOrd="1" destOrd="3" presId="urn:microsoft.com/office/officeart/2005/8/layout/hProcess4"/>
-    <dgm:cxn modelId="{60A5CF9A-12FF-4D28-95E5-DC81FB093BB4}" type="presOf" srcId="{56FD6956-DCE2-4C65-943F-43C5AF1895A4}" destId="{2F771251-0DDD-462E-83B1-5C78B4D2DCBD}" srcOrd="1" destOrd="0" presId="urn:microsoft.com/office/officeart/2005/8/layout/hProcess4"/>
-    <dgm:cxn modelId="{F7DA23E2-78F3-4255-8E78-740E0C52EF30}" type="presOf" srcId="{B6C0D1DC-4B50-474C-BD10-7EBC0605A4D9}" destId="{54641B96-456F-4BF6-A2F6-F5888D3E90F6}" srcOrd="1" destOrd="0" presId="urn:microsoft.com/office/officeart/2005/8/layout/hProcess4"/>
     <dgm:cxn modelId="{E2A1A383-4D9A-42A0-AF3C-6E51002DDEE5}" srcId="{29A5FAA5-283A-40FA-A839-61652B4490B3}" destId="{02DB401A-77D8-425F-88BB-25612D62C6BC}" srcOrd="2" destOrd="0" parTransId="{C40872BC-E7ED-44B8-A5B8-EEDA50B66AA1}" sibTransId="{E2E6B22B-6819-4E27-ADA0-451AC1F3074F}"/>
-    <dgm:cxn modelId="{4278E359-D789-4D4E-9691-3BB7F59572A5}" srcId="{046CEBDD-8433-4280-A00E-905E5E7ABE2F}" destId="{80529BC2-F094-4A12-9930-AE27455CC937}" srcOrd="0" destOrd="0" parTransId="{4135261D-F44A-43AF-B429-9A40D56E26BC}" sibTransId="{AC3DD7E5-0CF1-4ACA-B534-0923E3DAEEB5}"/>
-    <dgm:cxn modelId="{64DA3176-F7AC-4C88-ABF3-0EDE0CE58471}" srcId="{4930E6C7-6E87-4E12-87DB-3E233F2EB534}" destId="{55CB83B0-E509-442E-8A6B-462E1D3F9329}" srcOrd="0" destOrd="0" parTransId="{98C9552F-A063-4036-BF6B-EB8767C6F2B0}" sibTransId="{7172DA90-ED09-4D43-B882-57A0FAD54C99}"/>
-    <dgm:cxn modelId="{2ECDE5D4-7165-4E37-8973-8C872B353A21}" type="presOf" srcId="{6069CE85-02F1-4E19-AE48-CF3A5EC5E8E6}" destId="{387A98E9-B78F-453E-97D9-C7D37D977DC2}" srcOrd="0" destOrd="1" presId="urn:microsoft.com/office/officeart/2005/8/layout/hProcess4"/>
-    <dgm:cxn modelId="{7DAF750B-FDDB-4B97-9C32-EE00FBAD8FE0}" type="presOf" srcId="{2852B17E-400F-4F0C-A965-6DC058515768}" destId="{BE1A984B-808C-4598-B786-0286057C8341}" srcOrd="0" destOrd="1" presId="urn:microsoft.com/office/officeart/2005/8/layout/hProcess4"/>
-    <dgm:cxn modelId="{1DD37075-FF92-4E75-91C7-F35379E28EC2}" type="presOf" srcId="{A0F2BCDB-F9DC-441E-AA52-4F28899184E7}" destId="{B38F082E-668F-4386-A131-662964A681EC}" srcOrd="0" destOrd="0" presId="urn:microsoft.com/office/officeart/2005/8/layout/hProcess4"/>
     <dgm:cxn modelId="{03D75F3B-E355-4946-853D-E333342D603F}" type="presOf" srcId="{256D063E-CDA5-421B-9498-A9E68A18EB0A}" destId="{B4454FD2-9441-4A05-8860-24D46A0B6AD5}" srcOrd="0" destOrd="0" presId="urn:microsoft.com/office/officeart/2005/8/layout/hProcess4"/>
-    <dgm:cxn modelId="{0B3C2532-8082-42B0-AEAB-FC4CE5393A49}" type="presOf" srcId="{80529BC2-F094-4A12-9930-AE27455CC937}" destId="{33F8377B-79FD-436E-A6E2-3C0555D13059}" srcOrd="1" destOrd="0" presId="urn:microsoft.com/office/officeart/2005/8/layout/hProcess4"/>
-    <dgm:cxn modelId="{6867952A-BF84-4636-9CA9-2E0144922270}" type="presOf" srcId="{504B8F53-CC07-46CA-8B82-EC354FD37A54}" destId="{F267B30C-97C3-4D7F-9714-839C57628911}" srcOrd="0" destOrd="0" presId="urn:microsoft.com/office/officeart/2005/8/layout/hProcess4"/>
-    <dgm:cxn modelId="{68D12C7C-3051-4B85-9F92-4B2B8B0B655B}" srcId="{29A5FAA5-283A-40FA-A839-61652B4490B3}" destId="{56FD6956-DCE2-4C65-943F-43C5AF1895A4}" srcOrd="0" destOrd="0" parTransId="{0D22F242-22B0-4222-8CED-732C873498E1}" sibTransId="{54B7FFFF-A36B-4D8E-82AE-4D89E9BC76EE}"/>
-    <dgm:cxn modelId="{B50AC079-19F9-4CEA-BDD6-C1A7B915C2B1}" srcId="{256D063E-CDA5-421B-9498-A9E68A18EB0A}" destId="{046CEBDD-8433-4280-A00E-905E5E7ABE2F}" srcOrd="0" destOrd="0" parTransId="{C5793ABE-787C-4F8A-B8C7-0FC845B020E4}" sibTransId="{504B8F53-CC07-46CA-8B82-EC354FD37A54}"/>
-    <dgm:cxn modelId="{86D00908-25B4-46C9-A7F9-54CEA655F381}" srcId="{29A5FAA5-283A-40FA-A839-61652B4490B3}" destId="{6069CE85-02F1-4E19-AE48-CF3A5EC5E8E6}" srcOrd="1" destOrd="0" parTransId="{4FB243DF-31C2-4C71-A631-10B53957E2DE}" sibTransId="{37B9F1F7-DE95-470E-808E-BB03622D0295}"/>
-    <dgm:cxn modelId="{30C5E3EF-43AF-43DB-A69E-84099F662E5F}" type="presOf" srcId="{56FD6956-DCE2-4C65-943F-43C5AF1895A4}" destId="{387A98E9-B78F-453E-97D9-C7D37D977DC2}" srcOrd="0" destOrd="0" presId="urn:microsoft.com/office/officeart/2005/8/layout/hProcess4"/>
     <dgm:cxn modelId="{31B9516C-DE89-4A1A-9FD1-6171AE1B3AAE}" srcId="{256D063E-CDA5-421B-9498-A9E68A18EB0A}" destId="{4930E6C7-6E87-4E12-87DB-3E233F2EB534}" srcOrd="3" destOrd="0" parTransId="{0B434E29-8B62-4B36-8516-6EE11FDD9B3C}" sibTransId="{E2999A2A-E73D-4C93-96B0-B984D2A214F2}"/>
     <dgm:cxn modelId="{C59AAD0D-973F-422F-B3E1-4555114CEF2D}" type="presOf" srcId="{4930E6C7-6E87-4E12-87DB-3E233F2EB534}" destId="{E0E7B078-A6F5-4075-84A4-EEB86A51B141}" srcOrd="0" destOrd="0" presId="urn:microsoft.com/office/officeart/2005/8/layout/hProcess4"/>
-    <dgm:cxn modelId="{B972361B-3C70-4464-9705-92EFEB1F1295}" type="presOf" srcId="{02DB401A-77D8-425F-88BB-25612D62C6BC}" destId="{387A98E9-B78F-453E-97D9-C7D37D977DC2}" srcOrd="0" destOrd="2" presId="urn:microsoft.com/office/officeart/2005/8/layout/hProcess4"/>
+    <dgm:cxn modelId="{6867952A-BF84-4636-9CA9-2E0144922270}" type="presOf" srcId="{504B8F53-CC07-46CA-8B82-EC354FD37A54}" destId="{F267B30C-97C3-4D7F-9714-839C57628911}" srcOrd="0" destOrd="0" presId="urn:microsoft.com/office/officeart/2005/8/layout/hProcess4"/>
     <dgm:cxn modelId="{61BC87B4-28DC-4965-8C01-A0781373C67B}" srcId="{29A5FAA5-283A-40FA-A839-61652B4490B3}" destId="{B1D3268A-2CA7-40C2-A6BD-E93A387CC3C9}" srcOrd="3" destOrd="0" parTransId="{56291349-8E78-4733-ACA7-7CBF0386878C}" sibTransId="{5C97A5DA-C113-4FB9-8A14-CE672B128E9F}"/>
+    <dgm:cxn modelId="{0A8C7A1C-8497-4CEA-BFDE-66CEB8BE8B17}" type="presOf" srcId="{B1D3268A-2CA7-40C2-A6BD-E93A387CC3C9}" destId="{387A98E9-B78F-453E-97D9-C7D37D977DC2}" srcOrd="0" destOrd="3" presId="urn:microsoft.com/office/officeart/2005/8/layout/hProcess4"/>
+    <dgm:cxn modelId="{F7DA23E2-78F3-4255-8E78-740E0C52EF30}" type="presOf" srcId="{B6C0D1DC-4B50-474C-BD10-7EBC0605A4D9}" destId="{54641B96-456F-4BF6-A2F6-F5888D3E90F6}" srcOrd="1" destOrd="0" presId="urn:microsoft.com/office/officeart/2005/8/layout/hProcess4"/>
+    <dgm:cxn modelId="{60A5CF9A-12FF-4D28-95E5-DC81FB093BB4}" type="presOf" srcId="{56FD6956-DCE2-4C65-943F-43C5AF1895A4}" destId="{2F771251-0DDD-462E-83B1-5C78B4D2DCBD}" srcOrd="1" destOrd="0" presId="urn:microsoft.com/office/officeart/2005/8/layout/hProcess4"/>
+    <dgm:cxn modelId="{E4FC5EEA-9611-41A7-993E-A765CA0298EB}" type="presOf" srcId="{B6C0D1DC-4B50-474C-BD10-7EBC0605A4D9}" destId="{BE1A984B-808C-4598-B786-0286057C8341}" srcOrd="0" destOrd="0" presId="urn:microsoft.com/office/officeart/2005/8/layout/hProcess4"/>
+    <dgm:cxn modelId="{64DA3176-F7AC-4C88-ABF3-0EDE0CE58471}" srcId="{4930E6C7-6E87-4E12-87DB-3E233F2EB534}" destId="{55CB83B0-E509-442E-8A6B-462E1D3F9329}" srcOrd="0" destOrd="0" parTransId="{98C9552F-A063-4036-BF6B-EB8767C6F2B0}" sibTransId="{7172DA90-ED09-4D43-B882-57A0FAD54C99}"/>
+    <dgm:cxn modelId="{1A17D8B6-915E-4D46-9D42-D2907B1DF09B}" type="presOf" srcId="{B1D3268A-2CA7-40C2-A6BD-E93A387CC3C9}" destId="{2F771251-0DDD-462E-83B1-5C78B4D2DCBD}" srcOrd="1" destOrd="3" presId="urn:microsoft.com/office/officeart/2005/8/layout/hProcess4"/>
+    <dgm:cxn modelId="{0B3C2532-8082-42B0-AEAB-FC4CE5393A49}" type="presOf" srcId="{80529BC2-F094-4A12-9930-AE27455CC937}" destId="{33F8377B-79FD-436E-A6E2-3C0555D13059}" srcOrd="1" destOrd="0" presId="urn:microsoft.com/office/officeart/2005/8/layout/hProcess4"/>
     <dgm:cxn modelId="{61BA3DB9-3C91-41EB-9447-97E6D13B6384}" type="presOf" srcId="{09F65D13-5AB4-4352-A429-1BDFEDA69140}" destId="{70285396-6BEB-445E-914F-96B1877253BD}" srcOrd="0" destOrd="0" presId="urn:microsoft.com/office/officeart/2005/8/layout/hProcess4"/>
+    <dgm:cxn modelId="{68D12C7C-3051-4B85-9F92-4B2B8B0B655B}" srcId="{29A5FAA5-283A-40FA-A839-61652B4490B3}" destId="{56FD6956-DCE2-4C65-943F-43C5AF1895A4}" srcOrd="0" destOrd="0" parTransId="{0D22F242-22B0-4222-8CED-732C873498E1}" sibTransId="{54B7FFFF-A36B-4D8E-82AE-4D89E9BC76EE}"/>
+    <dgm:cxn modelId="{7DAF750B-FDDB-4B97-9C32-EE00FBAD8FE0}" type="presOf" srcId="{2852B17E-400F-4F0C-A965-6DC058515768}" destId="{BE1A984B-808C-4598-B786-0286057C8341}" srcOrd="0" destOrd="1" presId="urn:microsoft.com/office/officeart/2005/8/layout/hProcess4"/>
     <dgm:cxn modelId="{D2021B6F-4E2F-4313-AB46-5C975DBC9C51}" type="presOf" srcId="{02DB401A-77D8-425F-88BB-25612D62C6BC}" destId="{2F771251-0DDD-462E-83B1-5C78B4D2DCBD}" srcOrd="1" destOrd="2" presId="urn:microsoft.com/office/officeart/2005/8/layout/hProcess4"/>
-    <dgm:cxn modelId="{590E3694-7A09-4155-89F4-F5E00A4C07A5}" srcId="{74553BB0-A411-4841-AB30-810EE8DD560C}" destId="{B6C0D1DC-4B50-474C-BD10-7EBC0605A4D9}" srcOrd="0" destOrd="0" parTransId="{D7F4800F-CAFF-446E-831E-7D644B63544C}" sibTransId="{E21B6B12-5347-4AA1-9B70-9588F9D860CB}"/>
+    <dgm:cxn modelId="{149F30B2-7384-4906-8C78-79E6FC40A620}" srcId="{74553BB0-A411-4841-AB30-810EE8DD560C}" destId="{2852B17E-400F-4F0C-A965-6DC058515768}" srcOrd="1" destOrd="0" parTransId="{1A58DE2A-6FDD-482E-8C73-AEA4B72C3B14}" sibTransId="{68DA26CD-F95E-4DB0-BD57-FBBEB591FEEA}"/>
+    <dgm:cxn modelId="{80973ED4-0EB8-4E31-92A0-C979E07468A7}" type="presOf" srcId="{6069CE85-02F1-4E19-AE48-CF3A5EC5E8E6}" destId="{2F771251-0DDD-462E-83B1-5C78B4D2DCBD}" srcOrd="1" destOrd="1" presId="urn:microsoft.com/office/officeart/2005/8/layout/hProcess4"/>
     <dgm:cxn modelId="{9B50CE38-B8E3-4D48-90E9-1F716CCCDAC8}" type="presParOf" srcId="{B4454FD2-9441-4A05-8860-24D46A0B6AD5}" destId="{80EBEF79-59F6-46F4-861C-723D220DB42E}" srcOrd="0" destOrd="0" presId="urn:microsoft.com/office/officeart/2005/8/layout/hProcess4"/>
     <dgm:cxn modelId="{376A0D54-AF6C-4EAF-9268-DAFA0A6BB18A}" type="presParOf" srcId="{B4454FD2-9441-4A05-8860-24D46A0B6AD5}" destId="{ECF00678-393D-4875-BF74-2F552F34D07F}" srcOrd="1" destOrd="0" presId="urn:microsoft.com/office/officeart/2005/8/layout/hProcess4"/>
     <dgm:cxn modelId="{1ED4DBA0-E4A6-473A-B72A-E8C688C0C7B7}" type="presParOf" srcId="{B4454FD2-9441-4A05-8860-24D46A0B6AD5}" destId="{01C98A79-72E4-4E95-80D5-4AB1A0C86824}" srcOrd="2" destOrd="0" presId="urn:microsoft.com/office/officeart/2005/8/layout/hProcess4"/>
@@ -5027,7 +5727,7 @@
 <dgm:dataModel xmlns:dgm="http://schemas.openxmlformats.org/drawingml/2006/diagram" xmlns:a="http://schemas.openxmlformats.org/drawingml/2006/main">
   <dgm:ptLst>
     <dgm:pt modelId="{B1EB13D6-CF08-4705-A095-90452B115826}" type="doc">
-      <dgm:prSet loTypeId="urn:microsoft.com/office/officeart/2005/8/layout/hList7" loCatId="process" qsTypeId="urn:microsoft.com/office/officeart/2005/8/quickstyle/simple4" qsCatId="simple" csTypeId="urn:microsoft.com/office/officeart/2005/8/colors/accent1_2" csCatId="accent1" phldr="1"/>
+      <dgm:prSet loTypeId="urn:microsoft.com/office/officeart/2005/8/layout/hList7" loCatId="process" qsTypeId="urn:microsoft.com/office/officeart/2005/8/quickstyle/simple4" qsCatId="simple" csTypeId="urn:microsoft.com/office/officeart/2005/8/colors/colorful1" csCatId="colorful" phldr="1"/>
       <dgm:spPr/>
       <dgm:t>
         <a:bodyPr/>
@@ -5541,14 +6241,35 @@
           <a:avLst/>
         </a:prstGeom>
       </dgm:spPr>
+      <dgm:t>
+        <a:bodyPr/>
+        <a:lstStyle/>
+        <a:p>
+          <a:endParaRPr lang="en-US"/>
+        </a:p>
+      </dgm:t>
     </dgm:pt>
     <dgm:pt modelId="{8A91C354-47BA-42C7-A327-988801C7C4BC}" type="pres">
       <dgm:prSet presAssocID="{B1EB13D6-CF08-4705-A095-90452B115826}" presName="linComp" presStyleCnt="0"/>
       <dgm:spPr/>
+      <dgm:t>
+        <a:bodyPr/>
+        <a:lstStyle/>
+        <a:p>
+          <a:endParaRPr lang="en-US"/>
+        </a:p>
+      </dgm:t>
     </dgm:pt>
     <dgm:pt modelId="{897B4DD4-6552-4234-AB03-57BE694420A6}" type="pres">
       <dgm:prSet presAssocID="{BBBF80FE-7346-4E29-AED5-F55678B732EB}" presName="compNode" presStyleCnt="0"/>
       <dgm:spPr/>
+      <dgm:t>
+        <a:bodyPr/>
+        <a:lstStyle/>
+        <a:p>
+          <a:endParaRPr lang="en-US"/>
+        </a:p>
+      </dgm:t>
     </dgm:pt>
     <dgm:pt modelId="{AE088E35-AF69-41D7-A9E7-A81CD0EA5B60}" type="pres">
       <dgm:prSet presAssocID="{BBBF80FE-7346-4E29-AED5-F55678B732EB}" presName="bkgdShape" presStyleLbl="node1" presStyleIdx="0" presStyleCnt="4"/>
@@ -5579,10 +6300,38 @@
     <dgm:pt modelId="{1BD28EDE-1A2C-4ACF-98EC-FB2CF63097D4}" type="pres">
       <dgm:prSet presAssocID="{BBBF80FE-7346-4E29-AED5-F55678B732EB}" presName="invisiNode" presStyleLbl="node1" presStyleIdx="0" presStyleCnt="4"/>
       <dgm:spPr/>
+      <dgm:t>
+        <a:bodyPr/>
+        <a:lstStyle/>
+        <a:p>
+          <a:endParaRPr lang="en-US"/>
+        </a:p>
+      </dgm:t>
     </dgm:pt>
     <dgm:pt modelId="{B823713E-4EB6-4E1C-A05D-3A7A78AC22C6}" type="pres">
       <dgm:prSet presAssocID="{BBBF80FE-7346-4E29-AED5-F55678B732EB}" presName="imagNode" presStyleLbl="fgImgPlace1" presStyleIdx="0" presStyleCnt="4"/>
-      <dgm:spPr/>
+      <dgm:spPr>
+        <a:blipFill>
+          <a:blip xmlns:r="http://schemas.openxmlformats.org/officeDocument/2006/relationships" r:embed="rId1">
+            <a:extLst>
+              <a:ext uri="{28A0092B-C50C-407E-A947-70E740481C1C}">
+                <a14:useLocalDpi xmlns:a14="http://schemas.microsoft.com/office/drawing/2010/main" val="0"/>
+              </a:ext>
+            </a:extLst>
+          </a:blip>
+          <a:srcRect/>
+          <a:stretch>
+            <a:fillRect l="-17000" r="-17000"/>
+          </a:stretch>
+        </a:blipFill>
+      </dgm:spPr>
+      <dgm:t>
+        <a:bodyPr/>
+        <a:lstStyle/>
+        <a:p>
+          <a:endParaRPr lang="en-US"/>
+        </a:p>
+      </dgm:t>
     </dgm:pt>
     <dgm:pt modelId="{BE5114A3-CADB-43D5-9053-28CB58D494F3}" type="pres">
       <dgm:prSet presAssocID="{0ACF6100-EFBD-40FB-8A1F-947E6CDA3C84}" presName="sibTrans" presStyleLbl="sibTrans2D1" presStyleIdx="0" presStyleCnt="0"/>
@@ -5598,6 +6347,13 @@
     <dgm:pt modelId="{8346484E-B18A-4BBD-9AA5-57D748E2F1B0}" type="pres">
       <dgm:prSet presAssocID="{85B5ACE0-C9BD-4567-A550-04643627E365}" presName="compNode" presStyleCnt="0"/>
       <dgm:spPr/>
+      <dgm:t>
+        <a:bodyPr/>
+        <a:lstStyle/>
+        <a:p>
+          <a:endParaRPr lang="en-US"/>
+        </a:p>
+      </dgm:t>
     </dgm:pt>
     <dgm:pt modelId="{F485AA68-94FE-40AD-B69C-CC74581A07EE}" type="pres">
       <dgm:prSet presAssocID="{85B5ACE0-C9BD-4567-A550-04643627E365}" presName="bkgdShape" presStyleLbl="node1" presStyleIdx="1" presStyleCnt="4"/>
@@ -5628,10 +6384,38 @@
     <dgm:pt modelId="{D6F1367C-84BE-4D24-B62F-F0CF7A6BF95E}" type="pres">
       <dgm:prSet presAssocID="{85B5ACE0-C9BD-4567-A550-04643627E365}" presName="invisiNode" presStyleLbl="node1" presStyleIdx="1" presStyleCnt="4"/>
       <dgm:spPr/>
+      <dgm:t>
+        <a:bodyPr/>
+        <a:lstStyle/>
+        <a:p>
+          <a:endParaRPr lang="en-US"/>
+        </a:p>
+      </dgm:t>
     </dgm:pt>
     <dgm:pt modelId="{AFD93298-CBC0-4E12-9A5D-A1887CA6D12D}" type="pres">
       <dgm:prSet presAssocID="{85B5ACE0-C9BD-4567-A550-04643627E365}" presName="imagNode" presStyleLbl="fgImgPlace1" presStyleIdx="1" presStyleCnt="4"/>
-      <dgm:spPr/>
+      <dgm:spPr>
+        <a:blipFill>
+          <a:blip xmlns:r="http://schemas.openxmlformats.org/officeDocument/2006/relationships" r:embed="rId2">
+            <a:extLst>
+              <a:ext uri="{28A0092B-C50C-407E-A947-70E740481C1C}">
+                <a14:useLocalDpi xmlns:a14="http://schemas.microsoft.com/office/drawing/2010/main" val="0"/>
+              </a:ext>
+            </a:extLst>
+          </a:blip>
+          <a:srcRect/>
+          <a:stretch>
+            <a:fillRect l="-37000" r="-37000"/>
+          </a:stretch>
+        </a:blipFill>
+      </dgm:spPr>
+      <dgm:t>
+        <a:bodyPr/>
+        <a:lstStyle/>
+        <a:p>
+          <a:endParaRPr lang="en-US"/>
+        </a:p>
+      </dgm:t>
     </dgm:pt>
     <dgm:pt modelId="{97C4A56F-8239-498F-B040-749A45B327D5}" type="pres">
       <dgm:prSet presAssocID="{424134AF-A9DB-4B88-8AE8-72D8263B5CFE}" presName="sibTrans" presStyleLbl="sibTrans2D1" presStyleIdx="0" presStyleCnt="0"/>
@@ -5647,6 +6431,13 @@
     <dgm:pt modelId="{C5900EAD-794C-4438-90F4-D65CC0EE5C95}" type="pres">
       <dgm:prSet presAssocID="{F9F08990-5AC1-4628-BD70-39E9C983B132}" presName="compNode" presStyleCnt="0"/>
       <dgm:spPr/>
+      <dgm:t>
+        <a:bodyPr/>
+        <a:lstStyle/>
+        <a:p>
+          <a:endParaRPr lang="en-US"/>
+        </a:p>
+      </dgm:t>
     </dgm:pt>
     <dgm:pt modelId="{0FD8D663-40B8-4B22-8F22-2377C45074C3}" type="pres">
       <dgm:prSet presAssocID="{F9F08990-5AC1-4628-BD70-39E9C983B132}" presName="bkgdShape" presStyleLbl="node1" presStyleIdx="2" presStyleCnt="4" custLinFactNeighborX="1458"/>
@@ -5677,17 +6468,38 @@
     <dgm:pt modelId="{1561007D-8FFB-4875-B42C-62B86BC6E077}" type="pres">
       <dgm:prSet presAssocID="{F9F08990-5AC1-4628-BD70-39E9C983B132}" presName="invisiNode" presStyleLbl="node1" presStyleIdx="2" presStyleCnt="4"/>
       <dgm:spPr/>
+      <dgm:t>
+        <a:bodyPr/>
+        <a:lstStyle/>
+        <a:p>
+          <a:endParaRPr lang="en-US"/>
+        </a:p>
+      </dgm:t>
     </dgm:pt>
     <dgm:pt modelId="{CBCDB6E5-B359-4042-8902-BB25E02874DC}" type="pres">
       <dgm:prSet presAssocID="{F9F08990-5AC1-4628-BD70-39E9C983B132}" presName="imagNode" presStyleLbl="fgImgPlace1" presStyleIdx="2" presStyleCnt="4"/>
       <dgm:spPr>
-        <a:blipFill rotWithShape="1">
-          <a:blip xmlns:r="http://schemas.openxmlformats.org/officeDocument/2006/relationships" r:embed="rId1"/>
+        <a:blipFill>
+          <a:blip xmlns:r="http://schemas.openxmlformats.org/officeDocument/2006/relationships" r:embed="rId3">
+            <a:extLst>
+              <a:ext uri="{28A0092B-C50C-407E-A947-70E740481C1C}">
+                <a14:useLocalDpi xmlns:a14="http://schemas.microsoft.com/office/drawing/2010/main" val="0"/>
+              </a:ext>
+            </a:extLst>
+          </a:blip>
+          <a:srcRect/>
           <a:stretch>
-            <a:fillRect/>
+            <a:fillRect l="-39000" r="-39000"/>
           </a:stretch>
         </a:blipFill>
       </dgm:spPr>
+      <dgm:t>
+        <a:bodyPr/>
+        <a:lstStyle/>
+        <a:p>
+          <a:endParaRPr lang="en-US"/>
+        </a:p>
+      </dgm:t>
     </dgm:pt>
     <dgm:pt modelId="{1936B379-5C1B-448C-9AC1-F702E761C467}" type="pres">
       <dgm:prSet presAssocID="{2FD4FCEC-41F2-443D-948D-4A1902CD4D72}" presName="sibTrans" presStyleLbl="sibTrans2D1" presStyleIdx="0" presStyleCnt="0"/>
@@ -5703,6 +6515,13 @@
     <dgm:pt modelId="{67ED88C6-BE3B-4303-8923-1C51C2894593}" type="pres">
       <dgm:prSet presAssocID="{B73530B7-D3DF-4898-AC2D-9BC8BA37BC92}" presName="compNode" presStyleCnt="0"/>
       <dgm:spPr/>
+      <dgm:t>
+        <a:bodyPr/>
+        <a:lstStyle/>
+        <a:p>
+          <a:endParaRPr lang="en-US"/>
+        </a:p>
+      </dgm:t>
     </dgm:pt>
     <dgm:pt modelId="{9EBFBEA6-FFC0-4331-B167-52EFE473E663}" type="pres">
       <dgm:prSet presAssocID="{B73530B7-D3DF-4898-AC2D-9BC8BA37BC92}" presName="bkgdShape" presStyleLbl="node1" presStyleIdx="3" presStyleCnt="4" custLinFactNeighborX="1458"/>
@@ -5733,63 +6552,84 @@
     <dgm:pt modelId="{BCA08AC7-AE89-4529-92E9-901894825270}" type="pres">
       <dgm:prSet presAssocID="{B73530B7-D3DF-4898-AC2D-9BC8BA37BC92}" presName="invisiNode" presStyleLbl="node1" presStyleIdx="3" presStyleCnt="4"/>
       <dgm:spPr/>
+      <dgm:t>
+        <a:bodyPr/>
+        <a:lstStyle/>
+        <a:p>
+          <a:endParaRPr lang="en-US"/>
+        </a:p>
+      </dgm:t>
     </dgm:pt>
     <dgm:pt modelId="{9F4CF782-E652-421D-B68E-211F9A619DC1}" type="pres">
       <dgm:prSet presAssocID="{B73530B7-D3DF-4898-AC2D-9BC8BA37BC92}" presName="imagNode" presStyleLbl="fgImgPlace1" presStyleIdx="3" presStyleCnt="4"/>
       <dgm:spPr>
-        <a:blipFill rotWithShape="1">
-          <a:blip xmlns:r="http://schemas.openxmlformats.org/officeDocument/2006/relationships" r:embed="rId1"/>
+        <a:blipFill>
+          <a:blip xmlns:r="http://schemas.openxmlformats.org/officeDocument/2006/relationships" r:embed="rId4">
+            <a:extLst>
+              <a:ext uri="{28A0092B-C50C-407E-A947-70E740481C1C}">
+                <a14:useLocalDpi xmlns:a14="http://schemas.microsoft.com/office/drawing/2010/main" val="0"/>
+              </a:ext>
+            </a:extLst>
+          </a:blip>
+          <a:srcRect/>
           <a:stretch>
-            <a:fillRect/>
+            <a:fillRect l="-21000" r="-21000"/>
           </a:stretch>
         </a:blipFill>
       </dgm:spPr>
+      <dgm:t>
+        <a:bodyPr/>
+        <a:lstStyle/>
+        <a:p>
+          <a:endParaRPr lang="en-US"/>
+        </a:p>
+      </dgm:t>
     </dgm:pt>
   </dgm:ptLst>
   <dgm:cxnLst>
+    <dgm:cxn modelId="{787FBE27-F931-4159-8770-A90B4691E896}" type="presOf" srcId="{FE291533-7A7E-4D49-B187-4931C9EB9233}" destId="{D99368F0-776C-41D4-A2D9-EA78DE208BAF}" srcOrd="1" destOrd="3" presId="urn:microsoft.com/office/officeart/2005/8/layout/hList7"/>
+    <dgm:cxn modelId="{D8CC55B4-98A6-4295-8DF2-0CC217DB4863}" type="presOf" srcId="{424134AF-A9DB-4B88-8AE8-72D8263B5CFE}" destId="{97C4A56F-8239-498F-B040-749A45B327D5}" srcOrd="0" destOrd="0" presId="urn:microsoft.com/office/officeart/2005/8/layout/hList7"/>
+    <dgm:cxn modelId="{81FCE89B-E7D2-4481-8727-A9784EDD6929}" type="presOf" srcId="{0666DD91-F71E-42C0-840C-0D924C76B1C3}" destId="{D99368F0-776C-41D4-A2D9-EA78DE208BAF}" srcOrd="1" destOrd="2" presId="urn:microsoft.com/office/officeart/2005/8/layout/hList7"/>
+    <dgm:cxn modelId="{01D20BF2-4594-4939-AF2B-8A852759EFF0}" type="presOf" srcId="{BBBF80FE-7346-4E29-AED5-F55678B732EB}" destId="{B3217CDB-5A31-4F66-BA47-C7C151551D65}" srcOrd="1" destOrd="0" presId="urn:microsoft.com/office/officeart/2005/8/layout/hList7"/>
+    <dgm:cxn modelId="{85796275-6678-49D2-9858-F7394EA2B342}" type="presOf" srcId="{347A75BE-C7A6-45B2-B959-61CD5EB783C1}" destId="{9EBFBEA6-FFC0-4331-B167-52EFE473E663}" srcOrd="0" destOrd="1" presId="urn:microsoft.com/office/officeart/2005/8/layout/hList7"/>
+    <dgm:cxn modelId="{7D64A088-4060-480C-BDC3-05025AD7D5CD}" type="presOf" srcId="{0666DD91-F71E-42C0-840C-0D924C76B1C3}" destId="{9EBFBEA6-FFC0-4331-B167-52EFE473E663}" srcOrd="0" destOrd="2" presId="urn:microsoft.com/office/officeart/2005/8/layout/hList7"/>
+    <dgm:cxn modelId="{DCA98660-AF9F-4DAC-876A-2E60366EE437}" type="presOf" srcId="{B1EB13D6-CF08-4705-A095-90452B115826}" destId="{D8E10B43-EC47-48F1-BDD3-8B1C3A192A5D}" srcOrd="0" destOrd="0" presId="urn:microsoft.com/office/officeart/2005/8/layout/hList7"/>
     <dgm:cxn modelId="{ED4C4180-C655-44D5-9F89-A07C8EE6E216}" type="presOf" srcId="{31B9DEAF-BAEF-4FDA-921B-12B01EE207CB}" destId="{769F4440-8474-43CA-B36D-0B2C075629FD}" srcOrd="1" destOrd="1" presId="urn:microsoft.com/office/officeart/2005/8/layout/hList7"/>
+    <dgm:cxn modelId="{CE62327F-981F-4F6B-9D30-B291B2431C98}" type="presOf" srcId="{0ACF6100-EFBD-40FB-8A1F-947E6CDA3C84}" destId="{BE5114A3-CADB-43D5-9053-28CB58D494F3}" srcOrd="0" destOrd="0" presId="urn:microsoft.com/office/officeart/2005/8/layout/hList7"/>
+    <dgm:cxn modelId="{FB1A05FE-3EEE-4A1C-914F-8346239F2D75}" srcId="{85B5ACE0-C9BD-4567-A550-04643627E365}" destId="{26FD1E5B-C6E5-4262-B878-51BD040682CF}" srcOrd="2" destOrd="0" parTransId="{EDDFCE0F-0ADD-4B90-8FDD-980B6C96DE39}" sibTransId="{9588B4F5-C566-4375-976D-E70FE7BD3C3F}"/>
+    <dgm:cxn modelId="{249CE8A3-528C-43AE-AD19-72FA09E67DAA}" type="presOf" srcId="{B73530B7-D3DF-4898-AC2D-9BC8BA37BC92}" destId="{9EBFBEA6-FFC0-4331-B167-52EFE473E663}" srcOrd="0" destOrd="0" presId="urn:microsoft.com/office/officeart/2005/8/layout/hList7"/>
+    <dgm:cxn modelId="{64F2325C-1407-47BB-9376-D00EBE970DFF}" type="presOf" srcId="{26FD1E5B-C6E5-4262-B878-51BD040682CF}" destId="{13E59D63-A7E3-43F7-89C1-8AE170C3869A}" srcOrd="1" destOrd="3" presId="urn:microsoft.com/office/officeart/2005/8/layout/hList7"/>
+    <dgm:cxn modelId="{B53AC449-2F58-40AF-8B75-D84C6B5DBD7B}" srcId="{B1EB13D6-CF08-4705-A095-90452B115826}" destId="{B73530B7-D3DF-4898-AC2D-9BC8BA37BC92}" srcOrd="3" destOrd="0" parTransId="{4E7A4863-E768-4F92-803E-E93ED41DA1BC}" sibTransId="{15AC599B-F2C0-4264-96DD-D3A33CD33F54}"/>
     <dgm:cxn modelId="{3E70E02A-9B5F-4D0D-B2F3-EC9AC53F4758}" type="presOf" srcId="{278C1FFD-5B16-4CC9-AD18-C54DC2353DBB}" destId="{F485AA68-94FE-40AD-B69C-CC74581A07EE}" srcOrd="0" destOrd="1" presId="urn:microsoft.com/office/officeart/2005/8/layout/hList7"/>
-    <dgm:cxn modelId="{E7C7DB1C-4284-483C-8B41-AF821F2C8736}" srcId="{BBBF80FE-7346-4E29-AED5-F55678B732EB}" destId="{528E825B-0080-4C1C-9A9D-F98CE1605337}" srcOrd="0" destOrd="0" parTransId="{EAEA9112-F740-475C-804D-376002CE3A70}" sibTransId="{D7B4D65A-D21D-4F9B-99E4-5342A7227D14}"/>
-    <dgm:cxn modelId="{81FCE89B-E7D2-4481-8727-A9784EDD6929}" type="presOf" srcId="{0666DD91-F71E-42C0-840C-0D924C76B1C3}" destId="{D99368F0-776C-41D4-A2D9-EA78DE208BAF}" srcOrd="1" destOrd="2" presId="urn:microsoft.com/office/officeart/2005/8/layout/hList7"/>
+    <dgm:cxn modelId="{B706968C-57F6-4DD1-B727-5FAC7C37FCA7}" type="presOf" srcId="{528E825B-0080-4C1C-9A9D-F98CE1605337}" destId="{B3217CDB-5A31-4F66-BA47-C7C151551D65}" srcOrd="1" destOrd="1" presId="urn:microsoft.com/office/officeart/2005/8/layout/hList7"/>
+    <dgm:cxn modelId="{57CF7A0A-2D87-41B3-BAE7-59B9321429CD}" srcId="{B73530B7-D3DF-4898-AC2D-9BC8BA37BC92}" destId="{347A75BE-C7A6-45B2-B959-61CD5EB783C1}" srcOrd="0" destOrd="0" parTransId="{BF66D120-B754-4130-A6A4-2141CD32EF4F}" sibTransId="{A4BA1436-9E13-4557-BC8E-AB32D75A369E}"/>
+    <dgm:cxn modelId="{070B8994-B5F7-4B79-8C7C-AA2BFFFEEB26}" srcId="{F9F08990-5AC1-4628-BD70-39E9C983B132}" destId="{08CCDD1D-6FD0-4D89-85BC-8DE12D5A5736}" srcOrd="1" destOrd="0" parTransId="{9E7E15CD-B5DF-472A-85D3-DF121376914B}" sibTransId="{D000B91E-16D0-4FCD-8DF0-F4DFE5F77750}"/>
+    <dgm:cxn modelId="{DEDC7083-7922-4FEB-AC61-F0744325DE85}" srcId="{B73530B7-D3DF-4898-AC2D-9BC8BA37BC92}" destId="{FE291533-7A7E-4D49-B187-4931C9EB9233}" srcOrd="2" destOrd="0" parTransId="{32F21572-3546-4CE4-8354-325BCBA49314}" sibTransId="{A216EDB3-1CE8-4E92-B853-EB5BC49DD7F0}"/>
+    <dgm:cxn modelId="{8BD4E58E-569B-4D2B-9BD9-CDE0A86A99D9}" type="presOf" srcId="{BBBF80FE-7346-4E29-AED5-F55678B732EB}" destId="{AE088E35-AF69-41D7-A9E7-A81CD0EA5B60}" srcOrd="0" destOrd="0" presId="urn:microsoft.com/office/officeart/2005/8/layout/hList7"/>
+    <dgm:cxn modelId="{B1AE728E-058B-4923-97D8-0EB5556BD285}" type="presOf" srcId="{08CCDD1D-6FD0-4D89-85BC-8DE12D5A5736}" destId="{769F4440-8474-43CA-B36D-0B2C075629FD}" srcOrd="1" destOrd="2" presId="urn:microsoft.com/office/officeart/2005/8/layout/hList7"/>
+    <dgm:cxn modelId="{D29452D3-7676-4BAB-A289-A6236836EB2E}" srcId="{85B5ACE0-C9BD-4567-A550-04643627E365}" destId="{278C1FFD-5B16-4CC9-AD18-C54DC2353DBB}" srcOrd="0" destOrd="0" parTransId="{C720EA9E-32FD-4B96-9C93-A3AB6FBF829A}" sibTransId="{F7F99C26-D56B-48A4-AAE8-8DBB12AC4124}"/>
+    <dgm:cxn modelId="{6D8E4B12-E75F-4F54-A0B8-36989B25E620}" type="presOf" srcId="{B73530B7-D3DF-4898-AC2D-9BC8BA37BC92}" destId="{D99368F0-776C-41D4-A2D9-EA78DE208BAF}" srcOrd="1" destOrd="0" presId="urn:microsoft.com/office/officeart/2005/8/layout/hList7"/>
+    <dgm:cxn modelId="{40D00B53-D61B-4EF9-8352-D936D321DC43}" type="presOf" srcId="{F9F08990-5AC1-4628-BD70-39E9C983B132}" destId="{769F4440-8474-43CA-B36D-0B2C075629FD}" srcOrd="1" destOrd="0" presId="urn:microsoft.com/office/officeart/2005/8/layout/hList7"/>
+    <dgm:cxn modelId="{9BE8A5F2-76C2-4F8B-8B97-9D47D050D152}" srcId="{B73530B7-D3DF-4898-AC2D-9BC8BA37BC92}" destId="{0666DD91-F71E-42C0-840C-0D924C76B1C3}" srcOrd="1" destOrd="0" parTransId="{EBD1B5AA-EDE9-4FEA-9E75-965A7C211BE5}" sibTransId="{06919480-E80E-4131-A537-EBC12113CF51}"/>
+    <dgm:cxn modelId="{D40D463D-3C97-4623-A8B3-2EFD34124287}" type="presOf" srcId="{26FD1E5B-C6E5-4262-B878-51BD040682CF}" destId="{F485AA68-94FE-40AD-B69C-CC74581A07EE}" srcOrd="0" destOrd="3" presId="urn:microsoft.com/office/officeart/2005/8/layout/hList7"/>
+    <dgm:cxn modelId="{3C6A0E61-80A1-43D9-8574-55DBE22AF461}" srcId="{85B5ACE0-C9BD-4567-A550-04643627E365}" destId="{5D3F1938-B4E8-4082-8E4A-030404BE209B}" srcOrd="1" destOrd="0" parTransId="{FA665E95-013F-4CDB-A5F2-360B65C26C33}" sibTransId="{6AFF52A4-A9F4-4065-8F42-68660CBFFD78}"/>
+    <dgm:cxn modelId="{29140219-6615-463F-AF55-949395D598AE}" type="presOf" srcId="{85B5ACE0-C9BD-4567-A550-04643627E365}" destId="{F485AA68-94FE-40AD-B69C-CC74581A07EE}" srcOrd="0" destOrd="0" presId="urn:microsoft.com/office/officeart/2005/8/layout/hList7"/>
+    <dgm:cxn modelId="{E504753D-FA03-4370-9437-F2D64BE76D71}" type="presOf" srcId="{5D3F1938-B4E8-4082-8E4A-030404BE209B}" destId="{F485AA68-94FE-40AD-B69C-CC74581A07EE}" srcOrd="0" destOrd="2" presId="urn:microsoft.com/office/officeart/2005/8/layout/hList7"/>
+    <dgm:cxn modelId="{CBE42A5B-9FF6-4D2D-8F4A-89FE0E53E051}" srcId="{B1EB13D6-CF08-4705-A095-90452B115826}" destId="{F9F08990-5AC1-4628-BD70-39E9C983B132}" srcOrd="2" destOrd="0" parTransId="{30C728D9-C1D2-4313-A8D2-E49E5910F34E}" sibTransId="{2FD4FCEC-41F2-443D-948D-4A1902CD4D72}"/>
     <dgm:cxn modelId="{DC175A46-7317-415E-A99A-1A2821500EE2}" type="presOf" srcId="{347A75BE-C7A6-45B2-B959-61CD5EB783C1}" destId="{D99368F0-776C-41D4-A2D9-EA78DE208BAF}" srcOrd="1" destOrd="1" presId="urn:microsoft.com/office/officeart/2005/8/layout/hList7"/>
-    <dgm:cxn modelId="{3C6A0E61-80A1-43D9-8574-55DBE22AF461}" srcId="{85B5ACE0-C9BD-4567-A550-04643627E365}" destId="{5D3F1938-B4E8-4082-8E4A-030404BE209B}" srcOrd="1" destOrd="0" parTransId="{FA665E95-013F-4CDB-A5F2-360B65C26C33}" sibTransId="{6AFF52A4-A9F4-4065-8F42-68660CBFFD78}"/>
-    <dgm:cxn modelId="{FB1A05FE-3EEE-4A1C-914F-8346239F2D75}" srcId="{85B5ACE0-C9BD-4567-A550-04643627E365}" destId="{26FD1E5B-C6E5-4262-B878-51BD040682CF}" srcOrd="2" destOrd="0" parTransId="{EDDFCE0F-0ADD-4B90-8FDD-980B6C96DE39}" sibTransId="{9588B4F5-C566-4375-976D-E70FE7BD3C3F}"/>
-    <dgm:cxn modelId="{9BE8A5F2-76C2-4F8B-8B97-9D47D050D152}" srcId="{B73530B7-D3DF-4898-AC2D-9BC8BA37BC92}" destId="{0666DD91-F71E-42C0-840C-0D924C76B1C3}" srcOrd="1" destOrd="0" parTransId="{EBD1B5AA-EDE9-4FEA-9E75-965A7C211BE5}" sibTransId="{06919480-E80E-4131-A537-EBC12113CF51}"/>
-    <dgm:cxn modelId="{CE62327F-981F-4F6B-9D30-B291B2431C98}" type="presOf" srcId="{0ACF6100-EFBD-40FB-8A1F-947E6CDA3C84}" destId="{BE5114A3-CADB-43D5-9053-28CB58D494F3}" srcOrd="0" destOrd="0" presId="urn:microsoft.com/office/officeart/2005/8/layout/hList7"/>
-    <dgm:cxn modelId="{44370CF7-102D-49A9-83D1-D9F0BF4A3F78}" srcId="{F9F08990-5AC1-4628-BD70-39E9C983B132}" destId="{31B9DEAF-BAEF-4FDA-921B-12B01EE207CB}" srcOrd="0" destOrd="0" parTransId="{BA2264AF-F4F0-4A7F-AFFF-1B6D089A6B06}" sibTransId="{33FEBD85-C8D2-4E2C-A915-FD6DB0A6A84B}"/>
-    <dgm:cxn modelId="{E504753D-FA03-4370-9437-F2D64BE76D71}" type="presOf" srcId="{5D3F1938-B4E8-4082-8E4A-030404BE209B}" destId="{F485AA68-94FE-40AD-B69C-CC74581A07EE}" srcOrd="0" destOrd="2" presId="urn:microsoft.com/office/officeart/2005/8/layout/hList7"/>
-    <dgm:cxn modelId="{249CE8A3-528C-43AE-AD19-72FA09E67DAA}" type="presOf" srcId="{B73530B7-D3DF-4898-AC2D-9BC8BA37BC92}" destId="{9EBFBEA6-FFC0-4331-B167-52EFE473E663}" srcOrd="0" destOrd="0" presId="urn:microsoft.com/office/officeart/2005/8/layout/hList7"/>
-    <dgm:cxn modelId="{A551CFA0-3592-48E7-97C7-78013575484C}" type="presOf" srcId="{278C1FFD-5B16-4CC9-AD18-C54DC2353DBB}" destId="{13E59D63-A7E3-43F7-89C1-8AE170C3869A}" srcOrd="1" destOrd="1" presId="urn:microsoft.com/office/officeart/2005/8/layout/hList7"/>
-    <dgm:cxn modelId="{6D8E4B12-E75F-4F54-A0B8-36989B25E620}" type="presOf" srcId="{B73530B7-D3DF-4898-AC2D-9BC8BA37BC92}" destId="{D99368F0-776C-41D4-A2D9-EA78DE208BAF}" srcOrd="1" destOrd="0" presId="urn:microsoft.com/office/officeart/2005/8/layout/hList7"/>
-    <dgm:cxn modelId="{CBE42A5B-9FF6-4D2D-8F4A-89FE0E53E051}" srcId="{B1EB13D6-CF08-4705-A095-90452B115826}" destId="{F9F08990-5AC1-4628-BD70-39E9C983B132}" srcOrd="2" destOrd="0" parTransId="{30C728D9-C1D2-4313-A8D2-E49E5910F34E}" sibTransId="{2FD4FCEC-41F2-443D-948D-4A1902CD4D72}"/>
-    <dgm:cxn modelId="{64F2325C-1407-47BB-9376-D00EBE970DFF}" type="presOf" srcId="{26FD1E5B-C6E5-4262-B878-51BD040682CF}" destId="{13E59D63-A7E3-43F7-89C1-8AE170C3869A}" srcOrd="1" destOrd="3" presId="urn:microsoft.com/office/officeart/2005/8/layout/hList7"/>
-    <dgm:cxn modelId="{40D00B53-D61B-4EF9-8352-D936D321DC43}" type="presOf" srcId="{F9F08990-5AC1-4628-BD70-39E9C983B132}" destId="{769F4440-8474-43CA-B36D-0B2C075629FD}" srcOrd="1" destOrd="0" presId="urn:microsoft.com/office/officeart/2005/8/layout/hList7"/>
-    <dgm:cxn modelId="{DEDC7083-7922-4FEB-AC61-F0744325DE85}" srcId="{B73530B7-D3DF-4898-AC2D-9BC8BA37BC92}" destId="{FE291533-7A7E-4D49-B187-4931C9EB9233}" srcOrd="2" destOrd="0" parTransId="{32F21572-3546-4CE4-8354-325BCBA49314}" sibTransId="{A216EDB3-1CE8-4E92-B853-EB5BC49DD7F0}"/>
-    <dgm:cxn modelId="{D29452D3-7676-4BAB-A289-A6236836EB2E}" srcId="{85B5ACE0-C9BD-4567-A550-04643627E365}" destId="{278C1FFD-5B16-4CC9-AD18-C54DC2353DBB}" srcOrd="0" destOrd="0" parTransId="{C720EA9E-32FD-4B96-9C93-A3AB6FBF829A}" sibTransId="{F7F99C26-D56B-48A4-AAE8-8DBB12AC4124}"/>
-    <dgm:cxn modelId="{7D64A088-4060-480C-BDC3-05025AD7D5CD}" type="presOf" srcId="{0666DD91-F71E-42C0-840C-0D924C76B1C3}" destId="{9EBFBEA6-FFC0-4331-B167-52EFE473E663}" srcOrd="0" destOrd="2" presId="urn:microsoft.com/office/officeart/2005/8/layout/hList7"/>
-    <dgm:cxn modelId="{B1AE728E-058B-4923-97D8-0EB5556BD285}" type="presOf" srcId="{08CCDD1D-6FD0-4D89-85BC-8DE12D5A5736}" destId="{769F4440-8474-43CA-B36D-0B2C075629FD}" srcOrd="1" destOrd="2" presId="urn:microsoft.com/office/officeart/2005/8/layout/hList7"/>
-    <dgm:cxn modelId="{766C2949-405D-478C-A1B3-A7B05945756C}" type="presOf" srcId="{2FD4FCEC-41F2-443D-948D-4A1902CD4D72}" destId="{1936B379-5C1B-448C-9AC1-F702E761C467}" srcOrd="0" destOrd="0" presId="urn:microsoft.com/office/officeart/2005/8/layout/hList7"/>
-    <dgm:cxn modelId="{58A3E329-0F88-4E5F-9625-240823178FF7}" srcId="{B1EB13D6-CF08-4705-A095-90452B115826}" destId="{85B5ACE0-C9BD-4567-A550-04643627E365}" srcOrd="1" destOrd="0" parTransId="{4B7A9CC5-650E-4E46-9970-7152481E88DE}" sibTransId="{424134AF-A9DB-4B88-8AE8-72D8263B5CFE}"/>
-    <dgm:cxn modelId="{B53AC449-2F58-40AF-8B75-D84C6B5DBD7B}" srcId="{B1EB13D6-CF08-4705-A095-90452B115826}" destId="{B73530B7-D3DF-4898-AC2D-9BC8BA37BC92}" srcOrd="3" destOrd="0" parTransId="{4E7A4863-E768-4F92-803E-E93ED41DA1BC}" sibTransId="{15AC599B-F2C0-4264-96DD-D3A33CD33F54}"/>
+    <dgm:cxn modelId="{41915B4D-ECC2-4432-8EC4-152EFF6EDB37}" type="presOf" srcId="{F9F08990-5AC1-4628-BD70-39E9C983B132}" destId="{0FD8D663-40B8-4B22-8F22-2377C45074C3}" srcOrd="0" destOrd="0" presId="urn:microsoft.com/office/officeart/2005/8/layout/hList7"/>
+    <dgm:cxn modelId="{DCCBEB1E-20D0-4D56-9AEB-42FCF01D589C}" type="presOf" srcId="{08CCDD1D-6FD0-4D89-85BC-8DE12D5A5736}" destId="{0FD8D663-40B8-4B22-8F22-2377C45074C3}" srcOrd="0" destOrd="2" presId="urn:microsoft.com/office/officeart/2005/8/layout/hList7"/>
     <dgm:cxn modelId="{1BE9BCA6-9B55-496B-B54A-2C938984CD66}" type="presOf" srcId="{5D3F1938-B4E8-4082-8E4A-030404BE209B}" destId="{13E59D63-A7E3-43F7-89C1-8AE170C3869A}" srcOrd="1" destOrd="2" presId="urn:microsoft.com/office/officeart/2005/8/layout/hList7"/>
     <dgm:cxn modelId="{7759B8F5-605C-4FAF-90FE-21E825A4E703}" type="presOf" srcId="{528E825B-0080-4C1C-9A9D-F98CE1605337}" destId="{AE088E35-AF69-41D7-A9E7-A81CD0EA5B60}" srcOrd="0" destOrd="1" presId="urn:microsoft.com/office/officeart/2005/8/layout/hList7"/>
-    <dgm:cxn modelId="{29140219-6615-463F-AF55-949395D598AE}" type="presOf" srcId="{85B5ACE0-C9BD-4567-A550-04643627E365}" destId="{F485AA68-94FE-40AD-B69C-CC74581A07EE}" srcOrd="0" destOrd="0" presId="urn:microsoft.com/office/officeart/2005/8/layout/hList7"/>
-    <dgm:cxn modelId="{B706968C-57F6-4DD1-B727-5FAC7C37FCA7}" type="presOf" srcId="{528E825B-0080-4C1C-9A9D-F98CE1605337}" destId="{B3217CDB-5A31-4F66-BA47-C7C151551D65}" srcOrd="1" destOrd="1" presId="urn:microsoft.com/office/officeart/2005/8/layout/hList7"/>
-    <dgm:cxn modelId="{85796275-6678-49D2-9858-F7394EA2B342}" type="presOf" srcId="{347A75BE-C7A6-45B2-B959-61CD5EB783C1}" destId="{9EBFBEA6-FFC0-4331-B167-52EFE473E663}" srcOrd="0" destOrd="1" presId="urn:microsoft.com/office/officeart/2005/8/layout/hList7"/>
-    <dgm:cxn modelId="{D40D463D-3C97-4623-A8B3-2EFD34124287}" type="presOf" srcId="{26FD1E5B-C6E5-4262-B878-51BD040682CF}" destId="{F485AA68-94FE-40AD-B69C-CC74581A07EE}" srcOrd="0" destOrd="3" presId="urn:microsoft.com/office/officeart/2005/8/layout/hList7"/>
-    <dgm:cxn modelId="{D8CC55B4-98A6-4295-8DF2-0CC217DB4863}" type="presOf" srcId="{424134AF-A9DB-4B88-8AE8-72D8263B5CFE}" destId="{97C4A56F-8239-498F-B040-749A45B327D5}" srcOrd="0" destOrd="0" presId="urn:microsoft.com/office/officeart/2005/8/layout/hList7"/>
-    <dgm:cxn modelId="{01D20BF2-4594-4939-AF2B-8A852759EFF0}" type="presOf" srcId="{BBBF80FE-7346-4E29-AED5-F55678B732EB}" destId="{B3217CDB-5A31-4F66-BA47-C7C151551D65}" srcOrd="1" destOrd="0" presId="urn:microsoft.com/office/officeart/2005/8/layout/hList7"/>
+    <dgm:cxn modelId="{44370CF7-102D-49A9-83D1-D9F0BF4A3F78}" srcId="{F9F08990-5AC1-4628-BD70-39E9C983B132}" destId="{31B9DEAF-BAEF-4FDA-921B-12B01EE207CB}" srcOrd="0" destOrd="0" parTransId="{BA2264AF-F4F0-4A7F-AFFF-1B6D089A6B06}" sibTransId="{33FEBD85-C8D2-4E2C-A915-FD6DB0A6A84B}"/>
+    <dgm:cxn modelId="{1FF523EF-467F-4261-BE6F-2ECD02718D38}" type="presOf" srcId="{85B5ACE0-C9BD-4567-A550-04643627E365}" destId="{13E59D63-A7E3-43F7-89C1-8AE170C3869A}" srcOrd="1" destOrd="0" presId="urn:microsoft.com/office/officeart/2005/8/layout/hList7"/>
+    <dgm:cxn modelId="{766C2949-405D-478C-A1B3-A7B05945756C}" type="presOf" srcId="{2FD4FCEC-41F2-443D-948D-4A1902CD4D72}" destId="{1936B379-5C1B-448C-9AC1-F702E761C467}" srcOrd="0" destOrd="0" presId="urn:microsoft.com/office/officeart/2005/8/layout/hList7"/>
+    <dgm:cxn modelId="{62BCA16A-2160-45C2-AC9A-B3456FDEAF36}" srcId="{B1EB13D6-CF08-4705-A095-90452B115826}" destId="{BBBF80FE-7346-4E29-AED5-F55678B732EB}" srcOrd="0" destOrd="0" parTransId="{7C689546-00FD-486E-AD1E-1D9F26761650}" sibTransId="{0ACF6100-EFBD-40FB-8A1F-947E6CDA3C84}"/>
     <dgm:cxn modelId="{46197E9C-05BF-4D31-B538-D109723AFCC5}" type="presOf" srcId="{31B9DEAF-BAEF-4FDA-921B-12B01EE207CB}" destId="{0FD8D663-40B8-4B22-8F22-2377C45074C3}" srcOrd="0" destOrd="1" presId="urn:microsoft.com/office/officeart/2005/8/layout/hList7"/>
-    <dgm:cxn modelId="{41915B4D-ECC2-4432-8EC4-152EFF6EDB37}" type="presOf" srcId="{F9F08990-5AC1-4628-BD70-39E9C983B132}" destId="{0FD8D663-40B8-4B22-8F22-2377C45074C3}" srcOrd="0" destOrd="0" presId="urn:microsoft.com/office/officeart/2005/8/layout/hList7"/>
     <dgm:cxn modelId="{165F40A6-2FB4-424B-9CC0-9F058084DFEF}" type="presOf" srcId="{FE291533-7A7E-4D49-B187-4931C9EB9233}" destId="{9EBFBEA6-FFC0-4331-B167-52EFE473E663}" srcOrd="0" destOrd="3" presId="urn:microsoft.com/office/officeart/2005/8/layout/hList7"/>
-    <dgm:cxn modelId="{57CF7A0A-2D87-41B3-BAE7-59B9321429CD}" srcId="{B73530B7-D3DF-4898-AC2D-9BC8BA37BC92}" destId="{347A75BE-C7A6-45B2-B959-61CD5EB783C1}" srcOrd="0" destOrd="0" parTransId="{BF66D120-B754-4130-A6A4-2141CD32EF4F}" sibTransId="{A4BA1436-9E13-4557-BC8E-AB32D75A369E}"/>
-    <dgm:cxn modelId="{1FF523EF-467F-4261-BE6F-2ECD02718D38}" type="presOf" srcId="{85B5ACE0-C9BD-4567-A550-04643627E365}" destId="{13E59D63-A7E3-43F7-89C1-8AE170C3869A}" srcOrd="1" destOrd="0" presId="urn:microsoft.com/office/officeart/2005/8/layout/hList7"/>
-    <dgm:cxn modelId="{DCA98660-AF9F-4DAC-876A-2E60366EE437}" type="presOf" srcId="{B1EB13D6-CF08-4705-A095-90452B115826}" destId="{D8E10B43-EC47-48F1-BDD3-8B1C3A192A5D}" srcOrd="0" destOrd="0" presId="urn:microsoft.com/office/officeart/2005/8/layout/hList7"/>
-    <dgm:cxn modelId="{DCCBEB1E-20D0-4D56-9AEB-42FCF01D589C}" type="presOf" srcId="{08CCDD1D-6FD0-4D89-85BC-8DE12D5A5736}" destId="{0FD8D663-40B8-4B22-8F22-2377C45074C3}" srcOrd="0" destOrd="2" presId="urn:microsoft.com/office/officeart/2005/8/layout/hList7"/>
-    <dgm:cxn modelId="{787FBE27-F931-4159-8770-A90B4691E896}" type="presOf" srcId="{FE291533-7A7E-4D49-B187-4931C9EB9233}" destId="{D99368F0-776C-41D4-A2D9-EA78DE208BAF}" srcOrd="1" destOrd="3" presId="urn:microsoft.com/office/officeart/2005/8/layout/hList7"/>
-    <dgm:cxn modelId="{070B8994-B5F7-4B79-8C7C-AA2BFFFEEB26}" srcId="{F9F08990-5AC1-4628-BD70-39E9C983B132}" destId="{08CCDD1D-6FD0-4D89-85BC-8DE12D5A5736}" srcOrd="1" destOrd="0" parTransId="{9E7E15CD-B5DF-472A-85D3-DF121376914B}" sibTransId="{D000B91E-16D0-4FCD-8DF0-F4DFE5F77750}"/>
-    <dgm:cxn modelId="{8BD4E58E-569B-4D2B-9BD9-CDE0A86A99D9}" type="presOf" srcId="{BBBF80FE-7346-4E29-AED5-F55678B732EB}" destId="{AE088E35-AF69-41D7-A9E7-A81CD0EA5B60}" srcOrd="0" destOrd="0" presId="urn:microsoft.com/office/officeart/2005/8/layout/hList7"/>
-    <dgm:cxn modelId="{62BCA16A-2160-45C2-AC9A-B3456FDEAF36}" srcId="{B1EB13D6-CF08-4705-A095-90452B115826}" destId="{BBBF80FE-7346-4E29-AED5-F55678B732EB}" srcOrd="0" destOrd="0" parTransId="{7C689546-00FD-486E-AD1E-1D9F26761650}" sibTransId="{0ACF6100-EFBD-40FB-8A1F-947E6CDA3C84}"/>
+    <dgm:cxn modelId="{58A3E329-0F88-4E5F-9625-240823178FF7}" srcId="{B1EB13D6-CF08-4705-A095-90452B115826}" destId="{85B5ACE0-C9BD-4567-A550-04643627E365}" srcOrd="1" destOrd="0" parTransId="{4B7A9CC5-650E-4E46-9970-7152481E88DE}" sibTransId="{424134AF-A9DB-4B88-8AE8-72D8263B5CFE}"/>
+    <dgm:cxn modelId="{E7C7DB1C-4284-483C-8B41-AF821F2C8736}" srcId="{BBBF80FE-7346-4E29-AED5-F55678B732EB}" destId="{528E825B-0080-4C1C-9A9D-F98CE1605337}" srcOrd="0" destOrd="0" parTransId="{EAEA9112-F740-475C-804D-376002CE3A70}" sibTransId="{D7B4D65A-D21D-4F9B-99E4-5342A7227D14}"/>
+    <dgm:cxn modelId="{A551CFA0-3592-48E7-97C7-78013575484C}" type="presOf" srcId="{278C1FFD-5B16-4CC9-AD18-C54DC2353DBB}" destId="{13E59D63-A7E3-43F7-89C1-8AE170C3869A}" srcOrd="1" destOrd="1" presId="urn:microsoft.com/office/officeart/2005/8/layout/hList7"/>
     <dgm:cxn modelId="{2344D49E-7A5D-4B60-8724-AAF5263E765E}" type="presParOf" srcId="{D8E10B43-EC47-48F1-BDD3-8B1C3A192A5D}" destId="{8BACEE8C-8790-4E6C-9FD8-9B9B137A8330}" srcOrd="0" destOrd="0" presId="urn:microsoft.com/office/officeart/2005/8/layout/hList7"/>
     <dgm:cxn modelId="{2B6F676C-F3AA-4F4B-B2F1-7674AD44DA83}" type="presParOf" srcId="{D8E10B43-EC47-48F1-BDD3-8B1C3A192A5D}" destId="{8A91C354-47BA-42C7-A327-988801C7C4BC}" srcOrd="1" destOrd="0" presId="urn:microsoft.com/office/officeart/2005/8/layout/hList7"/>
     <dgm:cxn modelId="{1B446C64-C249-4EA0-BDB1-DEAE9F2D8C17}" type="presParOf" srcId="{8A91C354-47BA-42C7-A327-988801C7C4BC}" destId="{897B4DD4-6552-4234-AB03-57BE694420A6}" srcOrd="0" destOrd="0" presId="urn:microsoft.com/office/officeart/2005/8/layout/hList7"/>
@@ -5848,8 +6688,7 @@
           <a:avLst/>
         </a:prstGeom>
         <a:solidFill>
-          <a:schemeClr val="accent1">
-            <a:tint val="60000"/>
+          <a:schemeClr val="accent2">
             <a:hueOff val="0"/>
             <a:satOff val="0"/>
             <a:lumOff val="0"/>
@@ -5892,7 +6731,7 @@
           </a:avLst>
         </a:prstGeom>
         <a:solidFill>
-          <a:schemeClr val="accent1">
+          <a:schemeClr val="accent2">
             <a:hueOff val="0"/>
             <a:satOff val="0"/>
             <a:lumOff val="0"/>
@@ -6007,8 +6846,7 @@
           <a:avLst/>
         </a:prstGeom>
         <a:solidFill>
-          <a:schemeClr val="accent1">
-            <a:tint val="60000"/>
+          <a:schemeClr val="accent3">
             <a:hueOff val="0"/>
             <a:satOff val="0"/>
             <a:lumOff val="0"/>
@@ -6051,7 +6889,7 @@
           </a:avLst>
         </a:prstGeom>
         <a:solidFill>
-          <a:schemeClr val="accent1">
+          <a:schemeClr val="accent3">
             <a:hueOff val="0"/>
             <a:satOff val="0"/>
             <a:lumOff val="0"/>
@@ -6177,8 +7015,7 @@
           <a:avLst/>
         </a:prstGeom>
         <a:solidFill>
-          <a:schemeClr val="accent1">
-            <a:tint val="60000"/>
+          <a:schemeClr val="accent4">
             <a:hueOff val="0"/>
             <a:satOff val="0"/>
             <a:lumOff val="0"/>
@@ -6221,7 +7058,7 @@
           </a:avLst>
         </a:prstGeom>
         <a:solidFill>
-          <a:schemeClr val="accent1">
+          <a:schemeClr val="accent4">
             <a:hueOff val="0"/>
             <a:satOff val="0"/>
             <a:lumOff val="0"/>
@@ -6336,8 +7173,7 @@
           <a:avLst/>
         </a:prstGeom>
         <a:solidFill>
-          <a:schemeClr val="accent1">
-            <a:tint val="60000"/>
+          <a:schemeClr val="accent5">
             <a:hueOff val="0"/>
             <a:satOff val="0"/>
             <a:lumOff val="0"/>
@@ -6380,7 +7216,7 @@
           </a:avLst>
         </a:prstGeom>
         <a:solidFill>
-          <a:schemeClr val="accent1">
+          <a:schemeClr val="accent5">
             <a:hueOff val="0"/>
             <a:satOff val="0"/>
             <a:lumOff val="0"/>
@@ -6505,7 +7341,7 @@
           </a:avLst>
         </a:prstGeom>
         <a:solidFill>
-          <a:schemeClr val="accent1">
+          <a:schemeClr val="accent6">
             <a:hueOff val="0"/>
             <a:satOff val="0"/>
             <a:lumOff val="0"/>
@@ -6667,7 +7503,7 @@
         </a:solidFill>
         <a:ln w="15875" cap="rnd" cmpd="sng" algn="ctr">
           <a:solidFill>
-            <a:schemeClr val="accent1">
+            <a:schemeClr val="accent2">
               <a:hueOff val="0"/>
               <a:satOff val="0"/>
               <a:lumOff val="0"/>
@@ -6748,8 +7584,7 @@
           </a:avLst>
         </a:prstGeom>
         <a:solidFill>
-          <a:schemeClr val="accent1">
-            <a:tint val="60000"/>
+          <a:schemeClr val="accent2">
             <a:hueOff val="0"/>
             <a:satOff val="0"/>
             <a:lumOff val="0"/>
@@ -6792,7 +7627,7 @@
           </a:avLst>
         </a:prstGeom>
         <a:solidFill>
-          <a:schemeClr val="accent1">
+          <a:schemeClr val="accent2">
             <a:hueOff val="0"/>
             <a:satOff val="0"/>
             <a:lumOff val="0"/>
@@ -6881,7 +7716,7 @@
         </a:solidFill>
         <a:ln w="15875" cap="rnd" cmpd="sng" algn="ctr">
           <a:solidFill>
-            <a:schemeClr val="accent1">
+            <a:schemeClr val="accent3">
               <a:hueOff val="0"/>
               <a:satOff val="0"/>
               <a:lumOff val="0"/>
@@ -7011,8 +7846,7 @@
           </a:avLst>
         </a:prstGeom>
         <a:solidFill>
-          <a:schemeClr val="accent1">
-            <a:tint val="60000"/>
+          <a:schemeClr val="accent3">
             <a:hueOff val="0"/>
             <a:satOff val="0"/>
             <a:lumOff val="0"/>
@@ -7055,7 +7889,7 @@
           </a:avLst>
         </a:prstGeom>
         <a:solidFill>
-          <a:schemeClr val="accent1">
+          <a:schemeClr val="accent3">
             <a:hueOff val="0"/>
             <a:satOff val="0"/>
             <a:lumOff val="0"/>
@@ -7144,7 +7978,7 @@
         </a:solidFill>
         <a:ln w="15875" cap="rnd" cmpd="sng" algn="ctr">
           <a:solidFill>
-            <a:schemeClr val="accent1">
+            <a:schemeClr val="accent4">
               <a:hueOff val="0"/>
               <a:satOff val="0"/>
               <a:lumOff val="0"/>
@@ -7236,8 +8070,7 @@
           </a:avLst>
         </a:prstGeom>
         <a:solidFill>
-          <a:schemeClr val="accent1">
-            <a:tint val="60000"/>
+          <a:schemeClr val="accent4">
             <a:hueOff val="0"/>
             <a:satOff val="0"/>
             <a:lumOff val="0"/>
@@ -7280,7 +8113,7 @@
           </a:avLst>
         </a:prstGeom>
         <a:solidFill>
-          <a:schemeClr val="accent1">
+          <a:schemeClr val="accent4">
             <a:hueOff val="0"/>
             <a:satOff val="0"/>
             <a:lumOff val="0"/>
@@ -7369,7 +8202,7 @@
         </a:solidFill>
         <a:ln w="15875" cap="rnd" cmpd="sng" algn="ctr">
           <a:solidFill>
-            <a:schemeClr val="accent1">
+            <a:schemeClr val="accent5">
               <a:hueOff val="0"/>
               <a:satOff val="0"/>
               <a:lumOff val="0"/>
@@ -7438,7 +8271,7 @@
           </a:avLst>
         </a:prstGeom>
         <a:solidFill>
-          <a:schemeClr val="accent1">
+          <a:schemeClr val="accent5">
             <a:hueOff val="0"/>
             <a:satOff val="0"/>
             <a:lumOff val="0"/>
@@ -7535,7 +8368,7 @@
         <a:gradFill rotWithShape="0">
           <a:gsLst>
             <a:gs pos="0">
-              <a:schemeClr val="accent1">
+              <a:schemeClr val="accent2">
                 <a:hueOff val="0"/>
                 <a:satOff val="0"/>
                 <a:lumOff val="0"/>
@@ -7545,7 +8378,7 @@
               </a:schemeClr>
             </a:gs>
             <a:gs pos="100000">
-              <a:schemeClr val="accent1">
+              <a:schemeClr val="accent2">
                 <a:hueOff val="0"/>
                 <a:satOff val="0"/>
                 <a:lumOff val="0"/>
@@ -7643,15 +8476,19 @@
         <a:prstGeom prst="ellipse">
           <a:avLst/>
         </a:prstGeom>
-        <a:solidFill>
-          <a:schemeClr val="accent1">
-            <a:tint val="50000"/>
-            <a:hueOff val="0"/>
-            <a:satOff val="0"/>
-            <a:lumOff val="0"/>
-            <a:alphaOff val="0"/>
-          </a:schemeClr>
-        </a:solidFill>
+        <a:blipFill>
+          <a:blip xmlns:r="http://schemas.openxmlformats.org/officeDocument/2006/relationships" r:embed="rId1">
+            <a:extLst>
+              <a:ext uri="{28A0092B-C50C-407E-A947-70E740481C1C}">
+                <a14:useLocalDpi xmlns:a14="http://schemas.microsoft.com/office/drawing/2010/main" val="0"/>
+              </a:ext>
+            </a:extLst>
+          </a:blip>
+          <a:srcRect/>
+          <a:stretch>
+            <a:fillRect l="-17000" r="-17000"/>
+          </a:stretch>
+        </a:blipFill>
         <a:ln>
           <a:noFill/>
         </a:ln>
@@ -7694,7 +8531,7 @@
         <a:gradFill rotWithShape="0">
           <a:gsLst>
             <a:gs pos="0">
-              <a:schemeClr val="accent1">
+              <a:schemeClr val="accent3">
                 <a:hueOff val="0"/>
                 <a:satOff val="0"/>
                 <a:lumOff val="0"/>
@@ -7704,7 +8541,7 @@
               </a:schemeClr>
             </a:gs>
             <a:gs pos="100000">
-              <a:schemeClr val="accent1">
+              <a:schemeClr val="accent3">
                 <a:hueOff val="0"/>
                 <a:satOff val="0"/>
                 <a:lumOff val="0"/>
@@ -7840,15 +8677,19 @@
         <a:prstGeom prst="ellipse">
           <a:avLst/>
         </a:prstGeom>
-        <a:solidFill>
-          <a:schemeClr val="accent1">
-            <a:tint val="50000"/>
-            <a:hueOff val="0"/>
-            <a:satOff val="0"/>
-            <a:lumOff val="0"/>
-            <a:alphaOff val="0"/>
-          </a:schemeClr>
-        </a:solidFill>
+        <a:blipFill>
+          <a:blip xmlns:r="http://schemas.openxmlformats.org/officeDocument/2006/relationships" r:embed="rId2">
+            <a:extLst>
+              <a:ext uri="{28A0092B-C50C-407E-A947-70E740481C1C}">
+                <a14:useLocalDpi xmlns:a14="http://schemas.microsoft.com/office/drawing/2010/main" val="0"/>
+              </a:ext>
+            </a:extLst>
+          </a:blip>
+          <a:srcRect/>
+          <a:stretch>
+            <a:fillRect l="-37000" r="-37000"/>
+          </a:stretch>
+        </a:blipFill>
         <a:ln>
           <a:noFill/>
         </a:ln>
@@ -7891,7 +8732,7 @@
         <a:gradFill rotWithShape="0">
           <a:gsLst>
             <a:gs pos="0">
-              <a:schemeClr val="accent1">
+              <a:schemeClr val="accent4">
                 <a:hueOff val="0"/>
                 <a:satOff val="0"/>
                 <a:lumOff val="0"/>
@@ -7901,7 +8742,7 @@
               </a:schemeClr>
             </a:gs>
             <a:gs pos="100000">
-              <a:schemeClr val="accent1">
+              <a:schemeClr val="accent4">
                 <a:hueOff val="0"/>
                 <a:satOff val="0"/>
                 <a:lumOff val="0"/>
@@ -8018,10 +8859,17 @@
         <a:prstGeom prst="ellipse">
           <a:avLst/>
         </a:prstGeom>
-        <a:blipFill rotWithShape="1">
-          <a:blip xmlns:r="http://schemas.openxmlformats.org/officeDocument/2006/relationships" r:embed="rId1"/>
+        <a:blipFill>
+          <a:blip xmlns:r="http://schemas.openxmlformats.org/officeDocument/2006/relationships" r:embed="rId3">
+            <a:extLst>
+              <a:ext uri="{28A0092B-C50C-407E-A947-70E740481C1C}">
+                <a14:useLocalDpi xmlns:a14="http://schemas.microsoft.com/office/drawing/2010/main" val="0"/>
+              </a:ext>
+            </a:extLst>
+          </a:blip>
+          <a:srcRect/>
           <a:stretch>
-            <a:fillRect/>
+            <a:fillRect l="-39000" r="-39000"/>
           </a:stretch>
         </a:blipFill>
         <a:ln>
@@ -8066,7 +8914,7 @@
         <a:gradFill rotWithShape="0">
           <a:gsLst>
             <a:gs pos="0">
-              <a:schemeClr val="accent1">
+              <a:schemeClr val="accent5">
                 <a:hueOff val="0"/>
                 <a:satOff val="0"/>
                 <a:lumOff val="0"/>
@@ -8076,7 +8924,7 @@
               </a:schemeClr>
             </a:gs>
             <a:gs pos="100000">
-              <a:schemeClr val="accent1">
+              <a:schemeClr val="accent5">
                 <a:hueOff val="0"/>
                 <a:satOff val="0"/>
                 <a:lumOff val="0"/>
@@ -8212,10 +9060,17 @@
         <a:prstGeom prst="ellipse">
           <a:avLst/>
         </a:prstGeom>
-        <a:blipFill rotWithShape="1">
-          <a:blip xmlns:r="http://schemas.openxmlformats.org/officeDocument/2006/relationships" r:embed="rId1"/>
+        <a:blipFill>
+          <a:blip xmlns:r="http://schemas.openxmlformats.org/officeDocument/2006/relationships" r:embed="rId4">
+            <a:extLst>
+              <a:ext uri="{28A0092B-C50C-407E-A947-70E740481C1C}">
+                <a14:useLocalDpi xmlns:a14="http://schemas.microsoft.com/office/drawing/2010/main" val="0"/>
+              </a:ext>
+            </a:extLst>
+          </a:blip>
+          <a:srcRect/>
           <a:stretch>
-            <a:fillRect/>
+            <a:fillRect l="-21000" r="-21000"/>
           </a:stretch>
         </a:blipFill>
         <a:ln>
@@ -8258,8 +9113,8 @@
         <a:gradFill rotWithShape="0">
           <a:gsLst>
             <a:gs pos="0">
-              <a:schemeClr val="accent1">
-                <a:tint val="60000"/>
+              <a:schemeClr val="accent2">
+                <a:tint val="40000"/>
                 <a:hueOff val="0"/>
                 <a:satOff val="0"/>
                 <a:lumOff val="0"/>
@@ -8269,8 +9124,8 @@
               </a:schemeClr>
             </a:gs>
             <a:gs pos="100000">
-              <a:schemeClr val="accent1">
-                <a:tint val="60000"/>
+              <a:schemeClr val="accent2">
+                <a:tint val="40000"/>
                 <a:hueOff val="0"/>
                 <a:satOff val="0"/>
                 <a:lumOff val="0"/>
@@ -12572,7 +13427,7 @@
             <a:fld id="{B61BEF0D-F0BB-DE4B-95CE-6DB70DBA9567}" type="datetimeFigureOut">
               <a:rPr lang="en-US" smtClean="0"/>
               <a:pPr/>
-              <a:t>5/19/2016</a:t>
+              <a:t>5/20/2016</a:t>
             </a:fld>
             <a:endParaRPr lang="en-US" dirty="0"/>
           </a:p>
@@ -12912,7 +13767,7 @@
             <a:fld id="{B61BEF0D-F0BB-DE4B-95CE-6DB70DBA9567}" type="datetimeFigureOut">
               <a:rPr lang="en-US" smtClean="0"/>
               <a:pPr/>
-              <a:t>5/19/2016</a:t>
+              <a:t>5/20/2016</a:t>
             </a:fld>
             <a:endParaRPr lang="en-US" dirty="0"/>
           </a:p>
@@ -13315,7 +14170,7 @@
             <a:fld id="{B61BEF0D-F0BB-DE4B-95CE-6DB70DBA9567}" type="datetimeFigureOut">
               <a:rPr lang="en-US" smtClean="0"/>
               <a:pPr/>
-              <a:t>5/19/2016</a:t>
+              <a:t>5/20/2016</a:t>
             </a:fld>
             <a:endParaRPr lang="en-US" dirty="0"/>
           </a:p>
@@ -13653,7 +14508,7 @@
             <a:fld id="{B61BEF0D-F0BB-DE4B-95CE-6DB70DBA9567}" type="datetimeFigureOut">
               <a:rPr lang="en-US" smtClean="0"/>
               <a:pPr/>
-              <a:t>5/19/2016</a:t>
+              <a:t>5/20/2016</a:t>
             </a:fld>
             <a:endParaRPr lang="en-US" dirty="0"/>
           </a:p>
@@ -13975,7 +14830,7 @@
             <a:fld id="{B61BEF0D-F0BB-DE4B-95CE-6DB70DBA9567}" type="datetimeFigureOut">
               <a:rPr lang="en-US" smtClean="0"/>
               <a:pPr/>
-              <a:t>5/19/2016</a:t>
+              <a:t>5/20/2016</a:t>
             </a:fld>
             <a:endParaRPr lang="en-US" dirty="0"/>
           </a:p>
@@ -14373,7 +15228,7 @@
             <a:fld id="{B61BEF0D-F0BB-DE4B-95CE-6DB70DBA9567}" type="datetimeFigureOut">
               <a:rPr lang="en-US" smtClean="0"/>
               <a:pPr/>
-              <a:t>5/19/2016</a:t>
+              <a:t>5/20/2016</a:t>
             </a:fld>
             <a:endParaRPr lang="en-US" dirty="0"/>
           </a:p>
@@ -14632,7 +15487,7 @@
             <a:fld id="{B61BEF0D-F0BB-DE4B-95CE-6DB70DBA9567}" type="datetimeFigureOut">
               <a:rPr lang="en-US" smtClean="0"/>
               <a:pPr/>
-              <a:t>5/19/2016</a:t>
+              <a:t>5/20/2016</a:t>
             </a:fld>
             <a:endParaRPr lang="en-US" dirty="0"/>
           </a:p>
@@ -14896,7 +15751,7 @@
             <a:fld id="{B61BEF0D-F0BB-DE4B-95CE-6DB70DBA9567}" type="datetimeFigureOut">
               <a:rPr lang="en-US" smtClean="0"/>
               <a:pPr/>
-              <a:t>5/19/2016</a:t>
+              <a:t>5/20/2016</a:t>
             </a:fld>
             <a:endParaRPr lang="en-US" dirty="0"/>
           </a:p>
@@ -15160,7 +16015,7 @@
             <a:fld id="{B61BEF0D-F0BB-DE4B-95CE-6DB70DBA9567}" type="datetimeFigureOut">
               <a:rPr lang="en-US" smtClean="0"/>
               <a:pPr/>
-              <a:t>5/19/2016</a:t>
+              <a:t>5/20/2016</a:t>
             </a:fld>
             <a:endParaRPr lang="en-US" dirty="0"/>
           </a:p>
@@ -15491,7 +16346,7 @@
             <a:fld id="{B61BEF0D-F0BB-DE4B-95CE-6DB70DBA9567}" type="datetimeFigureOut">
               <a:rPr lang="en-US" smtClean="0"/>
               <a:pPr/>
-              <a:t>5/19/2016</a:t>
+              <a:t>5/20/2016</a:t>
             </a:fld>
             <a:endParaRPr lang="en-US" dirty="0"/>
           </a:p>
@@ -15816,7 +16671,7 @@
             <a:fld id="{B61BEF0D-F0BB-DE4B-95CE-6DB70DBA9567}" type="datetimeFigureOut">
               <a:rPr lang="en-US" smtClean="0"/>
               <a:pPr/>
-              <a:t>5/19/2016</a:t>
+              <a:t>5/20/2016</a:t>
             </a:fld>
             <a:endParaRPr lang="en-US" dirty="0"/>
           </a:p>
@@ -16275,7 +17130,7 @@
             <a:fld id="{B61BEF0D-F0BB-DE4B-95CE-6DB70DBA9567}" type="datetimeFigureOut">
               <a:rPr lang="en-US" smtClean="0"/>
               <a:pPr/>
-              <a:t>5/19/2016</a:t>
+              <a:t>5/20/2016</a:t>
             </a:fld>
             <a:endParaRPr lang="en-US" dirty="0"/>
           </a:p>
@@ -16482,7 +17337,7 @@
             <a:fld id="{B61BEF0D-F0BB-DE4B-95CE-6DB70DBA9567}" type="datetimeFigureOut">
               <a:rPr lang="en-US" smtClean="0"/>
               <a:pPr/>
-              <a:t>5/19/2016</a:t>
+              <a:t>5/20/2016</a:t>
             </a:fld>
             <a:endParaRPr lang="en-US" dirty="0"/>
           </a:p>
@@ -16661,7 +17516,7 @@
             <a:fld id="{B61BEF0D-F0BB-DE4B-95CE-6DB70DBA9567}" type="datetimeFigureOut">
               <a:rPr lang="en-US" smtClean="0"/>
               <a:pPr/>
-              <a:t>5/19/2016</a:t>
+              <a:t>5/20/2016</a:t>
             </a:fld>
             <a:endParaRPr lang="en-US" dirty="0"/>
           </a:p>
@@ -16996,7 +17851,7 @@
             <a:fld id="{B61BEF0D-F0BB-DE4B-95CE-6DB70DBA9567}" type="datetimeFigureOut">
               <a:rPr lang="en-US" smtClean="0"/>
               <a:pPr/>
-              <a:t>5/19/2016</a:t>
+              <a:t>5/20/2016</a:t>
             </a:fld>
             <a:endParaRPr lang="en-US" dirty="0"/>
           </a:p>
@@ -17343,7 +18198,7 @@
             <a:fld id="{B61BEF0D-F0BB-DE4B-95CE-6DB70DBA9567}" type="datetimeFigureOut">
               <a:rPr lang="en-US" smtClean="0"/>
               <a:pPr/>
-              <a:t>5/19/2016</a:t>
+              <a:t>5/20/2016</a:t>
             </a:fld>
             <a:endParaRPr lang="en-US" dirty="0"/>
           </a:p>
@@ -19462,7 +20317,7 @@
             <a:fld id="{B61BEF0D-F0BB-DE4B-95CE-6DB70DBA9567}" type="datetimeFigureOut">
               <a:rPr lang="en-US" smtClean="0"/>
               <a:pPr/>
-              <a:t>5/19/2016</a:t>
+              <a:t>5/20/2016</a:t>
             </a:fld>
             <a:endParaRPr lang="en-US" dirty="0"/>
           </a:p>
@@ -19967,6 +20822,30 @@
 <file path=ppt/slides/slide1.xml><?xml version="1.0" encoding="utf-8"?>
 <p:sld xmlns:a="http://schemas.openxmlformats.org/drawingml/2006/main" xmlns:r="http://schemas.openxmlformats.org/officeDocument/2006/relationships" xmlns:p="http://schemas.openxmlformats.org/presentationml/2006/main">
   <p:cSld>
+    <p:bg>
+      <p:bgPr>
+        <a:gradFill rotWithShape="1">
+          <a:gsLst>
+            <a:gs pos="0">
+              <a:schemeClr val="bg2">
+                <a:tint val="90000"/>
+                <a:satMod val="92000"/>
+                <a:lumMod val="120000"/>
+              </a:schemeClr>
+            </a:gs>
+            <a:gs pos="100000">
+              <a:schemeClr val="bg2">
+                <a:lumMod val="90000"/>
+              </a:schemeClr>
+            </a:gs>
+          </a:gsLst>
+          <a:path path="circle">
+            <a:fillToRect l="50000" t="50000" r="100000" b="100000"/>
+          </a:path>
+        </a:gradFill>
+        <a:effectLst/>
+      </p:bgPr>
+    </p:bg>
     <p:spTree>
       <p:nvGrpSpPr>
         <p:cNvPr id="1" name=""/>
@@ -20005,7 +20884,11 @@
           <a:p>
             <a:r>
               <a:rPr lang="en-US" sz="4400" b="1" dirty="0" smtClean="0"/>
-              <a:t>News Classifier and  Trending Event Detection Using Python</a:t>
+              <a:t>News Classifier and  Trending Event </a:t>
+            </a:r>
+            <a:r>
+              <a:rPr lang="en-US" sz="4400" b="1" dirty="0" smtClean="0"/>
+              <a:t>Detection</a:t>
             </a:r>
             <a:endParaRPr lang="en-US" sz="4400" b="1" dirty="0"/>
           </a:p>
@@ -20123,7 +21006,7 @@
             <p:ph idx="1"/>
             <p:extLst>
               <p:ext uri="{D42A27DB-BD31-4B8C-83A1-F6EECF244321}">
-                <p14:modId xmlns:p14="http://schemas.microsoft.com/office/powerpoint/2010/main" val="4050194406"/>
+                <p14:modId xmlns:p14="http://schemas.microsoft.com/office/powerpoint/2010/main" val="336196054"/>
               </p:ext>
             </p:extLst>
           </p:nvPr>
@@ -20477,8 +21360,8 @@
           </a:p>
         </p:txBody>
       </p:sp>
-      <mc:AlternateContent xmlns:mc="http://schemas.openxmlformats.org/markup-compatibility/2006">
-        <mc:Choice xmlns:a14="http://schemas.microsoft.com/office/drawing/2010/main" Requires="a14">
+      <mc:AlternateContent xmlns:mc="http://schemas.openxmlformats.org/markup-compatibility/2006" xmlns:a14="http://schemas.microsoft.com/office/drawing/2010/main">
+        <mc:Choice Requires="a14">
           <p:sp>
             <p:nvSpPr>
               <p:cNvPr id="3" name="Content Placeholder 2"/>
@@ -21816,7 +22699,7 @@
             </p:txBody>
           </p:sp>
         </mc:Choice>
-        <mc:Fallback>
+        <mc:Fallback xmlns="">
           <p:sp>
             <p:nvSpPr>
               <p:cNvPr id="3" name="Content Placeholder 2"/>
@@ -21901,38 +22784,337 @@
             <p:ph type="title"/>
           </p:nvPr>
         </p:nvSpPr>
-        <p:spPr/>
+        <p:spPr>
+          <a:xfrm>
+            <a:off x="1639889" y="161544"/>
+            <a:ext cx="8911687" cy="739977"/>
+          </a:xfrm>
+        </p:spPr>
         <p:txBody>
           <a:bodyPr/>
           <a:lstStyle/>
           <a:p>
             <a:r>
               <a:rPr lang="en-US" dirty="0" smtClean="0"/>
-              <a:t>Graphs</a:t>
+              <a:t>Analysis</a:t>
             </a:r>
             <a:endParaRPr lang="en-US" dirty="0"/>
           </a:p>
         </p:txBody>
       </p:sp>
+      <p:pic>
+        <p:nvPicPr>
+          <p:cNvPr id="5" name="Picture 4"/>
+          <p:cNvPicPr>
+            <a:picLocks noChangeAspect="1"/>
+          </p:cNvPicPr>
+          <p:nvPr/>
+        </p:nvPicPr>
+        <p:blipFill>
+          <a:blip r:embed="rId2">
+            <a:extLst>
+              <a:ext uri="{28A0092B-C50C-407E-A947-70E740481C1C}">
+                <a14:useLocalDpi xmlns:a14="http://schemas.microsoft.com/office/drawing/2010/main" val="0"/>
+              </a:ext>
+            </a:extLst>
+          </a:blip>
+          <a:stretch>
+            <a:fillRect/>
+          </a:stretch>
+        </p:blipFill>
+        <p:spPr>
+          <a:xfrm>
+            <a:off x="708345" y="1249251"/>
+            <a:ext cx="3640428" cy="2730321"/>
+          </a:xfrm>
+          <a:prstGeom prst="rect">
+            <a:avLst/>
+          </a:prstGeom>
+        </p:spPr>
+      </p:pic>
+      <p:pic>
+        <p:nvPicPr>
+          <p:cNvPr id="6" name="Picture 5"/>
+          <p:cNvPicPr>
+            <a:picLocks noChangeAspect="1"/>
+          </p:cNvPicPr>
+          <p:nvPr/>
+        </p:nvPicPr>
+        <p:blipFill>
+          <a:blip r:embed="rId3">
+            <a:extLst>
+              <a:ext uri="{28A0092B-C50C-407E-A947-70E740481C1C}">
+                <a14:useLocalDpi xmlns:a14="http://schemas.microsoft.com/office/drawing/2010/main" val="0"/>
+              </a:ext>
+            </a:extLst>
+          </a:blip>
+          <a:stretch>
+            <a:fillRect/>
+          </a:stretch>
+        </p:blipFill>
+        <p:spPr>
+          <a:xfrm>
+            <a:off x="4348773" y="1249250"/>
+            <a:ext cx="3640428" cy="2730321"/>
+          </a:xfrm>
+          <a:prstGeom prst="rect">
+            <a:avLst/>
+          </a:prstGeom>
+        </p:spPr>
+      </p:pic>
+      <p:pic>
+        <p:nvPicPr>
+          <p:cNvPr id="7" name="Picture 6"/>
+          <p:cNvPicPr>
+            <a:picLocks noChangeAspect="1"/>
+          </p:cNvPicPr>
+          <p:nvPr/>
+        </p:nvPicPr>
+        <p:blipFill>
+          <a:blip r:embed="rId4">
+            <a:extLst>
+              <a:ext uri="{28A0092B-C50C-407E-A947-70E740481C1C}">
+                <a14:useLocalDpi xmlns:a14="http://schemas.microsoft.com/office/drawing/2010/main" val="0"/>
+              </a:ext>
+            </a:extLst>
+          </a:blip>
+          <a:stretch>
+            <a:fillRect/>
+          </a:stretch>
+        </p:blipFill>
+        <p:spPr>
+          <a:xfrm>
+            <a:off x="7989201" y="1249250"/>
+            <a:ext cx="3640428" cy="2730321"/>
+          </a:xfrm>
+          <a:prstGeom prst="rect">
+            <a:avLst/>
+          </a:prstGeom>
+        </p:spPr>
+      </p:pic>
       <p:sp>
         <p:nvSpPr>
-          <p:cNvPr id="3" name="Content Placeholder 2"/>
-          <p:cNvSpPr>
-            <a:spLocks noGrp="1"/>
-          </p:cNvSpPr>
-          <p:nvPr>
-            <p:ph idx="1"/>
-          </p:nvPr>
+          <p:cNvPr id="9" name="TextBox 8"/>
+          <p:cNvSpPr txBox="1"/>
+          <p:nvPr/>
         </p:nvSpPr>
-        <p:spPr/>
+        <p:spPr>
+          <a:xfrm>
+            <a:off x="708345" y="4378817"/>
+            <a:ext cx="3810659" cy="2031325"/>
+          </a:xfrm>
+          <a:prstGeom prst="rect">
+            <a:avLst/>
+          </a:prstGeom>
+          <a:solidFill>
+            <a:schemeClr val="bg1"/>
+          </a:solidFill>
+        </p:spPr>
         <p:txBody>
-          <a:bodyPr/>
+          <a:bodyPr wrap="none" rtlCol="0">
+            <a:spAutoFit/>
+          </a:bodyPr>
           <a:lstStyle/>
           <a:p>
-            <a:endParaRPr lang="en-US"/>
+            <a:r>
+              <a:rPr lang="en-US" b="1" u="sng" dirty="0" smtClean="0"/>
+              <a:t>Some correctly detected events</a:t>
+            </a:r>
+          </a:p>
+          <a:p>
+            <a:pPr marL="285750" indent="-285750">
+              <a:buFont typeface="Arial" panose="020B0604020202020204" pitchFamily="34" charset="0"/>
+              <a:buChar char="•"/>
+            </a:pPr>
+            <a:r>
+              <a:rPr lang="en-US" i="1" dirty="0" smtClean="0"/>
+              <a:t>Met gala</a:t>
+            </a:r>
+          </a:p>
+          <a:p>
+            <a:pPr marL="285750" indent="-285750">
+              <a:buFont typeface="Arial" panose="020B0604020202020204" pitchFamily="34" charset="0"/>
+              <a:buChar char="•"/>
+            </a:pPr>
+            <a:r>
+              <a:rPr lang="en-US" i="1" dirty="0" err="1" smtClean="0"/>
+              <a:t>ipl</a:t>
+            </a:r>
+            <a:r>
+              <a:rPr lang="en-US" i="1" dirty="0" smtClean="0"/>
+              <a:t>  2016</a:t>
+            </a:r>
+          </a:p>
+          <a:p>
+            <a:pPr marL="285750" indent="-285750">
+              <a:buFont typeface="Arial" panose="020B0604020202020204" pitchFamily="34" charset="0"/>
+              <a:buChar char="•"/>
+            </a:pPr>
+            <a:r>
+              <a:rPr lang="en-US" i="1" dirty="0" smtClean="0"/>
+              <a:t>Mother day</a:t>
+            </a:r>
+          </a:p>
+          <a:p>
+            <a:pPr marL="285750" indent="-285750">
+              <a:buFont typeface="Arial" panose="020B0604020202020204" pitchFamily="34" charset="0"/>
+              <a:buChar char="•"/>
+            </a:pPr>
+            <a:r>
+              <a:rPr lang="en-US" i="1" dirty="0" smtClean="0"/>
+              <a:t>Assembly polls</a:t>
+            </a:r>
+          </a:p>
+          <a:p>
+            <a:pPr marL="285750" indent="-285750">
+              <a:buFont typeface="Arial" panose="020B0604020202020204" pitchFamily="34" charset="0"/>
+              <a:buChar char="•"/>
+            </a:pPr>
+            <a:r>
+              <a:rPr lang="en-US" i="1" dirty="0" smtClean="0"/>
+              <a:t>Cannes review</a:t>
+            </a:r>
+          </a:p>
+          <a:p>
+            <a:pPr marL="285750" indent="-285750">
+              <a:buFont typeface="Arial" panose="020B0604020202020204" pitchFamily="34" charset="0"/>
+              <a:buChar char="•"/>
+            </a:pPr>
+            <a:r>
+              <a:rPr lang="en-US" i="1" dirty="0" smtClean="0"/>
+              <a:t>Rio Olympics  </a:t>
+            </a:r>
+            <a:endParaRPr lang="en-US" i="1" dirty="0"/>
           </a:p>
         </p:txBody>
       </p:sp>
+      <p:sp>
+        <p:nvSpPr>
+          <p:cNvPr id="10" name="TextBox 9"/>
+          <p:cNvSpPr txBox="1"/>
+          <p:nvPr/>
+        </p:nvSpPr>
+        <p:spPr>
+          <a:xfrm>
+            <a:off x="4659022" y="4378816"/>
+            <a:ext cx="2408032" cy="2031325"/>
+          </a:xfrm>
+          <a:prstGeom prst="rect">
+            <a:avLst/>
+          </a:prstGeom>
+          <a:solidFill>
+            <a:schemeClr val="bg1"/>
+          </a:solidFill>
+        </p:spPr>
+        <p:txBody>
+          <a:bodyPr wrap="none" rtlCol="0">
+            <a:spAutoFit/>
+          </a:bodyPr>
+          <a:lstStyle/>
+          <a:p>
+            <a:r>
+              <a:rPr lang="en-US" b="1" u="sng" dirty="0" smtClean="0"/>
+              <a:t>Some noises</a:t>
+            </a:r>
+          </a:p>
+          <a:p>
+            <a:pPr marL="285750" indent="-285750">
+              <a:buFont typeface="Arial" panose="020B0604020202020204" pitchFamily="34" charset="0"/>
+              <a:buChar char="•"/>
+            </a:pPr>
+            <a:r>
+              <a:rPr lang="en-US" i="1" dirty="0" smtClean="0"/>
+              <a:t>Film review</a:t>
+            </a:r>
+          </a:p>
+          <a:p>
+            <a:pPr marL="285750" indent="-285750">
+              <a:buFont typeface="Arial" panose="020B0604020202020204" pitchFamily="34" charset="0"/>
+              <a:buChar char="•"/>
+            </a:pPr>
+            <a:r>
+              <a:rPr lang="en-US" i="1" dirty="0" smtClean="0"/>
+              <a:t>Times India</a:t>
+            </a:r>
+          </a:p>
+          <a:p>
+            <a:pPr marL="285750" indent="-285750">
+              <a:buFont typeface="Arial" panose="020B0604020202020204" pitchFamily="34" charset="0"/>
+              <a:buChar char="•"/>
+            </a:pPr>
+            <a:r>
+              <a:rPr lang="en-US" i="1" dirty="0" smtClean="0"/>
+              <a:t>Jessica parker</a:t>
+            </a:r>
+          </a:p>
+          <a:p>
+            <a:pPr marL="285750" indent="-285750">
+              <a:buFont typeface="Arial" panose="020B0604020202020204" pitchFamily="34" charset="0"/>
+              <a:buChar char="•"/>
+            </a:pPr>
+            <a:r>
+              <a:rPr lang="en-US" i="1" dirty="0" smtClean="0"/>
+              <a:t>Indian express</a:t>
+            </a:r>
+          </a:p>
+          <a:p>
+            <a:pPr marL="285750" indent="-285750">
+              <a:buFont typeface="Arial" panose="020B0604020202020204" pitchFamily="34" charset="0"/>
+              <a:buChar char="•"/>
+            </a:pPr>
+            <a:r>
+              <a:rPr lang="en-US" i="1" dirty="0" smtClean="0"/>
+              <a:t>Captain America</a:t>
+            </a:r>
+          </a:p>
+          <a:p>
+            <a:pPr marL="285750" indent="-285750">
+              <a:buFont typeface="Arial" panose="020B0604020202020204" pitchFamily="34" charset="0"/>
+              <a:buChar char="•"/>
+            </a:pPr>
+            <a:r>
+              <a:rPr lang="en-US" i="1" dirty="0" smtClean="0"/>
+              <a:t>Net profit</a:t>
+            </a:r>
+            <a:endParaRPr lang="en-US" i="1" dirty="0"/>
+          </a:p>
+        </p:txBody>
+      </p:sp>
+      <p:pic>
+        <p:nvPicPr>
+          <p:cNvPr id="12" name="Picture 11"/>
+          <p:cNvPicPr>
+            <a:picLocks noChangeAspect="1"/>
+          </p:cNvPicPr>
+          <p:nvPr/>
+        </p:nvPicPr>
+        <p:blipFill>
+          <a:blip r:embed="rId5">
+            <a:extLst>
+              <a:ext uri="{28A0092B-C50C-407E-A947-70E740481C1C}">
+                <a14:useLocalDpi xmlns:a14="http://schemas.microsoft.com/office/drawing/2010/main" val="0"/>
+              </a:ext>
+            </a:extLst>
+          </a:blip>
+          <a:stretch>
+            <a:fillRect/>
+          </a:stretch>
+        </p:blipFill>
+        <p:spPr>
+          <a:xfrm>
+            <a:off x="7989201" y="3979571"/>
+            <a:ext cx="3640428" cy="2730321"/>
+          </a:xfrm>
+          <a:prstGeom prst="rect">
+            <a:avLst/>
+          </a:prstGeom>
+          <a:ln w="34925">
+            <a:solidFill>
+              <a:srgbClr val="FF0000"/>
+            </a:solidFill>
+          </a:ln>
+        </p:spPr>
+      </p:pic>
     </p:spTree>
     <p:extLst>
       <p:ext uri="{BB962C8B-B14F-4D97-AF65-F5344CB8AC3E}">
@@ -22008,22 +23190,9 @@
           </a:p>
           <a:p>
             <a:r>
-              <a:rPr lang="en-US" smtClean="0"/>
-              <a:t>Real-time </a:t>
+              <a:rPr lang="en-US" dirty="0" smtClean="0"/>
+              <a:t>Real-time online reference, comparison, and verification.</a:t>
             </a:r>
-            <a:r>
-              <a:rPr lang="en-US" dirty="0" smtClean="0"/>
-              <a:t>online reference, comparison, </a:t>
-            </a:r>
-            <a:r>
-              <a:rPr lang="en-US" smtClean="0"/>
-              <a:t>and verification</a:t>
-            </a:r>
-            <a:r>
-              <a:rPr lang="en-US" dirty="0" smtClean="0"/>
-              <a:t>.</a:t>
-            </a:r>
-            <a:endParaRPr lang="en-US" smtClean="0"/>
           </a:p>
         </p:txBody>
       </p:sp>
@@ -22031,6 +23200,74 @@
     <p:extLst>
       <p:ext uri="{BB962C8B-B14F-4D97-AF65-F5344CB8AC3E}">
         <p14:creationId xmlns:p14="http://schemas.microsoft.com/office/powerpoint/2010/main" val="2853599057"/>
+      </p:ext>
+    </p:extLst>
+  </p:cSld>
+  <p:clrMapOvr>
+    <a:masterClrMapping/>
+  </p:clrMapOvr>
+</p:sld>
+</file>
+
+<file path=ppt/slides/slide15.xml><?xml version="1.0" encoding="utf-8"?>
+<p:sld xmlns:a="http://schemas.openxmlformats.org/drawingml/2006/main" xmlns:r="http://schemas.openxmlformats.org/officeDocument/2006/relationships" xmlns:p="http://schemas.openxmlformats.org/presentationml/2006/main">
+  <p:cSld>
+    <p:spTree>
+      <p:nvGrpSpPr>
+        <p:cNvPr id="1" name=""/>
+        <p:cNvGrpSpPr/>
+        <p:nvPr/>
+      </p:nvGrpSpPr>
+      <p:grpSpPr>
+        <a:xfrm>
+          <a:off x="0" y="0"/>
+          <a:ext cx="0" cy="0"/>
+          <a:chOff x="0" y="0"/>
+          <a:chExt cx="0" cy="0"/>
+        </a:xfrm>
+      </p:grpSpPr>
+      <p:sp>
+        <p:nvSpPr>
+          <p:cNvPr id="4" name="Title 3"/>
+          <p:cNvSpPr>
+            <a:spLocks noGrp="1"/>
+          </p:cNvSpPr>
+          <p:nvPr>
+            <p:ph type="title"/>
+          </p:nvPr>
+        </p:nvSpPr>
+        <p:spPr>
+          <a:xfrm>
+            <a:off x="4590536" y="4267642"/>
+            <a:ext cx="8911687" cy="1280890"/>
+          </a:xfrm>
+        </p:spPr>
+        <p:txBody>
+          <a:bodyPr>
+            <a:normAutofit/>
+          </a:bodyPr>
+          <a:lstStyle/>
+          <a:p>
+            <a:r>
+              <a:rPr lang="en-US" sz="6000" b="1" dirty="0" smtClean="0">
+                <a:solidFill>
+                  <a:srgbClr val="00B050"/>
+                </a:solidFill>
+              </a:rPr>
+              <a:t>Thank you….</a:t>
+            </a:r>
+            <a:endParaRPr lang="en-US" sz="6000" b="1" dirty="0">
+              <a:solidFill>
+                <a:srgbClr val="00B050"/>
+              </a:solidFill>
+            </a:endParaRPr>
+          </a:p>
+        </p:txBody>
+      </p:sp>
+    </p:spTree>
+    <p:extLst>
+      <p:ext uri="{BB962C8B-B14F-4D97-AF65-F5344CB8AC3E}">
+        <p14:creationId xmlns:p14="http://schemas.microsoft.com/office/powerpoint/2010/main" val="3545845266"/>
       </p:ext>
     </p:extLst>
   </p:cSld>
@@ -22090,7 +23327,15 @@
           <a:p>
             <a:r>
               <a:rPr lang="en-US" sz="1600" dirty="0" smtClean="0"/>
-              <a:t>Data classification and information mining are trending and rapidly evolving fields of</a:t>
+              <a:t>Data classification and </a:t>
+            </a:r>
+            <a:r>
+              <a:rPr lang="en-US" sz="1600" dirty="0" smtClean="0"/>
+              <a:t>mining </a:t>
+            </a:r>
+            <a:r>
+              <a:rPr lang="en-US" sz="1600" dirty="0" smtClean="0"/>
+              <a:t>are trending and rapidly evolving fields of</a:t>
             </a:r>
           </a:p>
           <a:p>
@@ -22100,7 +23345,15 @@
             </a:r>
             <a:r>
               <a:rPr lang="en-US" sz="1600" dirty="0"/>
-              <a:t>science. Data mining is the process of identifying patterns and relationships in data that often are not obvious in large, complex data </a:t>
+              <a:t>science. Data mining is the process of identifying patterns and relationships in data that often are not obvious in </a:t>
+            </a:r>
+            <a:r>
+              <a:rPr lang="en-US" sz="1600" dirty="0" smtClean="0"/>
+              <a:t>large and  </a:t>
+            </a:r>
+            <a:r>
+              <a:rPr lang="en-US" sz="1600" dirty="0"/>
+              <a:t>complex data </a:t>
             </a:r>
             <a:r>
               <a:rPr lang="en-US" sz="1600" dirty="0" smtClean="0"/>
@@ -22110,7 +23363,15 @@
           <a:p>
             <a:r>
               <a:rPr lang="en-US" sz="1600" dirty="0" smtClean="0"/>
-              <a:t>News event detection and classification are very helpful in socio-economic research and such purposes. As social media and real-time information sharing gains popularity, an automated event detection system can do better in understanding the required events.</a:t>
+              <a:t>News event detection and classification are very helpful in socio-economic research and such purposes. As social media and real-time information sharing gains popularity</a:t>
+            </a:r>
+            <a:r>
+              <a:rPr lang="en-US" sz="1600" dirty="0" smtClean="0"/>
+              <a:t>,  </a:t>
+            </a:r>
+            <a:r>
+              <a:rPr lang="en-US" sz="1600" dirty="0" smtClean="0"/>
+              <a:t>an automated event detection system can do better in understanding the required events.</a:t>
             </a:r>
           </a:p>
           <a:p>
@@ -22286,7 +23547,7 @@
           <p:nvPr>
             <p:extLst>
               <p:ext uri="{D42A27DB-BD31-4B8C-83A1-F6EECF244321}">
-                <p14:modId xmlns:p14="http://schemas.microsoft.com/office/powerpoint/2010/main" val="4160697280"/>
+                <p14:modId xmlns:p14="http://schemas.microsoft.com/office/powerpoint/2010/main" val="2267488673"/>
               </p:ext>
             </p:extLst>
           </p:nvPr>
@@ -22409,7 +23670,7 @@
             <p:ph idx="1"/>
             <p:extLst>
               <p:ext uri="{D42A27DB-BD31-4B8C-83A1-F6EECF244321}">
-                <p14:modId xmlns:p14="http://schemas.microsoft.com/office/powerpoint/2010/main" val="1636219416"/>
+                <p14:modId xmlns:p14="http://schemas.microsoft.com/office/powerpoint/2010/main" val="1472622076"/>
               </p:ext>
             </p:extLst>
           </p:nvPr>
@@ -22540,6 +23801,9 @@
           <a:prstGeom prst="roundRect">
             <a:avLst/>
           </a:prstGeom>
+          <a:solidFill>
+            <a:srgbClr val="C00000"/>
+          </a:solidFill>
         </p:spPr>
         <p:style>
           <a:lnRef idx="2">
@@ -22584,6 +23848,9 @@
           <a:prstGeom prst="roundRect">
             <a:avLst/>
           </a:prstGeom>
+          <a:solidFill>
+            <a:srgbClr val="C00000"/>
+          </a:solidFill>
         </p:spPr>
         <p:style>
           <a:lnRef idx="2">
@@ -22628,6 +23895,9 @@
           <a:prstGeom prst="roundRect">
             <a:avLst/>
           </a:prstGeom>
+          <a:solidFill>
+            <a:srgbClr val="C00000"/>
+          </a:solidFill>
         </p:spPr>
         <p:style>
           <a:lnRef idx="2">
@@ -22672,6 +23942,9 @@
           <a:prstGeom prst="roundRect">
             <a:avLst/>
           </a:prstGeom>
+          <a:solidFill>
+            <a:srgbClr val="C00000"/>
+          </a:solidFill>
         </p:spPr>
         <p:style>
           <a:lnRef idx="2">
@@ -22716,6 +23989,9 @@
           <a:prstGeom prst="roundRect">
             <a:avLst/>
           </a:prstGeom>
+          <a:solidFill>
+            <a:srgbClr val="C00000"/>
+          </a:solidFill>
         </p:spPr>
         <p:style>
           <a:lnRef idx="2">
@@ -22740,7 +24016,7 @@
             <a:pPr algn="ctr"/>
             <a:r>
               <a:rPr lang="en-US" dirty="0" smtClean="0"/>
-              <a:t>category</a:t>
+              <a:t>Category, probability</a:t>
             </a:r>
             <a:endParaRPr lang="en-US" dirty="0"/>
           </a:p>
@@ -22760,6 +24036,9 @@
           <a:prstGeom prst="downArrow">
             <a:avLst/>
           </a:prstGeom>
+          <a:solidFill>
+            <a:srgbClr val="C00000"/>
+          </a:solidFill>
         </p:spPr>
         <p:style>
           <a:lnRef idx="2">
@@ -22800,6 +24079,9 @@
           <a:prstGeom prst="downArrow">
             <a:avLst/>
           </a:prstGeom>
+          <a:solidFill>
+            <a:srgbClr val="C00000"/>
+          </a:solidFill>
         </p:spPr>
         <p:style>
           <a:lnRef idx="2">
@@ -22840,6 +24122,9 @@
           <a:prstGeom prst="rightArrow">
             <a:avLst/>
           </a:prstGeom>
+          <a:solidFill>
+            <a:srgbClr val="C00000"/>
+          </a:solidFill>
         </p:spPr>
         <p:style>
           <a:lnRef idx="2">
@@ -22880,6 +24165,9 @@
           <a:prstGeom prst="rightArrow">
             <a:avLst/>
           </a:prstGeom>
+          <a:solidFill>
+            <a:srgbClr val="C00000"/>
+          </a:solidFill>
         </p:spPr>
         <p:style>
           <a:lnRef idx="2">
@@ -23072,11 +24360,7 @@
           <a:p>
             <a:r>
               <a:rPr lang="en-US" dirty="0" smtClean="0"/>
-              <a:t>Random </a:t>
-            </a:r>
-            <a:r>
-              <a:rPr lang="en-US" dirty="0" smtClean="0"/>
-              <a:t>testing</a:t>
+              <a:t>Random testing</a:t>
             </a:r>
             <a:r>
               <a:rPr lang="en-US" dirty="0"/>
@@ -23135,7 +24419,15 @@
             </a:pPr>
             <a:r>
               <a:rPr lang="en-US" dirty="0"/>
-              <a:t>No. of fault classification 	: 	 </a:t>
+              <a:t>No. of fault classification 	: </a:t>
+            </a:r>
+            <a:r>
+              <a:rPr lang="en-US" dirty="0" smtClean="0"/>
+              <a:t>265</a:t>
+            </a:r>
+            <a:r>
+              <a:rPr lang="en-US" dirty="0"/>
+              <a:t>	 </a:t>
             </a:r>
           </a:p>
           <a:p>
@@ -23146,6 +24438,15 @@
               <a:rPr lang="en-US" dirty="0"/>
               <a:t>Data set size				: </a:t>
             </a:r>
+            <a:r>
+              <a:rPr lang="en-US" dirty="0"/>
+              <a:t>9</a:t>
+            </a:r>
+            <a:r>
+              <a:rPr lang="en-US" dirty="0" smtClean="0"/>
+              <a:t>000+</a:t>
+            </a:r>
+            <a:endParaRPr lang="en-US" dirty="0"/>
           </a:p>
           <a:p>
             <a:pPr marL="457200" lvl="1" indent="0">
@@ -23159,6 +24460,11 @@
               <a:rPr lang="en-US" dirty="0" smtClean="0"/>
               <a:t>: </a:t>
             </a:r>
+            <a:r>
+              <a:rPr lang="en-US" dirty="0" smtClean="0"/>
+              <a:t>97.17</a:t>
+            </a:r>
+            <a:endParaRPr lang="en-US" dirty="0" smtClean="0"/>
           </a:p>
           <a:p>
             <a:endParaRPr lang="en-US" dirty="0" smtClean="0"/>
@@ -23181,7 +24487,7 @@
           <p:nvPr>
             <p:extLst>
               <p:ext uri="{D42A27DB-BD31-4B8C-83A1-F6EECF244321}">
-                <p14:modId xmlns:p14="http://schemas.microsoft.com/office/powerpoint/2010/main" val="1711775931"/>
+                <p14:modId xmlns:p14="http://schemas.microsoft.com/office/powerpoint/2010/main" val="288451126"/>
               </p:ext>
             </p:extLst>
           </p:nvPr>
@@ -23256,29 +24562,66 @@
           </a:p>
         </p:txBody>
       </p:sp>
-      <p:sp>
-        <p:nvSpPr>
-          <p:cNvPr id="3" name="Content Placeholder 2"/>
-          <p:cNvSpPr>
-            <a:spLocks noGrp="1"/>
-          </p:cNvSpPr>
-          <p:nvPr>
-            <p:ph idx="1"/>
-          </p:nvPr>
-        </p:nvSpPr>
-        <p:spPr/>
-        <p:txBody>
-          <a:bodyPr/>
-          <a:lstStyle/>
-          <a:p>
-            <a:r>
-              <a:rPr lang="en-US" dirty="0" smtClean="0"/>
-              <a:t>Graphs</a:t>
-            </a:r>
-            <a:endParaRPr lang="en-US" dirty="0"/>
-          </a:p>
-        </p:txBody>
-      </p:sp>
+      <p:pic>
+        <p:nvPicPr>
+          <p:cNvPr id="4" name="Picture 3"/>
+          <p:cNvPicPr>
+            <a:picLocks noChangeAspect="1"/>
+          </p:cNvPicPr>
+          <p:nvPr/>
+        </p:nvPicPr>
+        <p:blipFill>
+          <a:blip r:embed="rId2">
+            <a:extLst>
+              <a:ext uri="{28A0092B-C50C-407E-A947-70E740481C1C}">
+                <a14:useLocalDpi xmlns:a14="http://schemas.microsoft.com/office/drawing/2010/main" val="0"/>
+              </a:ext>
+            </a:extLst>
+          </a:blip>
+          <a:stretch>
+            <a:fillRect/>
+          </a:stretch>
+        </p:blipFill>
+        <p:spPr>
+          <a:xfrm>
+            <a:off x="193183" y="1571223"/>
+            <a:ext cx="6147515" cy="4610636"/>
+          </a:xfrm>
+          <a:prstGeom prst="rect">
+            <a:avLst/>
+          </a:prstGeom>
+        </p:spPr>
+      </p:pic>
+      <p:pic>
+        <p:nvPicPr>
+          <p:cNvPr id="5" name="Picture 4"/>
+          <p:cNvPicPr>
+            <a:picLocks noChangeAspect="1"/>
+          </p:cNvPicPr>
+          <p:nvPr/>
+        </p:nvPicPr>
+        <p:blipFill>
+          <a:blip r:embed="rId3">
+            <a:extLst>
+              <a:ext uri="{28A0092B-C50C-407E-A947-70E740481C1C}">
+                <a14:useLocalDpi xmlns:a14="http://schemas.microsoft.com/office/drawing/2010/main" val="0"/>
+              </a:ext>
+            </a:extLst>
+          </a:blip>
+          <a:stretch>
+            <a:fillRect/>
+          </a:stretch>
+        </p:blipFill>
+        <p:spPr>
+          <a:xfrm>
+            <a:off x="5852160" y="1571223"/>
+            <a:ext cx="6117380" cy="4610636"/>
+          </a:xfrm>
+          <a:prstGeom prst="rect">
+            <a:avLst/>
+          </a:prstGeom>
+        </p:spPr>
+      </p:pic>
     </p:spTree>
     <p:extLst>
       <p:ext uri="{BB962C8B-B14F-4D97-AF65-F5344CB8AC3E}">

--- a/presentation/Project.pptx
+++ b/presentation/Project.pptx
@@ -19,7 +19,8 @@
     <p:sldId id="265" r:id="rId13"/>
     <p:sldId id="269" r:id="rId14"/>
     <p:sldId id="270" r:id="rId15"/>
-    <p:sldId id="271" r:id="rId16"/>
+    <p:sldId id="272" r:id="rId16"/>
+    <p:sldId id="271" r:id="rId17"/>
   </p:sldIdLst>
   <p:sldSz cx="12192000" cy="6858000"/>
   <p:notesSz cx="6858000" cy="9144000"/>
@@ -165,13 +166,8 @@
             </a:r>
             <a:r>
               <a:rPr lang="en-US" dirty="0" smtClean="0"/>
-              <a:t>case Errors out of </a:t>
+              <a:t>case Errors out of 9000+ articles</a:t>
             </a:r>
-            <a:r>
-              <a:rPr lang="en-US" dirty="0" smtClean="0"/>
-              <a:t>9000+ articles</a:t>
-            </a:r>
-            <a:endParaRPr lang="en-US" dirty="0" smtClean="0"/>
           </a:p>
         </c:rich>
       </c:tx>
@@ -352,11 +348,11 @@
         </c:dLbls>
         <c:gapWidth val="219"/>
         <c:overlap val="-27"/>
-        <c:axId val="270376672"/>
-        <c:axId val="270377064"/>
+        <c:axId val="272096048"/>
+        <c:axId val="272094480"/>
       </c:barChart>
       <c:catAx>
-        <c:axId val="270376672"/>
+        <c:axId val="272096048"/>
         <c:scaling>
           <c:orientation val="minMax"/>
         </c:scaling>
@@ -399,7 +395,7 @@
             <a:endParaRPr lang="en-US"/>
           </a:p>
         </c:txPr>
-        <c:crossAx val="270377064"/>
+        <c:crossAx val="272094480"/>
         <c:crosses val="autoZero"/>
         <c:auto val="1"/>
         <c:lblAlgn val="ctr"/>
@@ -407,7 +403,7 @@
         <c:noMultiLvlLbl val="0"/>
       </c:catAx>
       <c:valAx>
-        <c:axId val="270377064"/>
+        <c:axId val="272094480"/>
         <c:scaling>
           <c:orientation val="minMax"/>
           <c:max val="9500"/>
@@ -458,7 +454,7 @@
             <a:endParaRPr lang="en-US"/>
           </a:p>
         </c:txPr>
-        <c:crossAx val="270376672"/>
+        <c:crossAx val="272096048"/>
         <c:crosses val="autoZero"/>
         <c:crossBetween val="between"/>
       </c:valAx>
@@ -5646,42 +5642,42 @@
     </dgm:pt>
   </dgm:ptLst>
   <dgm:cxnLst>
+    <dgm:cxn modelId="{291D66D7-5A59-4FBB-8873-B4B861519030}" srcId="{256D063E-CDA5-421B-9498-A9E68A18EB0A}" destId="{29A5FAA5-283A-40FA-A839-61652B4490B3}" srcOrd="1" destOrd="0" parTransId="{B86E4B9B-9DE8-4014-8C5C-85A53E777C68}" sibTransId="{09F65D13-5AB4-4352-A429-1BDFEDA69140}"/>
+    <dgm:cxn modelId="{149F30B2-7384-4906-8C78-79E6FC40A620}" srcId="{74553BB0-A411-4841-AB30-810EE8DD560C}" destId="{2852B17E-400F-4F0C-A965-6DC058515768}" srcOrd="1" destOrd="0" parTransId="{1A58DE2A-6FDD-482E-8C73-AEA4B72C3B14}" sibTransId="{68DA26CD-F95E-4DB0-BD57-FBBEB591FEEA}"/>
     <dgm:cxn modelId="{8F30DCA5-8D1B-48C4-80CE-DACA62075085}" type="presOf" srcId="{74553BB0-A411-4841-AB30-810EE8DD560C}" destId="{DFE589BC-FC43-4CB7-829C-38226DDA709F}" srcOrd="0" destOrd="0" presId="urn:microsoft.com/office/officeart/2005/8/layout/hProcess4"/>
+    <dgm:cxn modelId="{086F1391-2180-48E0-AA37-8B97FC6E18C3}" type="presOf" srcId="{046CEBDD-8433-4280-A00E-905E5E7ABE2F}" destId="{3EAC7254-D002-446D-A858-48A972C6F666}" srcOrd="0" destOrd="0" presId="urn:microsoft.com/office/officeart/2005/8/layout/hProcess4"/>
+    <dgm:cxn modelId="{8642E7EF-DE6F-4F0D-9809-9E4515402E09}" type="presOf" srcId="{29A5FAA5-283A-40FA-A839-61652B4490B3}" destId="{A8CE020E-D2F2-4A40-8F88-BDE892B2AC46}" srcOrd="0" destOrd="0" presId="urn:microsoft.com/office/officeart/2005/8/layout/hProcess4"/>
+    <dgm:cxn modelId="{3A3A5408-704D-4B12-8EFD-2A2E3B908D79}" type="presOf" srcId="{2852B17E-400F-4F0C-A965-6DC058515768}" destId="{54641B96-456F-4BF6-A2F6-F5888D3E90F6}" srcOrd="1" destOrd="1" presId="urn:microsoft.com/office/officeart/2005/8/layout/hProcess4"/>
+    <dgm:cxn modelId="{22C07930-881D-4460-AEEB-5A9CB7A041DE}" srcId="{256D063E-CDA5-421B-9498-A9E68A18EB0A}" destId="{74553BB0-A411-4841-AB30-810EE8DD560C}" srcOrd="2" destOrd="0" parTransId="{4B323776-7BC0-4DAC-84BB-1771A4C238F9}" sibTransId="{A0F2BCDB-F9DC-441E-AA52-4F28899184E7}"/>
+    <dgm:cxn modelId="{ACE970F9-D25F-4D81-920A-F4C4237DC670}" type="presOf" srcId="{55CB83B0-E509-442E-8A6B-462E1D3F9329}" destId="{963BB537-6BC6-4997-8ACE-AAC40D4F72B9}" srcOrd="0" destOrd="0" presId="urn:microsoft.com/office/officeart/2005/8/layout/hProcess4"/>
+    <dgm:cxn modelId="{0A8C7A1C-8497-4CEA-BFDE-66CEB8BE8B17}" type="presOf" srcId="{B1D3268A-2CA7-40C2-A6BD-E93A387CC3C9}" destId="{387A98E9-B78F-453E-97D9-C7D37D977DC2}" srcOrd="0" destOrd="3" presId="urn:microsoft.com/office/officeart/2005/8/layout/hProcess4"/>
+    <dgm:cxn modelId="{E4FC5EEA-9611-41A7-993E-A765CA0298EB}" type="presOf" srcId="{B6C0D1DC-4B50-474C-BD10-7EBC0605A4D9}" destId="{BE1A984B-808C-4598-B786-0286057C8341}" srcOrd="0" destOrd="0" presId="urn:microsoft.com/office/officeart/2005/8/layout/hProcess4"/>
+    <dgm:cxn modelId="{FD661B77-24E0-4EE0-B37E-9ADAA930E94B}" type="presOf" srcId="{80529BC2-F094-4A12-9930-AE27455CC937}" destId="{F93A835D-D777-48B1-BE52-D7D4E0E4F7C3}" srcOrd="0" destOrd="0" presId="urn:microsoft.com/office/officeart/2005/8/layout/hProcess4"/>
+    <dgm:cxn modelId="{80973ED4-0EB8-4E31-92A0-C979E07468A7}" type="presOf" srcId="{6069CE85-02F1-4E19-AE48-CF3A5EC5E8E6}" destId="{2F771251-0DDD-462E-83B1-5C78B4D2DCBD}" srcOrd="1" destOrd="1" presId="urn:microsoft.com/office/officeart/2005/8/layout/hProcess4"/>
+    <dgm:cxn modelId="{6CBE8A98-52E6-4A6B-BA8F-79D6D3D40963}" type="presOf" srcId="{55CB83B0-E509-442E-8A6B-462E1D3F9329}" destId="{1F14FE10-230C-444F-9DA2-B1E6E78209BC}" srcOrd="1" destOrd="0" presId="urn:microsoft.com/office/officeart/2005/8/layout/hProcess4"/>
+    <dgm:cxn modelId="{1A17D8B6-915E-4D46-9D42-D2907B1DF09B}" type="presOf" srcId="{B1D3268A-2CA7-40C2-A6BD-E93A387CC3C9}" destId="{2F771251-0DDD-462E-83B1-5C78B4D2DCBD}" srcOrd="1" destOrd="3" presId="urn:microsoft.com/office/officeart/2005/8/layout/hProcess4"/>
+    <dgm:cxn modelId="{60A5CF9A-12FF-4D28-95E5-DC81FB093BB4}" type="presOf" srcId="{56FD6956-DCE2-4C65-943F-43C5AF1895A4}" destId="{2F771251-0DDD-462E-83B1-5C78B4D2DCBD}" srcOrd="1" destOrd="0" presId="urn:microsoft.com/office/officeart/2005/8/layout/hProcess4"/>
+    <dgm:cxn modelId="{F7DA23E2-78F3-4255-8E78-740E0C52EF30}" type="presOf" srcId="{B6C0D1DC-4B50-474C-BD10-7EBC0605A4D9}" destId="{54641B96-456F-4BF6-A2F6-F5888D3E90F6}" srcOrd="1" destOrd="0" presId="urn:microsoft.com/office/officeart/2005/8/layout/hProcess4"/>
+    <dgm:cxn modelId="{E2A1A383-4D9A-42A0-AF3C-6E51002DDEE5}" srcId="{29A5FAA5-283A-40FA-A839-61652B4490B3}" destId="{02DB401A-77D8-425F-88BB-25612D62C6BC}" srcOrd="2" destOrd="0" parTransId="{C40872BC-E7ED-44B8-A5B8-EEDA50B66AA1}" sibTransId="{E2E6B22B-6819-4E27-ADA0-451AC1F3074F}"/>
+    <dgm:cxn modelId="{4278E359-D789-4D4E-9691-3BB7F59572A5}" srcId="{046CEBDD-8433-4280-A00E-905E5E7ABE2F}" destId="{80529BC2-F094-4A12-9930-AE27455CC937}" srcOrd="0" destOrd="0" parTransId="{4135261D-F44A-43AF-B429-9A40D56E26BC}" sibTransId="{AC3DD7E5-0CF1-4ACA-B534-0923E3DAEEB5}"/>
+    <dgm:cxn modelId="{64DA3176-F7AC-4C88-ABF3-0EDE0CE58471}" srcId="{4930E6C7-6E87-4E12-87DB-3E233F2EB534}" destId="{55CB83B0-E509-442E-8A6B-462E1D3F9329}" srcOrd="0" destOrd="0" parTransId="{98C9552F-A063-4036-BF6B-EB8767C6F2B0}" sibTransId="{7172DA90-ED09-4D43-B882-57A0FAD54C99}"/>
+    <dgm:cxn modelId="{2ECDE5D4-7165-4E37-8973-8C872B353A21}" type="presOf" srcId="{6069CE85-02F1-4E19-AE48-CF3A5EC5E8E6}" destId="{387A98E9-B78F-453E-97D9-C7D37D977DC2}" srcOrd="0" destOrd="1" presId="urn:microsoft.com/office/officeart/2005/8/layout/hProcess4"/>
+    <dgm:cxn modelId="{7DAF750B-FDDB-4B97-9C32-EE00FBAD8FE0}" type="presOf" srcId="{2852B17E-400F-4F0C-A965-6DC058515768}" destId="{BE1A984B-808C-4598-B786-0286057C8341}" srcOrd="0" destOrd="1" presId="urn:microsoft.com/office/officeart/2005/8/layout/hProcess4"/>
+    <dgm:cxn modelId="{1DD37075-FF92-4E75-91C7-F35379E28EC2}" type="presOf" srcId="{A0F2BCDB-F9DC-441E-AA52-4F28899184E7}" destId="{B38F082E-668F-4386-A131-662964A681EC}" srcOrd="0" destOrd="0" presId="urn:microsoft.com/office/officeart/2005/8/layout/hProcess4"/>
+    <dgm:cxn modelId="{03D75F3B-E355-4946-853D-E333342D603F}" type="presOf" srcId="{256D063E-CDA5-421B-9498-A9E68A18EB0A}" destId="{B4454FD2-9441-4A05-8860-24D46A0B6AD5}" srcOrd="0" destOrd="0" presId="urn:microsoft.com/office/officeart/2005/8/layout/hProcess4"/>
+    <dgm:cxn modelId="{0B3C2532-8082-42B0-AEAB-FC4CE5393A49}" type="presOf" srcId="{80529BC2-F094-4A12-9930-AE27455CC937}" destId="{33F8377B-79FD-436E-A6E2-3C0555D13059}" srcOrd="1" destOrd="0" presId="urn:microsoft.com/office/officeart/2005/8/layout/hProcess4"/>
+    <dgm:cxn modelId="{6867952A-BF84-4636-9CA9-2E0144922270}" type="presOf" srcId="{504B8F53-CC07-46CA-8B82-EC354FD37A54}" destId="{F267B30C-97C3-4D7F-9714-839C57628911}" srcOrd="0" destOrd="0" presId="urn:microsoft.com/office/officeart/2005/8/layout/hProcess4"/>
+    <dgm:cxn modelId="{68D12C7C-3051-4B85-9F92-4B2B8B0B655B}" srcId="{29A5FAA5-283A-40FA-A839-61652B4490B3}" destId="{56FD6956-DCE2-4C65-943F-43C5AF1895A4}" srcOrd="0" destOrd="0" parTransId="{0D22F242-22B0-4222-8CED-732C873498E1}" sibTransId="{54B7FFFF-A36B-4D8E-82AE-4D89E9BC76EE}"/>
+    <dgm:cxn modelId="{B50AC079-19F9-4CEA-BDD6-C1A7B915C2B1}" srcId="{256D063E-CDA5-421B-9498-A9E68A18EB0A}" destId="{046CEBDD-8433-4280-A00E-905E5E7ABE2F}" srcOrd="0" destOrd="0" parTransId="{C5793ABE-787C-4F8A-B8C7-0FC845B020E4}" sibTransId="{504B8F53-CC07-46CA-8B82-EC354FD37A54}"/>
     <dgm:cxn modelId="{86D00908-25B4-46C9-A7F9-54CEA655F381}" srcId="{29A5FAA5-283A-40FA-A839-61652B4490B3}" destId="{6069CE85-02F1-4E19-AE48-CF3A5EC5E8E6}" srcOrd="1" destOrd="0" parTransId="{4FB243DF-31C2-4C71-A631-10B53957E2DE}" sibTransId="{37B9F1F7-DE95-470E-808E-BB03622D0295}"/>
-    <dgm:cxn modelId="{22C07930-881D-4460-AEEB-5A9CB7A041DE}" srcId="{256D063E-CDA5-421B-9498-A9E68A18EB0A}" destId="{74553BB0-A411-4841-AB30-810EE8DD560C}" srcOrd="2" destOrd="0" parTransId="{4B323776-7BC0-4DAC-84BB-1771A4C238F9}" sibTransId="{A0F2BCDB-F9DC-441E-AA52-4F28899184E7}"/>
-    <dgm:cxn modelId="{3A3A5408-704D-4B12-8EFD-2A2E3B908D79}" type="presOf" srcId="{2852B17E-400F-4F0C-A965-6DC058515768}" destId="{54641B96-456F-4BF6-A2F6-F5888D3E90F6}" srcOrd="1" destOrd="1" presId="urn:microsoft.com/office/officeart/2005/8/layout/hProcess4"/>
-    <dgm:cxn modelId="{590E3694-7A09-4155-89F4-F5E00A4C07A5}" srcId="{74553BB0-A411-4841-AB30-810EE8DD560C}" destId="{B6C0D1DC-4B50-474C-BD10-7EBC0605A4D9}" srcOrd="0" destOrd="0" parTransId="{D7F4800F-CAFF-446E-831E-7D644B63544C}" sibTransId="{E21B6B12-5347-4AA1-9B70-9588F9D860CB}"/>
-    <dgm:cxn modelId="{6CBE8A98-52E6-4A6B-BA8F-79D6D3D40963}" type="presOf" srcId="{55CB83B0-E509-442E-8A6B-462E1D3F9329}" destId="{1F14FE10-230C-444F-9DA2-B1E6E78209BC}" srcOrd="1" destOrd="0" presId="urn:microsoft.com/office/officeart/2005/8/layout/hProcess4"/>
-    <dgm:cxn modelId="{086F1391-2180-48E0-AA37-8B97FC6E18C3}" type="presOf" srcId="{046CEBDD-8433-4280-A00E-905E5E7ABE2F}" destId="{3EAC7254-D002-446D-A858-48A972C6F666}" srcOrd="0" destOrd="0" presId="urn:microsoft.com/office/officeart/2005/8/layout/hProcess4"/>
-    <dgm:cxn modelId="{FD661B77-24E0-4EE0-B37E-9ADAA930E94B}" type="presOf" srcId="{80529BC2-F094-4A12-9930-AE27455CC937}" destId="{F93A835D-D777-48B1-BE52-D7D4E0E4F7C3}" srcOrd="0" destOrd="0" presId="urn:microsoft.com/office/officeart/2005/8/layout/hProcess4"/>
-    <dgm:cxn modelId="{B50AC079-19F9-4CEA-BDD6-C1A7B915C2B1}" srcId="{256D063E-CDA5-421B-9498-A9E68A18EB0A}" destId="{046CEBDD-8433-4280-A00E-905E5E7ABE2F}" srcOrd="0" destOrd="0" parTransId="{C5793ABE-787C-4F8A-B8C7-0FC845B020E4}" sibTransId="{504B8F53-CC07-46CA-8B82-EC354FD37A54}"/>
-    <dgm:cxn modelId="{ACE970F9-D25F-4D81-920A-F4C4237DC670}" type="presOf" srcId="{55CB83B0-E509-442E-8A6B-462E1D3F9329}" destId="{963BB537-6BC6-4997-8ACE-AAC40D4F72B9}" srcOrd="0" destOrd="0" presId="urn:microsoft.com/office/officeart/2005/8/layout/hProcess4"/>
     <dgm:cxn modelId="{30C5E3EF-43AF-43DB-A69E-84099F662E5F}" type="presOf" srcId="{56FD6956-DCE2-4C65-943F-43C5AF1895A4}" destId="{387A98E9-B78F-453E-97D9-C7D37D977DC2}" srcOrd="0" destOrd="0" presId="urn:microsoft.com/office/officeart/2005/8/layout/hProcess4"/>
-    <dgm:cxn modelId="{2ECDE5D4-7165-4E37-8973-8C872B353A21}" type="presOf" srcId="{6069CE85-02F1-4E19-AE48-CF3A5EC5E8E6}" destId="{387A98E9-B78F-453E-97D9-C7D37D977DC2}" srcOrd="0" destOrd="1" presId="urn:microsoft.com/office/officeart/2005/8/layout/hProcess4"/>
-    <dgm:cxn modelId="{4278E359-D789-4D4E-9691-3BB7F59572A5}" srcId="{046CEBDD-8433-4280-A00E-905E5E7ABE2F}" destId="{80529BC2-F094-4A12-9930-AE27455CC937}" srcOrd="0" destOrd="0" parTransId="{4135261D-F44A-43AF-B429-9A40D56E26BC}" sibTransId="{AC3DD7E5-0CF1-4ACA-B534-0923E3DAEEB5}"/>
-    <dgm:cxn modelId="{8642E7EF-DE6F-4F0D-9809-9E4515402E09}" type="presOf" srcId="{29A5FAA5-283A-40FA-A839-61652B4490B3}" destId="{A8CE020E-D2F2-4A40-8F88-BDE892B2AC46}" srcOrd="0" destOrd="0" presId="urn:microsoft.com/office/officeart/2005/8/layout/hProcess4"/>
-    <dgm:cxn modelId="{1DD37075-FF92-4E75-91C7-F35379E28EC2}" type="presOf" srcId="{A0F2BCDB-F9DC-441E-AA52-4F28899184E7}" destId="{B38F082E-668F-4386-A131-662964A681EC}" srcOrd="0" destOrd="0" presId="urn:microsoft.com/office/officeart/2005/8/layout/hProcess4"/>
-    <dgm:cxn modelId="{B972361B-3C70-4464-9705-92EFEB1F1295}" type="presOf" srcId="{02DB401A-77D8-425F-88BB-25612D62C6BC}" destId="{387A98E9-B78F-453E-97D9-C7D37D977DC2}" srcOrd="0" destOrd="2" presId="urn:microsoft.com/office/officeart/2005/8/layout/hProcess4"/>
-    <dgm:cxn modelId="{291D66D7-5A59-4FBB-8873-B4B861519030}" srcId="{256D063E-CDA5-421B-9498-A9E68A18EB0A}" destId="{29A5FAA5-283A-40FA-A839-61652B4490B3}" srcOrd="1" destOrd="0" parTransId="{B86E4B9B-9DE8-4014-8C5C-85A53E777C68}" sibTransId="{09F65D13-5AB4-4352-A429-1BDFEDA69140}"/>
-    <dgm:cxn modelId="{E2A1A383-4D9A-42A0-AF3C-6E51002DDEE5}" srcId="{29A5FAA5-283A-40FA-A839-61652B4490B3}" destId="{02DB401A-77D8-425F-88BB-25612D62C6BC}" srcOrd="2" destOrd="0" parTransId="{C40872BC-E7ED-44B8-A5B8-EEDA50B66AA1}" sibTransId="{E2E6B22B-6819-4E27-ADA0-451AC1F3074F}"/>
-    <dgm:cxn modelId="{03D75F3B-E355-4946-853D-E333342D603F}" type="presOf" srcId="{256D063E-CDA5-421B-9498-A9E68A18EB0A}" destId="{B4454FD2-9441-4A05-8860-24D46A0B6AD5}" srcOrd="0" destOrd="0" presId="urn:microsoft.com/office/officeart/2005/8/layout/hProcess4"/>
     <dgm:cxn modelId="{31B9516C-DE89-4A1A-9FD1-6171AE1B3AAE}" srcId="{256D063E-CDA5-421B-9498-A9E68A18EB0A}" destId="{4930E6C7-6E87-4E12-87DB-3E233F2EB534}" srcOrd="3" destOrd="0" parTransId="{0B434E29-8B62-4B36-8516-6EE11FDD9B3C}" sibTransId="{E2999A2A-E73D-4C93-96B0-B984D2A214F2}"/>
     <dgm:cxn modelId="{C59AAD0D-973F-422F-B3E1-4555114CEF2D}" type="presOf" srcId="{4930E6C7-6E87-4E12-87DB-3E233F2EB534}" destId="{E0E7B078-A6F5-4075-84A4-EEB86A51B141}" srcOrd="0" destOrd="0" presId="urn:microsoft.com/office/officeart/2005/8/layout/hProcess4"/>
-    <dgm:cxn modelId="{6867952A-BF84-4636-9CA9-2E0144922270}" type="presOf" srcId="{504B8F53-CC07-46CA-8B82-EC354FD37A54}" destId="{F267B30C-97C3-4D7F-9714-839C57628911}" srcOrd="0" destOrd="0" presId="urn:microsoft.com/office/officeart/2005/8/layout/hProcess4"/>
+    <dgm:cxn modelId="{B972361B-3C70-4464-9705-92EFEB1F1295}" type="presOf" srcId="{02DB401A-77D8-425F-88BB-25612D62C6BC}" destId="{387A98E9-B78F-453E-97D9-C7D37D977DC2}" srcOrd="0" destOrd="2" presId="urn:microsoft.com/office/officeart/2005/8/layout/hProcess4"/>
     <dgm:cxn modelId="{61BC87B4-28DC-4965-8C01-A0781373C67B}" srcId="{29A5FAA5-283A-40FA-A839-61652B4490B3}" destId="{B1D3268A-2CA7-40C2-A6BD-E93A387CC3C9}" srcOrd="3" destOrd="0" parTransId="{56291349-8E78-4733-ACA7-7CBF0386878C}" sibTransId="{5C97A5DA-C113-4FB9-8A14-CE672B128E9F}"/>
-    <dgm:cxn modelId="{0A8C7A1C-8497-4CEA-BFDE-66CEB8BE8B17}" type="presOf" srcId="{B1D3268A-2CA7-40C2-A6BD-E93A387CC3C9}" destId="{387A98E9-B78F-453E-97D9-C7D37D977DC2}" srcOrd="0" destOrd="3" presId="urn:microsoft.com/office/officeart/2005/8/layout/hProcess4"/>
-    <dgm:cxn modelId="{F7DA23E2-78F3-4255-8E78-740E0C52EF30}" type="presOf" srcId="{B6C0D1DC-4B50-474C-BD10-7EBC0605A4D9}" destId="{54641B96-456F-4BF6-A2F6-F5888D3E90F6}" srcOrd="1" destOrd="0" presId="urn:microsoft.com/office/officeart/2005/8/layout/hProcess4"/>
-    <dgm:cxn modelId="{60A5CF9A-12FF-4D28-95E5-DC81FB093BB4}" type="presOf" srcId="{56FD6956-DCE2-4C65-943F-43C5AF1895A4}" destId="{2F771251-0DDD-462E-83B1-5C78B4D2DCBD}" srcOrd="1" destOrd="0" presId="urn:microsoft.com/office/officeart/2005/8/layout/hProcess4"/>
-    <dgm:cxn modelId="{E4FC5EEA-9611-41A7-993E-A765CA0298EB}" type="presOf" srcId="{B6C0D1DC-4B50-474C-BD10-7EBC0605A4D9}" destId="{BE1A984B-808C-4598-B786-0286057C8341}" srcOrd="0" destOrd="0" presId="urn:microsoft.com/office/officeart/2005/8/layout/hProcess4"/>
-    <dgm:cxn modelId="{64DA3176-F7AC-4C88-ABF3-0EDE0CE58471}" srcId="{4930E6C7-6E87-4E12-87DB-3E233F2EB534}" destId="{55CB83B0-E509-442E-8A6B-462E1D3F9329}" srcOrd="0" destOrd="0" parTransId="{98C9552F-A063-4036-BF6B-EB8767C6F2B0}" sibTransId="{7172DA90-ED09-4D43-B882-57A0FAD54C99}"/>
-    <dgm:cxn modelId="{1A17D8B6-915E-4D46-9D42-D2907B1DF09B}" type="presOf" srcId="{B1D3268A-2CA7-40C2-A6BD-E93A387CC3C9}" destId="{2F771251-0DDD-462E-83B1-5C78B4D2DCBD}" srcOrd="1" destOrd="3" presId="urn:microsoft.com/office/officeart/2005/8/layout/hProcess4"/>
-    <dgm:cxn modelId="{0B3C2532-8082-42B0-AEAB-FC4CE5393A49}" type="presOf" srcId="{80529BC2-F094-4A12-9930-AE27455CC937}" destId="{33F8377B-79FD-436E-A6E2-3C0555D13059}" srcOrd="1" destOrd="0" presId="urn:microsoft.com/office/officeart/2005/8/layout/hProcess4"/>
     <dgm:cxn modelId="{61BA3DB9-3C91-41EB-9447-97E6D13B6384}" type="presOf" srcId="{09F65D13-5AB4-4352-A429-1BDFEDA69140}" destId="{70285396-6BEB-445E-914F-96B1877253BD}" srcOrd="0" destOrd="0" presId="urn:microsoft.com/office/officeart/2005/8/layout/hProcess4"/>
-    <dgm:cxn modelId="{68D12C7C-3051-4B85-9F92-4B2B8B0B655B}" srcId="{29A5FAA5-283A-40FA-A839-61652B4490B3}" destId="{56FD6956-DCE2-4C65-943F-43C5AF1895A4}" srcOrd="0" destOrd="0" parTransId="{0D22F242-22B0-4222-8CED-732C873498E1}" sibTransId="{54B7FFFF-A36B-4D8E-82AE-4D89E9BC76EE}"/>
-    <dgm:cxn modelId="{7DAF750B-FDDB-4B97-9C32-EE00FBAD8FE0}" type="presOf" srcId="{2852B17E-400F-4F0C-A965-6DC058515768}" destId="{BE1A984B-808C-4598-B786-0286057C8341}" srcOrd="0" destOrd="1" presId="urn:microsoft.com/office/officeart/2005/8/layout/hProcess4"/>
     <dgm:cxn modelId="{D2021B6F-4E2F-4313-AB46-5C975DBC9C51}" type="presOf" srcId="{02DB401A-77D8-425F-88BB-25612D62C6BC}" destId="{2F771251-0DDD-462E-83B1-5C78B4D2DCBD}" srcOrd="1" destOrd="2" presId="urn:microsoft.com/office/officeart/2005/8/layout/hProcess4"/>
-    <dgm:cxn modelId="{149F30B2-7384-4906-8C78-79E6FC40A620}" srcId="{74553BB0-A411-4841-AB30-810EE8DD560C}" destId="{2852B17E-400F-4F0C-A965-6DC058515768}" srcOrd="1" destOrd="0" parTransId="{1A58DE2A-6FDD-482E-8C73-AEA4B72C3B14}" sibTransId="{68DA26CD-F95E-4DB0-BD57-FBBEB591FEEA}"/>
-    <dgm:cxn modelId="{80973ED4-0EB8-4E31-92A0-C979E07468A7}" type="presOf" srcId="{6069CE85-02F1-4E19-AE48-CF3A5EC5E8E6}" destId="{2F771251-0DDD-462E-83B1-5C78B4D2DCBD}" srcOrd="1" destOrd="1" presId="urn:microsoft.com/office/officeart/2005/8/layout/hProcess4"/>
+    <dgm:cxn modelId="{590E3694-7A09-4155-89F4-F5E00A4C07A5}" srcId="{74553BB0-A411-4841-AB30-810EE8DD560C}" destId="{B6C0D1DC-4B50-474C-BD10-7EBC0605A4D9}" srcOrd="0" destOrd="0" parTransId="{D7F4800F-CAFF-446E-831E-7D644B63544C}" sibTransId="{E21B6B12-5347-4AA1-9B70-9588F9D860CB}"/>
     <dgm:cxn modelId="{9B50CE38-B8E3-4D48-90E9-1F716CCCDAC8}" type="presParOf" srcId="{B4454FD2-9441-4A05-8860-24D46A0B6AD5}" destId="{80EBEF79-59F6-46F4-861C-723D220DB42E}" srcOrd="0" destOrd="0" presId="urn:microsoft.com/office/officeart/2005/8/layout/hProcess4"/>
     <dgm:cxn modelId="{376A0D54-AF6C-4EAF-9268-DAFA0A6BB18A}" type="presParOf" srcId="{B4454FD2-9441-4A05-8860-24D46A0B6AD5}" destId="{ECF00678-393D-4875-BF74-2F552F34D07F}" srcOrd="1" destOrd="0" presId="urn:microsoft.com/office/officeart/2005/8/layout/hProcess4"/>
     <dgm:cxn modelId="{1ED4DBA0-E4A6-473A-B72A-E8C688C0C7B7}" type="presParOf" srcId="{B4454FD2-9441-4A05-8860-24D46A0B6AD5}" destId="{01C98A79-72E4-4E95-80D5-4AB1A0C86824}" srcOrd="2" destOrd="0" presId="urn:microsoft.com/office/officeart/2005/8/layout/hProcess4"/>
@@ -20878,7 +20874,7 @@
         </p:spPr>
         <p:txBody>
           <a:bodyPr>
-            <a:normAutofit/>
+            <a:normAutofit fontScale="90000"/>
           </a:bodyPr>
           <a:lstStyle/>
           <a:p>
@@ -20890,7 +20886,37 @@
               <a:rPr lang="en-US" sz="4400" b="1" dirty="0" smtClean="0"/>
               <a:t>Detection</a:t>
             </a:r>
-            <a:endParaRPr lang="en-US" sz="4400" b="1" dirty="0"/>
+            <a:br>
+              <a:rPr lang="en-US" sz="4400" b="1" dirty="0" smtClean="0"/>
+            </a:br>
+            <a:r>
+              <a:rPr lang="en-US" sz="4400" b="1"/>
+              <a:t/>
+            </a:r>
+            <a:br>
+              <a:rPr lang="en-US" sz="4400" b="1"/>
+            </a:br>
+            <a:r>
+              <a:rPr lang="en-US" sz="2000" b="1" i="1" smtClean="0">
+                <a:solidFill>
+                  <a:srgbClr val="FF0000"/>
+                </a:solidFill>
+              </a:rPr>
+              <a:t>https://</a:t>
+            </a:r>
+            <a:r>
+              <a:rPr lang="en-US" sz="2000" b="1" i="1" dirty="0" smtClean="0">
+                <a:solidFill>
+                  <a:srgbClr val="FF0000"/>
+                </a:solidFill>
+              </a:rPr>
+              <a:t>github.com/sujithcp/NewsAnalyser</a:t>
+            </a:r>
+            <a:endParaRPr lang="en-US" sz="2000" b="1" i="1" dirty="0">
+              <a:solidFill>
+                <a:srgbClr val="FF0000"/>
+              </a:solidFill>
+            </a:endParaRPr>
           </a:p>
         </p:txBody>
       </p:sp>
@@ -20983,7 +21009,12 @@
             <p:ph type="title"/>
           </p:nvPr>
         </p:nvSpPr>
-        <p:spPr/>
+        <p:spPr>
+          <a:xfrm>
+            <a:off x="2592925" y="624110"/>
+            <a:ext cx="8911687" cy="670118"/>
+          </a:xfrm>
+        </p:spPr>
         <p:txBody>
           <a:bodyPr/>
           <a:lstStyle/>
@@ -23228,6 +23259,183 @@
       </p:grpSpPr>
       <p:sp>
         <p:nvSpPr>
+          <p:cNvPr id="2" name="Title 1"/>
+          <p:cNvSpPr>
+            <a:spLocks noGrp="1"/>
+          </p:cNvSpPr>
+          <p:nvPr>
+            <p:ph type="title"/>
+          </p:nvPr>
+        </p:nvSpPr>
+        <p:spPr/>
+        <p:txBody>
+          <a:bodyPr/>
+          <a:lstStyle/>
+          <a:p>
+            <a:r>
+              <a:rPr lang="en-US" dirty="0" smtClean="0"/>
+              <a:t>References</a:t>
+            </a:r>
+            <a:endParaRPr lang="en-US" dirty="0"/>
+          </a:p>
+        </p:txBody>
+      </p:sp>
+      <p:sp>
+        <p:nvSpPr>
+          <p:cNvPr id="3" name="Content Placeholder 2"/>
+          <p:cNvSpPr>
+            <a:spLocks noGrp="1"/>
+          </p:cNvSpPr>
+          <p:nvPr>
+            <p:ph idx="1"/>
+          </p:nvPr>
+        </p:nvSpPr>
+        <p:spPr/>
+        <p:txBody>
+          <a:bodyPr/>
+          <a:lstStyle/>
+          <a:p>
+            <a:r>
+              <a:rPr lang="en-US" dirty="0"/>
+              <a:t>Learning approaches for Detecting and Tracking News </a:t>
+            </a:r>
+            <a:r>
+              <a:rPr lang="en-US" dirty="0" smtClean="0"/>
+              <a:t>Events: IEEE </a:t>
+            </a:r>
+            <a:r>
+              <a:rPr lang="en-US" dirty="0"/>
+              <a:t>paper by </a:t>
+            </a:r>
+            <a:r>
+              <a:rPr lang="en-US" dirty="0" err="1"/>
+              <a:t>Yiming</a:t>
+            </a:r>
+            <a:r>
+              <a:rPr lang="en-US" dirty="0"/>
+              <a:t> Yang, Jaime </a:t>
+            </a:r>
+            <a:r>
+              <a:rPr lang="en-US" dirty="0" err="1"/>
+              <a:t>Carbonell</a:t>
+            </a:r>
+            <a:r>
+              <a:rPr lang="en-US" dirty="0"/>
+              <a:t>, Ralf </a:t>
+            </a:r>
+            <a:r>
+              <a:rPr lang="en-US" dirty="0" err="1"/>
+              <a:t>Brown,Tom</a:t>
+            </a:r>
+            <a:r>
+              <a:rPr lang="en-US" dirty="0"/>
+              <a:t> Pierce, Brian T. Archibald, </a:t>
+            </a:r>
+            <a:r>
+              <a:rPr lang="en-US" dirty="0" err="1"/>
+              <a:t>Xin</a:t>
+            </a:r>
+            <a:r>
+              <a:rPr lang="en-US" dirty="0"/>
+              <a:t> </a:t>
+            </a:r>
+            <a:r>
+              <a:rPr lang="en-US" dirty="0" smtClean="0"/>
+              <a:t>Liu</a:t>
+            </a:r>
+          </a:p>
+          <a:p>
+            <a:r>
+              <a:rPr lang="en-US" dirty="0" smtClean="0"/>
+              <a:t>Web </a:t>
+            </a:r>
+            <a:r>
+              <a:rPr lang="en-US" dirty="0"/>
+              <a:t>references</a:t>
+            </a:r>
+            <a:r>
+              <a:rPr lang="en-US" dirty="0" smtClean="0"/>
+              <a:t>:</a:t>
+            </a:r>
+          </a:p>
+          <a:p>
+            <a:pPr lvl="1">
+              <a:buFont typeface="Arial" panose="020B0604020202020204" pitchFamily="34" charset="0"/>
+              <a:buChar char="•"/>
+            </a:pPr>
+            <a:r>
+              <a:rPr lang="en-US" dirty="0">
+                <a:hlinkClick r:id="rId2"/>
+              </a:rPr>
+              <a:t>http://stevenloria.com/how-to-build-a-text-classification-system-with-python-and-textblob</a:t>
+            </a:r>
+            <a:r>
+              <a:rPr lang="en-US" dirty="0" smtClean="0">
+                <a:hlinkClick r:id="rId2"/>
+              </a:rPr>
+              <a:t>/</a:t>
+            </a:r>
+            <a:endParaRPr lang="en-US" dirty="0" smtClean="0"/>
+          </a:p>
+          <a:p>
+            <a:pPr lvl="1">
+              <a:buFont typeface="Arial" panose="020B0604020202020204" pitchFamily="34" charset="0"/>
+              <a:buChar char="•"/>
+            </a:pPr>
+            <a:r>
+              <a:rPr lang="en-US" dirty="0">
+                <a:hlinkClick r:id="rId3"/>
+              </a:rPr>
+              <a:t>https://</a:t>
+            </a:r>
+            <a:r>
+              <a:rPr lang="en-US" dirty="0" smtClean="0">
+                <a:hlinkClick r:id="rId3"/>
+              </a:rPr>
+              <a:t>en.wikipedia.org/wiki/Tf%E2%80%93idf</a:t>
+            </a:r>
+            <a:endParaRPr lang="en-US" dirty="0" smtClean="0"/>
+          </a:p>
+          <a:p>
+            <a:pPr marL="457200" lvl="1" indent="0">
+              <a:buNone/>
+            </a:pPr>
+            <a:endParaRPr lang="en-US" dirty="0"/>
+          </a:p>
+        </p:txBody>
+      </p:sp>
+    </p:spTree>
+    <p:extLst>
+      <p:ext uri="{BB962C8B-B14F-4D97-AF65-F5344CB8AC3E}">
+        <p14:creationId xmlns:p14="http://schemas.microsoft.com/office/powerpoint/2010/main" val="178956298"/>
+      </p:ext>
+    </p:extLst>
+  </p:cSld>
+  <p:clrMapOvr>
+    <a:masterClrMapping/>
+  </p:clrMapOvr>
+</p:sld>
+</file>
+
+<file path=ppt/slides/slide16.xml><?xml version="1.0" encoding="utf-8"?>
+<p:sld xmlns:a="http://schemas.openxmlformats.org/drawingml/2006/main" xmlns:r="http://schemas.openxmlformats.org/officeDocument/2006/relationships" xmlns:p="http://schemas.openxmlformats.org/presentationml/2006/main">
+  <p:cSld>
+    <p:spTree>
+      <p:nvGrpSpPr>
+        <p:cNvPr id="1" name=""/>
+        <p:cNvGrpSpPr/>
+        <p:nvPr/>
+      </p:nvGrpSpPr>
+      <p:grpSpPr>
+        <a:xfrm>
+          <a:off x="0" y="0"/>
+          <a:ext cx="0" cy="0"/>
+          <a:chOff x="0" y="0"/>
+          <a:chExt cx="0" cy="0"/>
+        </a:xfrm>
+      </p:grpSpPr>
+      <p:sp>
+        <p:nvSpPr>
           <p:cNvPr id="4" name="Title 3"/>
           <p:cNvSpPr>
             <a:spLocks noGrp="1"/>
@@ -23327,15 +23535,7 @@
           <a:p>
             <a:r>
               <a:rPr lang="en-US" sz="1600" dirty="0" smtClean="0"/>
-              <a:t>Data classification and </a:t>
-            </a:r>
-            <a:r>
-              <a:rPr lang="en-US" sz="1600" dirty="0" smtClean="0"/>
-              <a:t>mining </a:t>
-            </a:r>
-            <a:r>
-              <a:rPr lang="en-US" sz="1600" dirty="0" smtClean="0"/>
-              <a:t>are trending and rapidly evolving fields of</a:t>
+              <a:t>Data classification and mining are trending and rapidly evolving fields of</a:t>
             </a:r>
           </a:p>
           <a:p>
@@ -23363,15 +23563,7 @@
           <a:p>
             <a:r>
               <a:rPr lang="en-US" sz="1600" dirty="0" smtClean="0"/>
-              <a:t>News event detection and classification are very helpful in socio-economic research and such purposes. As social media and real-time information sharing gains popularity</a:t>
-            </a:r>
-            <a:r>
-              <a:rPr lang="en-US" sz="1600" dirty="0" smtClean="0"/>
-              <a:t>,  </a:t>
-            </a:r>
-            <a:r>
-              <a:rPr lang="en-US" sz="1600" dirty="0" smtClean="0"/>
-              <a:t>an automated event detection system can do better in understanding the required events.</a:t>
+              <a:t>News event detection and classification are very helpful in socio-economic research and such purposes. As social media and real-time information sharing gains popularity,  an automated event detection system can do better in understanding the required events.</a:t>
             </a:r>
           </a:p>
           <a:p>
@@ -24399,11 +24591,7 @@
             </a:r>
             <a:r>
               <a:rPr lang="en-US" dirty="0" smtClean="0"/>
-              <a:t>: </a:t>
-            </a:r>
-            <a:r>
-              <a:rPr lang="en-US" dirty="0" smtClean="0"/>
-              <a:t>94.6</a:t>
+              <a:t>: 94.6</a:t>
             </a:r>
             <a:endParaRPr lang="en-US" dirty="0"/>
           </a:p>
@@ -24436,11 +24624,7 @@
             </a:pPr>
             <a:r>
               <a:rPr lang="en-US" dirty="0"/>
-              <a:t>Data set size				: </a:t>
-            </a:r>
-            <a:r>
-              <a:rPr lang="en-US" dirty="0"/>
-              <a:t>9</a:t>
+              <a:t>Data set size				: 9</a:t>
             </a:r>
             <a:r>
               <a:rPr lang="en-US" dirty="0" smtClean="0"/>
@@ -24458,13 +24642,8 @@
             </a:r>
             <a:r>
               <a:rPr lang="en-US" dirty="0" smtClean="0"/>
-              <a:t>: </a:t>
+              <a:t>: 97.17</a:t>
             </a:r>
-            <a:r>
-              <a:rPr lang="en-US" dirty="0" smtClean="0"/>
-              <a:t>97.17</a:t>
-            </a:r>
-            <a:endParaRPr lang="en-US" dirty="0" smtClean="0"/>
           </a:p>
           <a:p>
             <a:endParaRPr lang="en-US" dirty="0" smtClean="0"/>
